--- a/project/資料/スマホ最適化縦STG_仕様書2019.pptx
+++ b/project/資料/スマホ最適化縦STG_仕様書2019.pptx
@@ -5,7 +5,7 @@
     <p:sldMasterId id="2147483744" r:id="rId1"/>
   </p:sldMasterIdLst>
   <p:notesMasterIdLst>
-    <p:notesMasterId r:id="rId35"/>
+    <p:notesMasterId r:id="rId36"/>
   </p:notesMasterIdLst>
   <p:sldIdLst>
     <p:sldId id="256" r:id="rId2"/>
@@ -34,23 +34,24 @@
     <p:sldId id="326" r:id="rId25"/>
     <p:sldId id="297" r:id="rId26"/>
     <p:sldId id="323" r:id="rId27"/>
-    <p:sldId id="298" r:id="rId28"/>
-    <p:sldId id="324" r:id="rId29"/>
-    <p:sldId id="321" r:id="rId30"/>
-    <p:sldId id="325" r:id="rId31"/>
-    <p:sldId id="322" r:id="rId32"/>
-    <p:sldId id="295" r:id="rId33"/>
-    <p:sldId id="288" r:id="rId34"/>
+    <p:sldId id="327" r:id="rId28"/>
+    <p:sldId id="298" r:id="rId29"/>
+    <p:sldId id="324" r:id="rId30"/>
+    <p:sldId id="321" r:id="rId31"/>
+    <p:sldId id="325" r:id="rId32"/>
+    <p:sldId id="322" r:id="rId33"/>
+    <p:sldId id="295" r:id="rId34"/>
+    <p:sldId id="288" r:id="rId35"/>
   </p:sldIdLst>
   <p:sldSz cx="9144000" cy="6858000" type="screen4x3"/>
   <p:notesSz cx="6858000" cy="9144000"/>
   <p:embeddedFontLst>
     <p:embeddedFont>
       <p:font typeface="Calibri" pitchFamily="34" charset="0"/>
-      <p:regular r:id="rId36"/>
-      <p:bold r:id="rId37"/>
-      <p:italic r:id="rId38"/>
-      <p:boldItalic r:id="rId39"/>
+      <p:regular r:id="rId37"/>
+      <p:bold r:id="rId38"/>
+      <p:italic r:id="rId39"/>
+      <p:boldItalic r:id="rId40"/>
     </p:embeddedFont>
   </p:embeddedFontLst>
   <p:defaultTextStyle>
@@ -150,7 +151,7 @@
   </p:defaultTextStyle>
   <p:extLst>
     <p:ext uri="{EFAFB233-063F-42B5-8137-9DF3F51BA10A}">
-      <p15:sldGuideLst xmlns:p15="http://schemas.microsoft.com/office/powerpoint/2012/main" xmlns="">
+      <p15:sldGuideLst xmlns="" xmlns:p15="http://schemas.microsoft.com/office/powerpoint/2012/main">
         <p15:guide id="1" orient="horz" pos="2160" userDrawn="1">
           <p15:clr>
             <a:srgbClr val="A4A3A4"/>
@@ -250,7 +251,7 @@
             <a:fld id="{8587BA4A-3F63-455B-A7BC-BE3ACF86011E}" type="datetimeFigureOut">
               <a:rPr kumimoji="1" lang="ja-JP" altLang="en-US" smtClean="0"/>
               <a:pPr/>
-              <a:t>2019/12/16</a:t>
+              <a:t>2020/5/13</a:t>
             </a:fld>
             <a:endParaRPr kumimoji="1" lang="ja-JP" altLang="en-US"/>
           </a:p>
@@ -453,7 +454,7 @@
     </p:spTree>
     <p:extLst>
       <p:ext uri="{BB962C8B-B14F-4D97-AF65-F5344CB8AC3E}">
-        <p14:creationId xmlns:p14="http://schemas.microsoft.com/office/powerpoint/2010/main" xmlns="" val="2272850417"/>
+        <p14:creationId xmlns="" xmlns:p14="http://schemas.microsoft.com/office/powerpoint/2010/main" val="2272850417"/>
       </p:ext>
     </p:extLst>
   </p:cSld>
@@ -735,7 +736,7 @@
             <a:fld id="{51B869B6-A1BB-4C9E-8561-EA9AF8554193}" type="datetimeFigureOut">
               <a:rPr kumimoji="1" lang="ja-JP" altLang="en-US" smtClean="0"/>
               <a:pPr/>
-              <a:t>2019/12/16</a:t>
+              <a:t>2020/5/13</a:t>
             </a:fld>
             <a:endParaRPr kumimoji="1" lang="ja-JP" altLang="en-US"/>
           </a:p>
@@ -934,7 +935,7 @@
             <a:fld id="{51B869B6-A1BB-4C9E-8561-EA9AF8554193}" type="datetimeFigureOut">
               <a:rPr kumimoji="1" lang="ja-JP" altLang="en-US" smtClean="0"/>
               <a:pPr/>
-              <a:t>2019/12/16</a:t>
+              <a:t>2020/5/13</a:t>
             </a:fld>
             <a:endParaRPr kumimoji="1" lang="ja-JP" altLang="en-US"/>
           </a:p>
@@ -1143,7 +1144,7 @@
             <a:fld id="{51B869B6-A1BB-4C9E-8561-EA9AF8554193}" type="datetimeFigureOut">
               <a:rPr kumimoji="1" lang="ja-JP" altLang="en-US" smtClean="0"/>
               <a:pPr/>
-              <a:t>2019/12/16</a:t>
+              <a:t>2020/5/13</a:t>
             </a:fld>
             <a:endParaRPr kumimoji="1" lang="ja-JP" altLang="en-US"/>
           </a:p>
@@ -1342,7 +1343,7 @@
             <a:fld id="{51B869B6-A1BB-4C9E-8561-EA9AF8554193}" type="datetimeFigureOut">
               <a:rPr kumimoji="1" lang="ja-JP" altLang="en-US" smtClean="0"/>
               <a:pPr/>
-              <a:t>2019/12/16</a:t>
+              <a:t>2020/5/13</a:t>
             </a:fld>
             <a:endParaRPr kumimoji="1" lang="ja-JP" altLang="en-US"/>
           </a:p>
@@ -1585,7 +1586,7 @@
             <a:fld id="{51B869B6-A1BB-4C9E-8561-EA9AF8554193}" type="datetimeFigureOut">
               <a:rPr kumimoji="1" lang="ja-JP" altLang="en-US" smtClean="0"/>
               <a:pPr/>
-              <a:t>2019/12/16</a:t>
+              <a:t>2020/5/13</a:t>
             </a:fld>
             <a:endParaRPr kumimoji="1" lang="ja-JP" altLang="en-US"/>
           </a:p>
@@ -1934,7 +1935,7 @@
             <a:fld id="{51B869B6-A1BB-4C9E-8561-EA9AF8554193}" type="datetimeFigureOut">
               <a:rPr kumimoji="1" lang="ja-JP" altLang="en-US" smtClean="0"/>
               <a:pPr/>
-              <a:t>2019/12/16</a:t>
+              <a:t>2020/5/13</a:t>
             </a:fld>
             <a:endParaRPr kumimoji="1" lang="ja-JP" altLang="en-US"/>
           </a:p>
@@ -2417,7 +2418,7 @@
             <a:fld id="{51B869B6-A1BB-4C9E-8561-EA9AF8554193}" type="datetimeFigureOut">
               <a:rPr kumimoji="1" lang="ja-JP" altLang="en-US" smtClean="0"/>
               <a:pPr/>
-              <a:t>2019/12/16</a:t>
+              <a:t>2020/5/13</a:t>
             </a:fld>
             <a:endParaRPr kumimoji="1" lang="ja-JP" altLang="en-US"/>
           </a:p>
@@ -2532,7 +2533,7 @@
             <a:fld id="{51B869B6-A1BB-4C9E-8561-EA9AF8554193}" type="datetimeFigureOut">
               <a:rPr kumimoji="1" lang="ja-JP" altLang="en-US" smtClean="0"/>
               <a:pPr/>
-              <a:t>2019/12/16</a:t>
+              <a:t>2020/5/13</a:t>
             </a:fld>
             <a:endParaRPr kumimoji="1" lang="ja-JP" altLang="en-US"/>
           </a:p>
@@ -2624,7 +2625,7 @@
             <a:fld id="{51B869B6-A1BB-4C9E-8561-EA9AF8554193}" type="datetimeFigureOut">
               <a:rPr kumimoji="1" lang="ja-JP" altLang="en-US" smtClean="0"/>
               <a:pPr/>
-              <a:t>2019/12/16</a:t>
+              <a:t>2020/5/13</a:t>
             </a:fld>
             <a:endParaRPr kumimoji="1" lang="ja-JP" altLang="en-US"/>
           </a:p>
@@ -2930,7 +2931,7 @@
             <a:fld id="{51B869B6-A1BB-4C9E-8561-EA9AF8554193}" type="datetimeFigureOut">
               <a:rPr kumimoji="1" lang="ja-JP" altLang="en-US" smtClean="0"/>
               <a:pPr/>
-              <a:t>2019/12/16</a:t>
+              <a:t>2020/5/13</a:t>
             </a:fld>
             <a:endParaRPr kumimoji="1" lang="ja-JP" altLang="en-US"/>
           </a:p>
@@ -3180,7 +3181,7 @@
             <a:fld id="{51B869B6-A1BB-4C9E-8561-EA9AF8554193}" type="datetimeFigureOut">
               <a:rPr kumimoji="1" lang="ja-JP" altLang="en-US" smtClean="0"/>
               <a:pPr/>
-              <a:t>2019/12/16</a:t>
+              <a:t>2020/5/13</a:t>
             </a:fld>
             <a:endParaRPr kumimoji="1" lang="ja-JP" altLang="en-US"/>
           </a:p>
@@ -3422,7 +3423,7 @@
             <a:fld id="{51B869B6-A1BB-4C9E-8561-EA9AF8554193}" type="datetimeFigureOut">
               <a:rPr kumimoji="1" lang="ja-JP" altLang="en-US" smtClean="0"/>
               <a:pPr/>
-              <a:t>2019/12/16</a:t>
+              <a:t>2020/5/13</a:t>
             </a:fld>
             <a:endParaRPr kumimoji="1" lang="ja-JP" altLang="en-US"/>
           </a:p>
@@ -6819,7 +6820,7 @@
     </p:spTree>
     <p:extLst>
       <p:ext uri="{BB962C8B-B14F-4D97-AF65-F5344CB8AC3E}">
-        <p14:creationId xmlns:p14="http://schemas.microsoft.com/office/powerpoint/2010/main" xmlns="" val="3100865840"/>
+        <p14:creationId xmlns="" xmlns:p14="http://schemas.microsoft.com/office/powerpoint/2010/main" val="3100865840"/>
       </p:ext>
     </p:extLst>
   </p:cSld>
@@ -8158,7 +8159,11 @@
           <a:p>
             <a:r>
               <a:rPr lang="ja-JP" altLang="en-US" sz="1800" dirty="0" smtClean="0"/>
-              <a:t>左上にスキップ　右下に１ページ送りボタン用意</a:t>
+              <a:t>左上にスキップ　右下に１ページ送りボタン</a:t>
+            </a:r>
+            <a:r>
+              <a:rPr lang="ja-JP" altLang="en-US" sz="1800" dirty="0" smtClean="0"/>
+              <a:t>用意</a:t>
             </a:r>
             <a:endParaRPr lang="en-US" altLang="ja-JP" sz="1800" dirty="0" smtClean="0"/>
           </a:p>
@@ -8263,6 +8268,264 @@
             <p:ph type="title"/>
           </p:nvPr>
         </p:nvSpPr>
+        <p:spPr/>
+        <p:txBody>
+          <a:bodyPr>
+            <a:normAutofit/>
+          </a:bodyPr>
+          <a:lstStyle/>
+          <a:p>
+            <a:r>
+              <a:rPr lang="ja-JP" altLang="en-US" dirty="0" smtClean="0">
+                <a:ln w="18415" cmpd="sng">
+                  <a:solidFill>
+                    <a:schemeClr val="bg1"/>
+                  </a:solidFill>
+                  <a:prstDash val="solid"/>
+                </a:ln>
+                <a:solidFill>
+                  <a:srgbClr val="FF0000"/>
+                </a:solidFill>
+              </a:rPr>
+              <a:t>・</a:t>
+            </a:r>
+            <a:r>
+              <a:rPr lang="ja-JP" altLang="en-US" dirty="0" smtClean="0">
+                <a:ln w="18415" cmpd="sng">
+                  <a:solidFill>
+                    <a:schemeClr val="bg1"/>
+                  </a:solidFill>
+                  <a:prstDash val="solid"/>
+                </a:ln>
+                <a:solidFill>
+                  <a:srgbClr val="FF0000"/>
+                </a:solidFill>
+              </a:rPr>
+              <a:t>チュートリアル構成</a:t>
+            </a:r>
+            <a:endParaRPr lang="ja-JP" altLang="en-US" dirty="0">
+              <a:ln w="18415" cmpd="sng">
+                <a:solidFill>
+                  <a:schemeClr val="bg1"/>
+                </a:solidFill>
+                <a:prstDash val="solid"/>
+              </a:ln>
+              <a:solidFill>
+                <a:srgbClr val="FF0000"/>
+              </a:solidFill>
+            </a:endParaRPr>
+          </a:p>
+        </p:txBody>
+      </p:sp>
+      <p:sp>
+        <p:nvSpPr>
+          <p:cNvPr id="3" name="コンテンツ プレースホルダ 2"/>
+          <p:cNvSpPr>
+            <a:spLocks noGrp="1"/>
+          </p:cNvSpPr>
+          <p:nvPr>
+            <p:ph idx="1"/>
+          </p:nvPr>
+        </p:nvSpPr>
+        <p:spPr>
+          <a:xfrm>
+            <a:off x="457200" y="1600201"/>
+            <a:ext cx="8229600" cy="4972071"/>
+          </a:xfrm>
+        </p:spPr>
+        <p:txBody>
+          <a:bodyPr>
+            <a:normAutofit/>
+          </a:bodyPr>
+          <a:lstStyle/>
+          <a:p>
+            <a:r>
+              <a:rPr lang="en-US" altLang="ja-JP" sz="1800" dirty="0" smtClean="0"/>
+              <a:t>1</a:t>
+            </a:r>
+            <a:r>
+              <a:rPr lang="ja-JP" altLang="en-US" sz="1800" dirty="0" smtClean="0"/>
+              <a:t>　目的　（時間いっぱい守る　</a:t>
+            </a:r>
+            <a:r>
+              <a:rPr lang="en-US" altLang="ja-JP" sz="1800" dirty="0" smtClean="0"/>
+              <a:t>15</a:t>
+            </a:r>
+            <a:r>
+              <a:rPr lang="ja-JP" altLang="en-US" sz="1800" dirty="0" smtClean="0"/>
+              <a:t>ｓ　*</a:t>
+            </a:r>
+            <a:r>
+              <a:rPr lang="ja-JP" altLang="en-US" sz="1800" dirty="0" err="1" smtClean="0"/>
+              <a:t>ｘ</a:t>
+            </a:r>
+            <a:r>
+              <a:rPr lang="ja-JP" altLang="en-US" sz="1800" dirty="0" smtClean="0"/>
+              <a:t>面　ハイスコア　</a:t>
+            </a:r>
+            <a:r>
+              <a:rPr lang="ja-JP" altLang="en-US" sz="1800" dirty="0" smtClean="0"/>
+              <a:t>地球に攻撃当てるな</a:t>
+            </a:r>
+            <a:endParaRPr lang="en-US" altLang="ja-JP" sz="1800" dirty="0" smtClean="0"/>
+          </a:p>
+          <a:p>
+            <a:r>
+              <a:rPr lang="en-US" altLang="ja-JP" sz="1800" dirty="0" smtClean="0"/>
+              <a:t>2</a:t>
+            </a:r>
+            <a:r>
+              <a:rPr lang="ja-JP" altLang="en-US" sz="1800" dirty="0" smtClean="0"/>
+              <a:t>　</a:t>
+            </a:r>
+            <a:r>
+              <a:rPr lang="ja-JP" altLang="en-US" sz="1800" dirty="0" smtClean="0"/>
+              <a:t>攻撃　（移動は</a:t>
+            </a:r>
+            <a:r>
+              <a:rPr lang="ja-JP" altLang="en-US" sz="1800" dirty="0" err="1" smtClean="0"/>
+              <a:t>無し</a:t>
+            </a:r>
+            <a:r>
+              <a:rPr lang="ja-JP" altLang="en-US" sz="1800" dirty="0" smtClean="0"/>
+              <a:t>　全方位攻撃　２種武器切り替え</a:t>
+            </a:r>
+            <a:endParaRPr lang="en-US" altLang="ja-JP" sz="1800" dirty="0" smtClean="0"/>
+          </a:p>
+          <a:p>
+            <a:r>
+              <a:rPr lang="en-US" altLang="ja-JP" sz="1800" dirty="0" smtClean="0"/>
+              <a:t>3</a:t>
+            </a:r>
+            <a:r>
+              <a:rPr lang="ja-JP" altLang="en-US" sz="1800" dirty="0" smtClean="0"/>
+              <a:t>　インターバルとビルド　（面の合間に３つの強化選択</a:t>
+            </a:r>
+            <a:endParaRPr lang="en-US" altLang="ja-JP" sz="1800" dirty="0" smtClean="0"/>
+          </a:p>
+          <a:p>
+            <a:r>
+              <a:rPr lang="en-US" altLang="ja-JP" sz="1800" dirty="0" smtClean="0"/>
+              <a:t>4</a:t>
+            </a:r>
+            <a:r>
+              <a:rPr lang="ja-JP" altLang="en-US" sz="1800" dirty="0" smtClean="0"/>
+              <a:t>　ランク　（上手いプレイで上がる　上がるとハイスコアに繋がる</a:t>
+            </a:r>
+            <a:endParaRPr lang="en-US" altLang="ja-JP" sz="1800" dirty="0" smtClean="0"/>
+          </a:p>
+          <a:p>
+            <a:r>
+              <a:rPr lang="en-US" altLang="ja-JP" sz="1800" dirty="0" smtClean="0"/>
+              <a:t>5</a:t>
+            </a:r>
+            <a:r>
+              <a:rPr lang="ja-JP" altLang="en-US" sz="1800" smtClean="0"/>
+              <a:t>　ボスヒント　（弱点を狙う　オプションやキャノンを使う</a:t>
+            </a:r>
+            <a:endParaRPr lang="en-US" altLang="ja-JP" sz="1800" dirty="0" smtClean="0"/>
+          </a:p>
+        </p:txBody>
+      </p:sp>
+      <p:sp>
+        <p:nvSpPr>
+          <p:cNvPr id="5" name="コンテンツ プレースホルダ 2"/>
+          <p:cNvSpPr txBox="1">
+            <a:spLocks/>
+          </p:cNvSpPr>
+          <p:nvPr/>
+        </p:nvSpPr>
+        <p:spPr>
+          <a:xfrm>
+            <a:off x="5967418" y="3214686"/>
+            <a:ext cx="3176582" cy="428627"/>
+          </a:xfrm>
+          <a:prstGeom prst="rect">
+            <a:avLst/>
+          </a:prstGeom>
+        </p:spPr>
+        <p:txBody>
+          <a:bodyPr vert="horz" lIns="91440" tIns="45720" rIns="91440" bIns="45720" rtlCol="0">
+            <a:normAutofit/>
+          </a:bodyPr>
+          <a:lstStyle/>
+          <a:p>
+            <a:pPr marL="742950" marR="0" lvl="1" indent="-285750" algn="l" defTabSz="914400" rtl="0" eaLnBrk="1" fontAlgn="auto" latinLnBrk="0" hangingPunct="1">
+              <a:lnSpc>
+                <a:spcPct val="100000"/>
+              </a:lnSpc>
+              <a:spcBef>
+                <a:spcPct val="20000"/>
+              </a:spcBef>
+              <a:spcAft>
+                <a:spcPts val="0"/>
+              </a:spcAft>
+              <a:buClrTx/>
+              <a:buSzTx/>
+              <a:buFont typeface="Arial" pitchFamily="34" charset="0"/>
+              <a:buChar char="–"/>
+              <a:tabLst/>
+              <a:defRPr/>
+            </a:pPr>
+            <a:endParaRPr kumimoji="1" lang="en-US" altLang="ja-JP" sz="1200" b="0" i="0" u="none" strike="noStrike" kern="1200" cap="none" spc="0" normalizeH="0" baseline="0" noProof="0" dirty="0" smtClean="0">
+              <a:ln>
+                <a:noFill/>
+              </a:ln>
+              <a:solidFill>
+                <a:schemeClr val="tx1"/>
+              </a:solidFill>
+              <a:effectLst/>
+              <a:uLnTx/>
+              <a:uFillTx/>
+              <a:latin typeface="+mn-lt"/>
+              <a:ea typeface="+mn-ea"/>
+              <a:cs typeface="+mn-cs"/>
+            </a:endParaRPr>
+          </a:p>
+        </p:txBody>
+      </p:sp>
+    </p:spTree>
+  </p:cSld>
+  <p:clrMapOvr>
+    <a:masterClrMapping/>
+  </p:clrMapOvr>
+  <p:timing>
+    <p:tnLst>
+      <p:par>
+        <p:cTn id="1" dur="indefinite" restart="never" nodeType="tmRoot"/>
+      </p:par>
+    </p:tnLst>
+  </p:timing>
+</p:sld>
+</file>
+
+<file path=ppt/slides/slide28.xml><?xml version="1.0" encoding="utf-8"?>
+<p:sld xmlns:a="http://schemas.openxmlformats.org/drawingml/2006/main" xmlns:r="http://schemas.openxmlformats.org/officeDocument/2006/relationships" xmlns:p="http://schemas.openxmlformats.org/presentationml/2006/main">
+  <p:cSld>
+    <p:spTree>
+      <p:nvGrpSpPr>
+        <p:cNvPr id="1" name=""/>
+        <p:cNvGrpSpPr/>
+        <p:nvPr/>
+      </p:nvGrpSpPr>
+      <p:grpSpPr>
+        <a:xfrm>
+          <a:off x="0" y="0"/>
+          <a:ext cx="0" cy="0"/>
+          <a:chOff x="0" y="0"/>
+          <a:chExt cx="0" cy="0"/>
+        </a:xfrm>
+      </p:grpSpPr>
+      <p:sp>
+        <p:nvSpPr>
+          <p:cNvPr id="2" name="タイトル 1"/>
+          <p:cNvSpPr>
+            <a:spLocks noGrp="1"/>
+          </p:cNvSpPr>
+          <p:nvPr>
+            <p:ph type="title"/>
+          </p:nvPr>
+        </p:nvSpPr>
         <p:spPr>
           <a:xfrm>
             <a:off x="457200" y="2500306"/>
@@ -8289,7 +8552,7 @@
 </p:sld>
 </file>
 
-<file path=ppt/slides/slide28.xml><?xml version="1.0" encoding="utf-8"?>
+<file path=ppt/slides/slide29.xml><?xml version="1.0" encoding="utf-8"?>
 <p:sld xmlns:a="http://schemas.openxmlformats.org/drawingml/2006/main" xmlns:r="http://schemas.openxmlformats.org/officeDocument/2006/relationships" xmlns:p="http://schemas.openxmlformats.org/presentationml/2006/main">
   <p:cSld>
     <p:spTree>
@@ -8491,59 +8754,6 @@
 </p:sld>
 </file>
 
-<file path=ppt/slides/slide29.xml><?xml version="1.0" encoding="utf-8"?>
-<p:sld xmlns:a="http://schemas.openxmlformats.org/drawingml/2006/main" xmlns:r="http://schemas.openxmlformats.org/officeDocument/2006/relationships" xmlns:p="http://schemas.openxmlformats.org/presentationml/2006/main">
-  <p:cSld>
-    <p:spTree>
-      <p:nvGrpSpPr>
-        <p:cNvPr id="1" name=""/>
-        <p:cNvGrpSpPr/>
-        <p:nvPr/>
-      </p:nvGrpSpPr>
-      <p:grpSpPr>
-        <a:xfrm>
-          <a:off x="0" y="0"/>
-          <a:ext cx="0" cy="0"/>
-          <a:chOff x="0" y="0"/>
-          <a:chExt cx="0" cy="0"/>
-        </a:xfrm>
-      </p:grpSpPr>
-      <p:sp>
-        <p:nvSpPr>
-          <p:cNvPr id="2" name="タイトル 1"/>
-          <p:cNvSpPr>
-            <a:spLocks noGrp="1"/>
-          </p:cNvSpPr>
-          <p:nvPr>
-            <p:ph type="title"/>
-          </p:nvPr>
-        </p:nvSpPr>
-        <p:spPr>
-          <a:xfrm>
-            <a:off x="457200" y="2500306"/>
-            <a:ext cx="8229600" cy="1143000"/>
-          </a:xfrm>
-        </p:spPr>
-        <p:txBody>
-          <a:bodyPr/>
-          <a:lstStyle/>
-          <a:p>
-            <a:r>
-              <a:rPr kumimoji="1" lang="ja-JP" altLang="en-US" dirty="0" smtClean="0"/>
-              <a:t>デバッグ</a:t>
-            </a:r>
-            <a:endParaRPr kumimoji="1" lang="ja-JP" altLang="en-US" dirty="0"/>
-          </a:p>
-        </p:txBody>
-      </p:sp>
-    </p:spTree>
-  </p:cSld>
-  <p:clrMapOvr>
-    <a:masterClrMapping/>
-  </p:clrMapOvr>
-</p:sld>
-</file>
-
 <file path=ppt/slides/slide3.xml><?xml version="1.0" encoding="utf-8"?>
 <p:sld xmlns:a="http://schemas.openxmlformats.org/drawingml/2006/main" xmlns:r="http://schemas.openxmlformats.org/officeDocument/2006/relationships" xmlns:p="http://schemas.openxmlformats.org/presentationml/2006/main">
   <p:cSld>
@@ -8598,6 +8808,59 @@
 </file>
 
 <file path=ppt/slides/slide30.xml><?xml version="1.0" encoding="utf-8"?>
+<p:sld xmlns:a="http://schemas.openxmlformats.org/drawingml/2006/main" xmlns:r="http://schemas.openxmlformats.org/officeDocument/2006/relationships" xmlns:p="http://schemas.openxmlformats.org/presentationml/2006/main">
+  <p:cSld>
+    <p:spTree>
+      <p:nvGrpSpPr>
+        <p:cNvPr id="1" name=""/>
+        <p:cNvGrpSpPr/>
+        <p:nvPr/>
+      </p:nvGrpSpPr>
+      <p:grpSpPr>
+        <a:xfrm>
+          <a:off x="0" y="0"/>
+          <a:ext cx="0" cy="0"/>
+          <a:chOff x="0" y="0"/>
+          <a:chExt cx="0" cy="0"/>
+        </a:xfrm>
+      </p:grpSpPr>
+      <p:sp>
+        <p:nvSpPr>
+          <p:cNvPr id="2" name="タイトル 1"/>
+          <p:cNvSpPr>
+            <a:spLocks noGrp="1"/>
+          </p:cNvSpPr>
+          <p:nvPr>
+            <p:ph type="title"/>
+          </p:nvPr>
+        </p:nvSpPr>
+        <p:spPr>
+          <a:xfrm>
+            <a:off x="457200" y="2500306"/>
+            <a:ext cx="8229600" cy="1143000"/>
+          </a:xfrm>
+        </p:spPr>
+        <p:txBody>
+          <a:bodyPr/>
+          <a:lstStyle/>
+          <a:p>
+            <a:r>
+              <a:rPr kumimoji="1" lang="ja-JP" altLang="en-US" dirty="0" smtClean="0"/>
+              <a:t>デバッグ</a:t>
+            </a:r>
+            <a:endParaRPr kumimoji="1" lang="ja-JP" altLang="en-US" dirty="0"/>
+          </a:p>
+        </p:txBody>
+      </p:sp>
+    </p:spTree>
+  </p:cSld>
+  <p:clrMapOvr>
+    <a:masterClrMapping/>
+  </p:clrMapOvr>
+</p:sld>
+</file>
+
+<file path=ppt/slides/slide31.xml><?xml version="1.0" encoding="utf-8"?>
 <p:sld xmlns:a="http://schemas.openxmlformats.org/drawingml/2006/main" xmlns:r="http://schemas.openxmlformats.org/officeDocument/2006/relationships" xmlns:p="http://schemas.openxmlformats.org/presentationml/2006/main">
   <p:cSld>
     <p:spTree>
@@ -8772,59 +9035,6 @@
 </p:sld>
 </file>
 
-<file path=ppt/slides/slide31.xml><?xml version="1.0" encoding="utf-8"?>
-<p:sld xmlns:a="http://schemas.openxmlformats.org/drawingml/2006/main" xmlns:r="http://schemas.openxmlformats.org/officeDocument/2006/relationships" xmlns:p="http://schemas.openxmlformats.org/presentationml/2006/main">
-  <p:cSld>
-    <p:spTree>
-      <p:nvGrpSpPr>
-        <p:cNvPr id="1" name=""/>
-        <p:cNvGrpSpPr/>
-        <p:nvPr/>
-      </p:nvGrpSpPr>
-      <p:grpSpPr>
-        <a:xfrm>
-          <a:off x="0" y="0"/>
-          <a:ext cx="0" cy="0"/>
-          <a:chOff x="0" y="0"/>
-          <a:chExt cx="0" cy="0"/>
-        </a:xfrm>
-      </p:grpSpPr>
-      <p:sp>
-        <p:nvSpPr>
-          <p:cNvPr id="2" name="タイトル 1"/>
-          <p:cNvSpPr>
-            <a:spLocks noGrp="1"/>
-          </p:cNvSpPr>
-          <p:nvPr>
-            <p:ph type="title"/>
-          </p:nvPr>
-        </p:nvSpPr>
-        <p:spPr>
-          <a:xfrm>
-            <a:off x="457200" y="2500306"/>
-            <a:ext cx="8229600" cy="1143000"/>
-          </a:xfrm>
-        </p:spPr>
-        <p:txBody>
-          <a:bodyPr/>
-          <a:lstStyle/>
-          <a:p>
-            <a:r>
-              <a:rPr kumimoji="1" lang="ja-JP" altLang="en-US" dirty="0" smtClean="0"/>
-              <a:t>プレハブ名一覧</a:t>
-            </a:r>
-            <a:endParaRPr kumimoji="1" lang="ja-JP" altLang="en-US" dirty="0"/>
-          </a:p>
-        </p:txBody>
-      </p:sp>
-    </p:spTree>
-  </p:cSld>
-  <p:clrMapOvr>
-    <a:masterClrMapping/>
-  </p:clrMapOvr>
-</p:sld>
-</file>
-
 <file path=ppt/slides/slide32.xml><?xml version="1.0" encoding="utf-8"?>
 <p:sld xmlns:a="http://schemas.openxmlformats.org/drawingml/2006/main" xmlns:r="http://schemas.openxmlformats.org/officeDocument/2006/relationships" xmlns:p="http://schemas.openxmlformats.org/presentationml/2006/main">
   <p:cSld>
@@ -8852,150 +9062,21 @@
             <p:ph type="title"/>
           </p:nvPr>
         </p:nvSpPr>
-        <p:spPr/>
-        <p:txBody>
-          <a:bodyPr>
-            <a:normAutofit/>
-          </a:bodyPr>
-          <a:lstStyle/>
-          <a:p>
-            <a:r>
-              <a:rPr lang="ja-JP" altLang="en-US" dirty="0" smtClean="0">
-                <a:ln w="18415" cmpd="sng">
-                  <a:solidFill>
-                    <a:schemeClr val="bg1"/>
-                  </a:solidFill>
-                  <a:prstDash val="solid"/>
-                </a:ln>
-                <a:solidFill>
-                  <a:srgbClr val="FF0000"/>
-                </a:solidFill>
-              </a:rPr>
-              <a:t>・プレハブ名</a:t>
-            </a:r>
-            <a:endParaRPr lang="ja-JP" altLang="en-US" dirty="0">
-              <a:ln w="18415" cmpd="sng">
-                <a:solidFill>
-                  <a:schemeClr val="bg1"/>
-                </a:solidFill>
-                <a:prstDash val="solid"/>
-              </a:ln>
-              <a:solidFill>
-                <a:srgbClr val="FF0000"/>
-              </a:solidFill>
-            </a:endParaRPr>
-          </a:p>
-        </p:txBody>
-      </p:sp>
-      <p:sp>
-        <p:nvSpPr>
-          <p:cNvPr id="3" name="コンテンツ プレースホルダ 2"/>
-          <p:cNvSpPr>
-            <a:spLocks noGrp="1"/>
-          </p:cNvSpPr>
-          <p:nvPr>
-            <p:ph idx="1"/>
-          </p:nvPr>
-        </p:nvSpPr>
         <p:spPr>
           <a:xfrm>
-            <a:off x="457200" y="1600201"/>
-            <a:ext cx="8229600" cy="4972071"/>
+            <a:off x="457200" y="2500306"/>
+            <a:ext cx="8229600" cy="1143000"/>
           </a:xfrm>
         </p:spPr>
         <p:txBody>
-          <a:bodyPr>
-            <a:normAutofit/>
-          </a:bodyPr>
-          <a:lstStyle/>
-          <a:p>
-            <a:r>
-              <a:rPr kumimoji="1" lang="ja-JP" altLang="en-US" sz="1800" dirty="0" smtClean="0"/>
-              <a:t>自機</a:t>
-            </a:r>
-            <a:endParaRPr kumimoji="1" lang="en-US" altLang="ja-JP" sz="1800" dirty="0" smtClean="0"/>
-          </a:p>
-          <a:p>
-            <a:r>
-              <a:rPr lang="ja-JP" altLang="en-US" sz="1800" dirty="0" smtClean="0"/>
-              <a:t>地球</a:t>
-            </a:r>
-            <a:endParaRPr lang="en-US" altLang="ja-JP" sz="1800" dirty="0" smtClean="0"/>
-          </a:p>
-          <a:p>
-            <a:r>
-              <a:rPr kumimoji="1" lang="en-US" altLang="ja-JP" sz="1800" dirty="0" smtClean="0"/>
-              <a:t>UI</a:t>
-            </a:r>
-          </a:p>
-          <a:p>
-            <a:r>
-              <a:rPr lang="ja-JP" altLang="en-US" sz="1800" dirty="0" smtClean="0"/>
-              <a:t>背景</a:t>
-            </a:r>
-            <a:endParaRPr lang="en-US" altLang="ja-JP" sz="1800" dirty="0" smtClean="0"/>
-          </a:p>
-          <a:p>
-            <a:r>
-              <a:rPr lang="ja-JP" altLang="en-US" sz="1800" dirty="0" smtClean="0"/>
-              <a:t>隕石</a:t>
-            </a:r>
-            <a:endParaRPr lang="en-US" altLang="ja-JP" sz="1800" dirty="0" smtClean="0"/>
-          </a:p>
-          <a:p>
-            <a:r>
-              <a:rPr kumimoji="1" lang="ja-JP" altLang="en-US" sz="1800" dirty="0" smtClean="0"/>
-              <a:t>デカ隕石</a:t>
-            </a:r>
-            <a:endParaRPr kumimoji="1" lang="en-US" altLang="ja-JP" sz="1800" dirty="0" smtClean="0"/>
-          </a:p>
-          <a:p>
-            <a:r>
-              <a:rPr lang="ja-JP" altLang="en-US" sz="1800" dirty="0" smtClean="0"/>
-              <a:t>突撃</a:t>
-            </a:r>
-            <a:endParaRPr lang="en-US" altLang="ja-JP" sz="1800" dirty="0" smtClean="0"/>
-          </a:p>
-          <a:p>
-            <a:r>
-              <a:rPr kumimoji="1" lang="ja-JP" altLang="en-US" sz="1800" dirty="0" smtClean="0"/>
-              <a:t>砲撃</a:t>
-            </a:r>
-            <a:endParaRPr kumimoji="1" lang="en-US" altLang="ja-JP" sz="1800" dirty="0" smtClean="0"/>
-          </a:p>
-          <a:p>
-            <a:r>
-              <a:rPr lang="ja-JP" altLang="en-US" sz="1800" dirty="0" smtClean="0"/>
-              <a:t>要塞</a:t>
-            </a:r>
-            <a:endParaRPr lang="en-US" altLang="ja-JP" sz="1800" dirty="0" smtClean="0"/>
-          </a:p>
-          <a:p>
-            <a:r>
-              <a:rPr kumimoji="1" lang="ja-JP" altLang="en-US" sz="1800" dirty="0" smtClean="0"/>
-              <a:t>弾</a:t>
-            </a:r>
-            <a:endParaRPr kumimoji="1" lang="en-US" altLang="ja-JP" sz="1800" dirty="0" smtClean="0"/>
-          </a:p>
-          <a:p>
-            <a:r>
-              <a:rPr lang="en-US" altLang="ja-JP" sz="1800" dirty="0" smtClean="0"/>
-              <a:t>BGM</a:t>
-            </a:r>
-          </a:p>
-          <a:p>
-            <a:r>
-              <a:rPr kumimoji="1" lang="ja-JP" altLang="en-US" sz="1800" dirty="0" smtClean="0"/>
-              <a:t>エフェクト</a:t>
-            </a:r>
-            <a:endParaRPr kumimoji="1" lang="en-US" altLang="ja-JP" sz="1800" dirty="0" smtClean="0"/>
-          </a:p>
-          <a:p>
-            <a:r>
-              <a:rPr lang="ja-JP" altLang="en-US" sz="1800" dirty="0" smtClean="0"/>
-              <a:t>フォント</a:t>
-            </a:r>
-            <a:endParaRPr kumimoji="1" lang="ja-JP" altLang="en-US" sz="1800" dirty="0"/>
+          <a:bodyPr/>
+          <a:lstStyle/>
+          <a:p>
+            <a:r>
+              <a:rPr kumimoji="1" lang="ja-JP" altLang="en-US" dirty="0" smtClean="0"/>
+              <a:t>プレハブ名一覧</a:t>
+            </a:r>
+            <a:endParaRPr kumimoji="1" lang="ja-JP" altLang="en-US" dirty="0"/>
           </a:p>
         </p:txBody>
       </p:sp>
@@ -9004,13 +9085,6 @@
   <p:clrMapOvr>
     <a:masterClrMapping/>
   </p:clrMapOvr>
-  <p:timing>
-    <p:tnLst>
-      <p:par>
-        <p:cTn id="1" dur="indefinite" restart="never" nodeType="tmRoot"/>
-      </p:par>
-    </p:tnLst>
-  </p:timing>
 </p:sld>
 </file>
 
@@ -9043,6 +9117,195 @@
         </p:nvSpPr>
         <p:spPr/>
         <p:txBody>
+          <a:bodyPr>
+            <a:normAutofit/>
+          </a:bodyPr>
+          <a:lstStyle/>
+          <a:p>
+            <a:r>
+              <a:rPr lang="ja-JP" altLang="en-US" dirty="0" smtClean="0">
+                <a:ln w="18415" cmpd="sng">
+                  <a:solidFill>
+                    <a:schemeClr val="bg1"/>
+                  </a:solidFill>
+                  <a:prstDash val="solid"/>
+                </a:ln>
+                <a:solidFill>
+                  <a:srgbClr val="FF0000"/>
+                </a:solidFill>
+              </a:rPr>
+              <a:t>・プレハブ名</a:t>
+            </a:r>
+            <a:endParaRPr lang="ja-JP" altLang="en-US" dirty="0">
+              <a:ln w="18415" cmpd="sng">
+                <a:solidFill>
+                  <a:schemeClr val="bg1"/>
+                </a:solidFill>
+                <a:prstDash val="solid"/>
+              </a:ln>
+              <a:solidFill>
+                <a:srgbClr val="FF0000"/>
+              </a:solidFill>
+            </a:endParaRPr>
+          </a:p>
+        </p:txBody>
+      </p:sp>
+      <p:sp>
+        <p:nvSpPr>
+          <p:cNvPr id="3" name="コンテンツ プレースホルダ 2"/>
+          <p:cNvSpPr>
+            <a:spLocks noGrp="1"/>
+          </p:cNvSpPr>
+          <p:nvPr>
+            <p:ph idx="1"/>
+          </p:nvPr>
+        </p:nvSpPr>
+        <p:spPr>
+          <a:xfrm>
+            <a:off x="457200" y="1600201"/>
+            <a:ext cx="8229600" cy="4972071"/>
+          </a:xfrm>
+        </p:spPr>
+        <p:txBody>
+          <a:bodyPr>
+            <a:normAutofit/>
+          </a:bodyPr>
+          <a:lstStyle/>
+          <a:p>
+            <a:r>
+              <a:rPr kumimoji="1" lang="ja-JP" altLang="en-US" sz="1800" dirty="0" smtClean="0"/>
+              <a:t>自機</a:t>
+            </a:r>
+            <a:endParaRPr kumimoji="1" lang="en-US" altLang="ja-JP" sz="1800" dirty="0" smtClean="0"/>
+          </a:p>
+          <a:p>
+            <a:r>
+              <a:rPr lang="ja-JP" altLang="en-US" sz="1800" dirty="0" smtClean="0"/>
+              <a:t>地球</a:t>
+            </a:r>
+            <a:endParaRPr lang="en-US" altLang="ja-JP" sz="1800" dirty="0" smtClean="0"/>
+          </a:p>
+          <a:p>
+            <a:r>
+              <a:rPr kumimoji="1" lang="en-US" altLang="ja-JP" sz="1800" dirty="0" smtClean="0"/>
+              <a:t>UI</a:t>
+            </a:r>
+          </a:p>
+          <a:p>
+            <a:r>
+              <a:rPr lang="ja-JP" altLang="en-US" sz="1800" dirty="0" smtClean="0"/>
+              <a:t>背景</a:t>
+            </a:r>
+            <a:endParaRPr lang="en-US" altLang="ja-JP" sz="1800" dirty="0" smtClean="0"/>
+          </a:p>
+          <a:p>
+            <a:r>
+              <a:rPr lang="ja-JP" altLang="en-US" sz="1800" dirty="0" smtClean="0"/>
+              <a:t>隕石</a:t>
+            </a:r>
+            <a:endParaRPr lang="en-US" altLang="ja-JP" sz="1800" dirty="0" smtClean="0"/>
+          </a:p>
+          <a:p>
+            <a:r>
+              <a:rPr kumimoji="1" lang="ja-JP" altLang="en-US" sz="1800" dirty="0" smtClean="0"/>
+              <a:t>デカ隕石</a:t>
+            </a:r>
+            <a:endParaRPr kumimoji="1" lang="en-US" altLang="ja-JP" sz="1800" dirty="0" smtClean="0"/>
+          </a:p>
+          <a:p>
+            <a:r>
+              <a:rPr lang="ja-JP" altLang="en-US" sz="1800" dirty="0" smtClean="0"/>
+              <a:t>突撃</a:t>
+            </a:r>
+            <a:endParaRPr lang="en-US" altLang="ja-JP" sz="1800" dirty="0" smtClean="0"/>
+          </a:p>
+          <a:p>
+            <a:r>
+              <a:rPr kumimoji="1" lang="ja-JP" altLang="en-US" sz="1800" dirty="0" smtClean="0"/>
+              <a:t>砲撃</a:t>
+            </a:r>
+            <a:endParaRPr kumimoji="1" lang="en-US" altLang="ja-JP" sz="1800" dirty="0" smtClean="0"/>
+          </a:p>
+          <a:p>
+            <a:r>
+              <a:rPr lang="ja-JP" altLang="en-US" sz="1800" dirty="0" smtClean="0"/>
+              <a:t>要塞</a:t>
+            </a:r>
+            <a:endParaRPr lang="en-US" altLang="ja-JP" sz="1800" dirty="0" smtClean="0"/>
+          </a:p>
+          <a:p>
+            <a:r>
+              <a:rPr kumimoji="1" lang="ja-JP" altLang="en-US" sz="1800" dirty="0" smtClean="0"/>
+              <a:t>弾</a:t>
+            </a:r>
+            <a:endParaRPr kumimoji="1" lang="en-US" altLang="ja-JP" sz="1800" dirty="0" smtClean="0"/>
+          </a:p>
+          <a:p>
+            <a:r>
+              <a:rPr lang="en-US" altLang="ja-JP" sz="1800" dirty="0" smtClean="0"/>
+              <a:t>BGM</a:t>
+            </a:r>
+          </a:p>
+          <a:p>
+            <a:r>
+              <a:rPr kumimoji="1" lang="ja-JP" altLang="en-US" sz="1800" dirty="0" smtClean="0"/>
+              <a:t>エフェクト</a:t>
+            </a:r>
+            <a:endParaRPr kumimoji="1" lang="en-US" altLang="ja-JP" sz="1800" dirty="0" smtClean="0"/>
+          </a:p>
+          <a:p>
+            <a:r>
+              <a:rPr lang="ja-JP" altLang="en-US" sz="1800" dirty="0" smtClean="0"/>
+              <a:t>フォント</a:t>
+            </a:r>
+            <a:endParaRPr kumimoji="1" lang="ja-JP" altLang="en-US" sz="1800" dirty="0"/>
+          </a:p>
+        </p:txBody>
+      </p:sp>
+    </p:spTree>
+  </p:cSld>
+  <p:clrMapOvr>
+    <a:masterClrMapping/>
+  </p:clrMapOvr>
+  <p:timing>
+    <p:tnLst>
+      <p:par>
+        <p:cTn id="1" dur="indefinite" restart="never" nodeType="tmRoot"/>
+      </p:par>
+    </p:tnLst>
+  </p:timing>
+</p:sld>
+</file>
+
+<file path=ppt/slides/slide34.xml><?xml version="1.0" encoding="utf-8"?>
+<p:sld xmlns:a="http://schemas.openxmlformats.org/drawingml/2006/main" xmlns:r="http://schemas.openxmlformats.org/officeDocument/2006/relationships" xmlns:p="http://schemas.openxmlformats.org/presentationml/2006/main">
+  <p:cSld>
+    <p:spTree>
+      <p:nvGrpSpPr>
+        <p:cNvPr id="1" name=""/>
+        <p:cNvGrpSpPr/>
+        <p:nvPr/>
+      </p:nvGrpSpPr>
+      <p:grpSpPr>
+        <a:xfrm>
+          <a:off x="0" y="0"/>
+          <a:ext cx="0" cy="0"/>
+          <a:chOff x="0" y="0"/>
+          <a:chExt cx="0" cy="0"/>
+        </a:xfrm>
+      </p:grpSpPr>
+      <p:sp>
+        <p:nvSpPr>
+          <p:cNvPr id="2" name="タイトル 1"/>
+          <p:cNvSpPr>
+            <a:spLocks noGrp="1"/>
+          </p:cNvSpPr>
+          <p:nvPr>
+            <p:ph type="title"/>
+          </p:nvPr>
+        </p:nvSpPr>
+        <p:spPr/>
+        <p:txBody>
           <a:bodyPr/>
           <a:lstStyle/>
           <a:p>
@@ -9293,7 +9556,7 @@
     </p:spTree>
     <p:extLst>
       <p:ext uri="{BB962C8B-B14F-4D97-AF65-F5344CB8AC3E}">
-        <p14:creationId xmlns:p14="http://schemas.microsoft.com/office/powerpoint/2010/main" xmlns="" val="1046685223"/>
+        <p14:creationId xmlns="" xmlns:p14="http://schemas.microsoft.com/office/powerpoint/2010/main" val="1046685223"/>
       </p:ext>
     </p:extLst>
   </p:cSld>

--- a/project/資料/スマホ最適化縦STG_仕様書2019.pptx
+++ b/project/資料/スマホ最適化縦STG_仕様書2019.pptx
@@ -5,7 +5,7 @@
     <p:sldMasterId id="2147483744" r:id="rId1"/>
   </p:sldMasterIdLst>
   <p:notesMasterIdLst>
-    <p:notesMasterId r:id="rId36"/>
+    <p:notesMasterId r:id="rId38"/>
   </p:notesMasterIdLst>
   <p:sldIdLst>
     <p:sldId id="256" r:id="rId2"/>
@@ -15,43 +15,45 @@
     <p:sldId id="302" r:id="rId6"/>
     <p:sldId id="299" r:id="rId7"/>
     <p:sldId id="301" r:id="rId8"/>
-    <p:sldId id="304" r:id="rId9"/>
-    <p:sldId id="305" r:id="rId10"/>
-    <p:sldId id="306" r:id="rId11"/>
-    <p:sldId id="308" r:id="rId12"/>
-    <p:sldId id="309" r:id="rId13"/>
-    <p:sldId id="310" r:id="rId14"/>
-    <p:sldId id="311" r:id="rId15"/>
-    <p:sldId id="312" r:id="rId16"/>
-    <p:sldId id="317" r:id="rId17"/>
-    <p:sldId id="313" r:id="rId18"/>
-    <p:sldId id="318" r:id="rId19"/>
-    <p:sldId id="314" r:id="rId20"/>
-    <p:sldId id="319" r:id="rId21"/>
-    <p:sldId id="315" r:id="rId22"/>
-    <p:sldId id="316" r:id="rId23"/>
-    <p:sldId id="320" r:id="rId24"/>
-    <p:sldId id="326" r:id="rId25"/>
-    <p:sldId id="297" r:id="rId26"/>
-    <p:sldId id="323" r:id="rId27"/>
-    <p:sldId id="327" r:id="rId28"/>
-    <p:sldId id="298" r:id="rId29"/>
-    <p:sldId id="324" r:id="rId30"/>
-    <p:sldId id="321" r:id="rId31"/>
-    <p:sldId id="325" r:id="rId32"/>
-    <p:sldId id="322" r:id="rId33"/>
-    <p:sldId id="295" r:id="rId34"/>
-    <p:sldId id="288" r:id="rId35"/>
+    <p:sldId id="328" r:id="rId9"/>
+    <p:sldId id="304" r:id="rId10"/>
+    <p:sldId id="305" r:id="rId11"/>
+    <p:sldId id="306" r:id="rId12"/>
+    <p:sldId id="308" r:id="rId13"/>
+    <p:sldId id="309" r:id="rId14"/>
+    <p:sldId id="329" r:id="rId15"/>
+    <p:sldId id="310" r:id="rId16"/>
+    <p:sldId id="311" r:id="rId17"/>
+    <p:sldId id="312" r:id="rId18"/>
+    <p:sldId id="317" r:id="rId19"/>
+    <p:sldId id="313" r:id="rId20"/>
+    <p:sldId id="318" r:id="rId21"/>
+    <p:sldId id="314" r:id="rId22"/>
+    <p:sldId id="319" r:id="rId23"/>
+    <p:sldId id="315" r:id="rId24"/>
+    <p:sldId id="316" r:id="rId25"/>
+    <p:sldId id="320" r:id="rId26"/>
+    <p:sldId id="326" r:id="rId27"/>
+    <p:sldId id="297" r:id="rId28"/>
+    <p:sldId id="323" r:id="rId29"/>
+    <p:sldId id="327" r:id="rId30"/>
+    <p:sldId id="298" r:id="rId31"/>
+    <p:sldId id="324" r:id="rId32"/>
+    <p:sldId id="321" r:id="rId33"/>
+    <p:sldId id="325" r:id="rId34"/>
+    <p:sldId id="322" r:id="rId35"/>
+    <p:sldId id="295" r:id="rId36"/>
+    <p:sldId id="288" r:id="rId37"/>
   </p:sldIdLst>
   <p:sldSz cx="9144000" cy="6858000" type="screen4x3"/>
   <p:notesSz cx="6858000" cy="9144000"/>
   <p:embeddedFontLst>
     <p:embeddedFont>
       <p:font typeface="Calibri" pitchFamily="34" charset="0"/>
-      <p:regular r:id="rId37"/>
-      <p:bold r:id="rId38"/>
-      <p:italic r:id="rId39"/>
-      <p:boldItalic r:id="rId40"/>
+      <p:regular r:id="rId39"/>
+      <p:bold r:id="rId40"/>
+      <p:italic r:id="rId41"/>
+      <p:boldItalic r:id="rId42"/>
     </p:embeddedFont>
   </p:embeddedFontLst>
   <p:defaultTextStyle>
@@ -151,7 +153,7 @@
   </p:defaultTextStyle>
   <p:extLst>
     <p:ext uri="{EFAFB233-063F-42B5-8137-9DF3F51BA10A}">
-      <p15:sldGuideLst xmlns="" xmlns:p15="http://schemas.microsoft.com/office/powerpoint/2012/main">
+      <p15:sldGuideLst xmlns:p15="http://schemas.microsoft.com/office/powerpoint/2012/main" xmlns="">
         <p15:guide id="1" orient="horz" pos="2160" userDrawn="1">
           <p15:clr>
             <a:srgbClr val="A4A3A4"/>
@@ -251,7 +253,7 @@
             <a:fld id="{8587BA4A-3F63-455B-A7BC-BE3ACF86011E}" type="datetimeFigureOut">
               <a:rPr kumimoji="1" lang="ja-JP" altLang="en-US" smtClean="0"/>
               <a:pPr/>
-              <a:t>2020/5/13</a:t>
+              <a:t>2020/6/4</a:t>
             </a:fld>
             <a:endParaRPr kumimoji="1" lang="ja-JP" altLang="en-US"/>
           </a:p>
@@ -454,7 +456,7 @@
     </p:spTree>
     <p:extLst>
       <p:ext uri="{BB962C8B-B14F-4D97-AF65-F5344CB8AC3E}">
-        <p14:creationId xmlns="" xmlns:p14="http://schemas.microsoft.com/office/powerpoint/2010/main" val="2272850417"/>
+        <p14:creationId xmlns:p14="http://schemas.microsoft.com/office/powerpoint/2010/main" xmlns="" val="2272850417"/>
       </p:ext>
     </p:extLst>
   </p:cSld>
@@ -736,7 +738,7 @@
             <a:fld id="{51B869B6-A1BB-4C9E-8561-EA9AF8554193}" type="datetimeFigureOut">
               <a:rPr kumimoji="1" lang="ja-JP" altLang="en-US" smtClean="0"/>
               <a:pPr/>
-              <a:t>2020/5/13</a:t>
+              <a:t>2020/6/4</a:t>
             </a:fld>
             <a:endParaRPr kumimoji="1" lang="ja-JP" altLang="en-US"/>
           </a:p>
@@ -935,7 +937,7 @@
             <a:fld id="{51B869B6-A1BB-4C9E-8561-EA9AF8554193}" type="datetimeFigureOut">
               <a:rPr kumimoji="1" lang="ja-JP" altLang="en-US" smtClean="0"/>
               <a:pPr/>
-              <a:t>2020/5/13</a:t>
+              <a:t>2020/6/4</a:t>
             </a:fld>
             <a:endParaRPr kumimoji="1" lang="ja-JP" altLang="en-US"/>
           </a:p>
@@ -1144,7 +1146,7 @@
             <a:fld id="{51B869B6-A1BB-4C9E-8561-EA9AF8554193}" type="datetimeFigureOut">
               <a:rPr kumimoji="1" lang="ja-JP" altLang="en-US" smtClean="0"/>
               <a:pPr/>
-              <a:t>2020/5/13</a:t>
+              <a:t>2020/6/4</a:t>
             </a:fld>
             <a:endParaRPr kumimoji="1" lang="ja-JP" altLang="en-US"/>
           </a:p>
@@ -1343,7 +1345,7 @@
             <a:fld id="{51B869B6-A1BB-4C9E-8561-EA9AF8554193}" type="datetimeFigureOut">
               <a:rPr kumimoji="1" lang="ja-JP" altLang="en-US" smtClean="0"/>
               <a:pPr/>
-              <a:t>2020/5/13</a:t>
+              <a:t>2020/6/4</a:t>
             </a:fld>
             <a:endParaRPr kumimoji="1" lang="ja-JP" altLang="en-US"/>
           </a:p>
@@ -1586,7 +1588,7 @@
             <a:fld id="{51B869B6-A1BB-4C9E-8561-EA9AF8554193}" type="datetimeFigureOut">
               <a:rPr kumimoji="1" lang="ja-JP" altLang="en-US" smtClean="0"/>
               <a:pPr/>
-              <a:t>2020/5/13</a:t>
+              <a:t>2020/6/4</a:t>
             </a:fld>
             <a:endParaRPr kumimoji="1" lang="ja-JP" altLang="en-US"/>
           </a:p>
@@ -1935,7 +1937,7 @@
             <a:fld id="{51B869B6-A1BB-4C9E-8561-EA9AF8554193}" type="datetimeFigureOut">
               <a:rPr kumimoji="1" lang="ja-JP" altLang="en-US" smtClean="0"/>
               <a:pPr/>
-              <a:t>2020/5/13</a:t>
+              <a:t>2020/6/4</a:t>
             </a:fld>
             <a:endParaRPr kumimoji="1" lang="ja-JP" altLang="en-US"/>
           </a:p>
@@ -2418,7 +2420,7 @@
             <a:fld id="{51B869B6-A1BB-4C9E-8561-EA9AF8554193}" type="datetimeFigureOut">
               <a:rPr kumimoji="1" lang="ja-JP" altLang="en-US" smtClean="0"/>
               <a:pPr/>
-              <a:t>2020/5/13</a:t>
+              <a:t>2020/6/4</a:t>
             </a:fld>
             <a:endParaRPr kumimoji="1" lang="ja-JP" altLang="en-US"/>
           </a:p>
@@ -2533,7 +2535,7 @@
             <a:fld id="{51B869B6-A1BB-4C9E-8561-EA9AF8554193}" type="datetimeFigureOut">
               <a:rPr kumimoji="1" lang="ja-JP" altLang="en-US" smtClean="0"/>
               <a:pPr/>
-              <a:t>2020/5/13</a:t>
+              <a:t>2020/6/4</a:t>
             </a:fld>
             <a:endParaRPr kumimoji="1" lang="ja-JP" altLang="en-US"/>
           </a:p>
@@ -2625,7 +2627,7 @@
             <a:fld id="{51B869B6-A1BB-4C9E-8561-EA9AF8554193}" type="datetimeFigureOut">
               <a:rPr kumimoji="1" lang="ja-JP" altLang="en-US" smtClean="0"/>
               <a:pPr/>
-              <a:t>2020/5/13</a:t>
+              <a:t>2020/6/4</a:t>
             </a:fld>
             <a:endParaRPr kumimoji="1" lang="ja-JP" altLang="en-US"/>
           </a:p>
@@ -2931,7 +2933,7 @@
             <a:fld id="{51B869B6-A1BB-4C9E-8561-EA9AF8554193}" type="datetimeFigureOut">
               <a:rPr kumimoji="1" lang="ja-JP" altLang="en-US" smtClean="0"/>
               <a:pPr/>
-              <a:t>2020/5/13</a:t>
+              <a:t>2020/6/4</a:t>
             </a:fld>
             <a:endParaRPr kumimoji="1" lang="ja-JP" altLang="en-US"/>
           </a:p>
@@ -3181,7 +3183,7 @@
             <a:fld id="{51B869B6-A1BB-4C9E-8561-EA9AF8554193}" type="datetimeFigureOut">
               <a:rPr kumimoji="1" lang="ja-JP" altLang="en-US" smtClean="0"/>
               <a:pPr/>
-              <a:t>2020/5/13</a:t>
+              <a:t>2020/6/4</a:t>
             </a:fld>
             <a:endParaRPr kumimoji="1" lang="ja-JP" altLang="en-US"/>
           </a:p>
@@ -3423,7 +3425,7 @@
             <a:fld id="{51B869B6-A1BB-4C9E-8561-EA9AF8554193}" type="datetimeFigureOut">
               <a:rPr kumimoji="1" lang="ja-JP" altLang="en-US" smtClean="0"/>
               <a:pPr/>
-              <a:t>2020/5/13</a:t>
+              <a:t>2020/6/4</a:t>
             </a:fld>
             <a:endParaRPr kumimoji="1" lang="ja-JP" altLang="en-US"/>
           </a:p>
@@ -3933,7 +3935,7 @@
                   <a:srgbClr val="FF0000"/>
                 </a:solidFill>
               </a:rPr>
-              <a:t>・ビルド（カベ）</a:t>
+              <a:t>・ビルド（ハンシャ）</a:t>
             </a:r>
             <a:endParaRPr lang="ja-JP" altLang="en-US" dirty="0">
               <a:ln w="18415" cmpd="sng">
@@ -3973,45 +3975,77 @@
           <a:p>
             <a:r>
               <a:rPr lang="ja-JP" altLang="en-US" sz="1800" dirty="0" smtClean="0"/>
-              <a:t>インターバル中にスワイプして位置指定、離して設置する</a:t>
+              <a:t>８方向あるうちのどれか１つがランダムで選ばれる</a:t>
             </a:r>
             <a:endParaRPr lang="en-US" altLang="ja-JP" sz="1800" dirty="0" smtClean="0"/>
           </a:p>
           <a:p>
-            <a:r>
-              <a:rPr lang="ja-JP" altLang="en-US" sz="1800" dirty="0" smtClean="0"/>
-              <a:t>設置すると移動は不可</a:t>
+            <a:pPr lvl="1"/>
+            <a:r>
+              <a:rPr lang="ja-JP" altLang="en-US" sz="1400" dirty="0" smtClean="0"/>
+              <a:t>方向は上、下、左、右、斜め４方　　　　　</a:t>
+            </a:r>
+            <a:r>
+              <a:rPr lang="ja-JP" altLang="en-US" sz="1400" b="1" dirty="0" smtClean="0">
+                <a:solidFill>
+                  <a:srgbClr val="FF0000"/>
+                </a:solidFill>
+              </a:rPr>
+              <a:t>全８方向</a:t>
+            </a:r>
+            <a:endParaRPr lang="en-US" altLang="ja-JP" sz="1400" b="1" dirty="0" smtClean="0">
+              <a:solidFill>
+                <a:srgbClr val="FF0000"/>
+              </a:solidFill>
+            </a:endParaRPr>
+          </a:p>
+          <a:p>
+            <a:r>
+              <a:rPr lang="ja-JP" altLang="en-US" sz="1800" dirty="0" smtClean="0"/>
+              <a:t>選択すると画面内にハンシャのオブジェクトが出現</a:t>
             </a:r>
             <a:endParaRPr lang="en-US" altLang="ja-JP" sz="1800" dirty="0" smtClean="0"/>
           </a:p>
           <a:p>
             <a:r>
               <a:rPr lang="ja-JP" altLang="en-US" sz="1800" dirty="0" smtClean="0"/>
-              <a:t>耐久力は敵の攻撃</a:t>
-            </a:r>
-            <a:r>
-              <a:rPr lang="en-US" altLang="ja-JP" sz="1800" dirty="0" smtClean="0"/>
-              <a:t>10</a:t>
-            </a:r>
-            <a:r>
-              <a:rPr lang="ja-JP" altLang="en-US" sz="1800" dirty="0" smtClean="0"/>
-              <a:t>回分（一部例外あり）</a:t>
+              <a:t>フリック操作で位置をいつでもどこでも動かすことが出来る</a:t>
             </a:r>
             <a:endParaRPr lang="en-US" altLang="ja-JP" sz="1800" dirty="0" smtClean="0"/>
           </a:p>
           <a:p>
-            <a:pPr lvl="1"/>
-            <a:r>
-              <a:rPr lang="ja-JP" altLang="en-US" sz="1400" dirty="0" smtClean="0"/>
-              <a:t>のこりの耐久度で２段階の速度で明滅をさせる。（５回と１回）</a:t>
-            </a:r>
-            <a:endParaRPr lang="en-US" altLang="ja-JP" sz="1400" dirty="0" smtClean="0"/>
-          </a:p>
-          <a:p>
-            <a:r>
-              <a:rPr lang="ja-JP" altLang="en-US" sz="1800" dirty="0" smtClean="0"/>
-              <a:t>設置</a:t>
-            </a:r>
+            <a:r>
+              <a:rPr lang="ja-JP" altLang="en-US" sz="1800" dirty="0" smtClean="0"/>
+              <a:t>ショットを当てることで決まった方向にショットを撃ち返す</a:t>
+            </a:r>
+            <a:endParaRPr lang="en-US" altLang="ja-JP" sz="1800" dirty="0" smtClean="0"/>
+          </a:p>
+          <a:p>
+            <a:r>
+              <a:rPr lang="ja-JP" altLang="en-US" sz="1800" dirty="0" smtClean="0"/>
+              <a:t>撃ち返したショットを別のハンシャに当てると威力が倍々に増えていく</a:t>
+            </a:r>
+            <a:endParaRPr lang="en-US" altLang="ja-JP" sz="1800" dirty="0" smtClean="0"/>
+          </a:p>
+          <a:p>
+            <a:r>
+              <a:rPr lang="ja-JP" altLang="en-US" sz="1800" dirty="0" smtClean="0"/>
+              <a:t>基本無敵</a:t>
+            </a:r>
+            <a:r>
+              <a:rPr lang="ja-JP" altLang="en-US" sz="1200" dirty="0" smtClean="0"/>
+              <a:t>（一部除く）</a:t>
+            </a:r>
+            <a:endParaRPr lang="en-US" altLang="ja-JP" sz="1200" dirty="0" smtClean="0"/>
+          </a:p>
+          <a:p>
+            <a:r>
+              <a:rPr lang="ja-JP" altLang="en-US" sz="1800" dirty="0" smtClean="0"/>
+              <a:t>敵や敵弾の当たり判定はない</a:t>
+            </a:r>
+            <a:endParaRPr lang="en-US" altLang="ja-JP" sz="1800" dirty="0" smtClean="0"/>
+          </a:p>
+          <a:p>
             <a:endParaRPr lang="en-US" altLang="ja-JP" sz="1800" dirty="0" smtClean="0"/>
           </a:p>
           <a:p>
@@ -4077,6 +4111,58 @@
           </a:p>
         </p:txBody>
       </p:sp>
+      <p:pic>
+        <p:nvPicPr>
+          <p:cNvPr id="6" name="Picture 3" descr="D:\d_Program Files\360stg\ｋｋ.png"/>
+          <p:cNvPicPr>
+            <a:picLocks noChangeAspect="1" noChangeArrowheads="1"/>
+          </p:cNvPicPr>
+          <p:nvPr/>
+        </p:nvPicPr>
+        <p:blipFill>
+          <a:blip r:embed="rId2"/>
+          <a:srcRect/>
+          <a:stretch>
+            <a:fillRect/>
+          </a:stretch>
+        </p:blipFill>
+        <p:spPr bwMode="auto">
+          <a:xfrm>
+            <a:off x="4357686" y="4426444"/>
+            <a:ext cx="4786314" cy="2431556"/>
+          </a:xfrm>
+          <a:prstGeom prst="rect">
+            <a:avLst/>
+          </a:prstGeom>
+          <a:noFill/>
+        </p:spPr>
+      </p:pic>
+      <p:pic>
+        <p:nvPicPr>
+          <p:cNvPr id="3074" name="Picture 2" descr="D:\d_Program Files\360stg\無題.png"/>
+          <p:cNvPicPr>
+            <a:picLocks noChangeAspect="1" noChangeArrowheads="1"/>
+          </p:cNvPicPr>
+          <p:nvPr/>
+        </p:nvPicPr>
+        <p:blipFill>
+          <a:blip r:embed="rId3"/>
+          <a:srcRect/>
+          <a:stretch>
+            <a:fillRect/>
+          </a:stretch>
+        </p:blipFill>
+        <p:spPr bwMode="auto">
+          <a:xfrm>
+            <a:off x="113164" y="4429132"/>
+            <a:ext cx="4173084" cy="2428868"/>
+          </a:xfrm>
+          <a:prstGeom prst="rect">
+            <a:avLst/>
+          </a:prstGeom>
+          <a:noFill/>
+        </p:spPr>
+      </p:pic>
     </p:spTree>
   </p:cSld>
   <p:clrMapOvr>
@@ -4138,7 +4224,7 @@
                   <a:srgbClr val="FF0000"/>
                 </a:solidFill>
               </a:rPr>
-              <a:t>・ビルド（ボム）</a:t>
+              <a:t>・ビルド（カベ）</a:t>
             </a:r>
             <a:endParaRPr lang="ja-JP" altLang="en-US" dirty="0">
               <a:ln w="18415" cmpd="sng">
@@ -4178,39 +4264,55 @@
           <a:p>
             <a:r>
               <a:rPr lang="ja-JP" altLang="en-US" sz="1800" dirty="0" smtClean="0"/>
-              <a:t>ビルドで３回選ぶことで１回打てる必殺武器</a:t>
+              <a:t>インターバル中にスワイプして位置指定、離して設置する</a:t>
             </a:r>
             <a:endParaRPr lang="en-US" altLang="ja-JP" sz="1800" dirty="0" smtClean="0"/>
           </a:p>
           <a:p>
+            <a:r>
+              <a:rPr lang="ja-JP" altLang="en-US" sz="1800" dirty="0" smtClean="0"/>
+              <a:t>設置すると移動は不可</a:t>
+            </a:r>
+            <a:endParaRPr lang="en-US" altLang="ja-JP" sz="1800" dirty="0" smtClean="0"/>
+          </a:p>
+          <a:p>
+            <a:r>
+              <a:rPr lang="ja-JP" altLang="en-US" sz="1800" dirty="0" smtClean="0"/>
+              <a:t>耐久力は敵の攻撃</a:t>
+            </a:r>
+            <a:r>
+              <a:rPr lang="en-US" altLang="ja-JP" sz="1800" dirty="0" smtClean="0"/>
+              <a:t>10</a:t>
+            </a:r>
+            <a:r>
+              <a:rPr lang="ja-JP" altLang="en-US" sz="1800" dirty="0" smtClean="0"/>
+              <a:t>回分（一部例外あり）</a:t>
+            </a:r>
+            <a:endParaRPr lang="en-US" altLang="ja-JP" sz="1800" dirty="0" smtClean="0"/>
+          </a:p>
+          <a:p>
             <a:pPr lvl="1"/>
             <a:r>
               <a:rPr lang="ja-JP" altLang="en-US" sz="1400" dirty="0" smtClean="0"/>
-              <a:t>必殺ボタン残りの選択回数を表示</a:t>
+              <a:t>のこりの耐久度で２段階の速度で明滅をさせる。</a:t>
+            </a:r>
+            <a:r>
+              <a:rPr lang="ja-JP" altLang="en-US" sz="1400" dirty="0" smtClean="0"/>
+              <a:t>（</a:t>
+            </a:r>
+            <a:r>
+              <a:rPr lang="ja-JP" altLang="en-US" sz="1400" dirty="0" smtClean="0"/>
+              <a:t>残り耐久</a:t>
+            </a:r>
+            <a:r>
+              <a:rPr lang="ja-JP" altLang="en-US" sz="1400" dirty="0" smtClean="0"/>
+              <a:t>５回</a:t>
+            </a:r>
+            <a:r>
+              <a:rPr lang="ja-JP" altLang="en-US" sz="1400" dirty="0" smtClean="0"/>
+              <a:t>と１回）</a:t>
             </a:r>
             <a:endParaRPr lang="en-US" altLang="ja-JP" sz="1400" dirty="0" smtClean="0"/>
-          </a:p>
-          <a:p>
-            <a:r>
-              <a:rPr lang="ja-JP" altLang="en-US" sz="1800" dirty="0" smtClean="0"/>
-              <a:t>画面左下の「叩き割るボタン」を</a:t>
-            </a:r>
-            <a:r>
-              <a:rPr lang="en-US" altLang="ja-JP" sz="1800" dirty="0" smtClean="0"/>
-              <a:t>5</a:t>
-            </a:r>
-            <a:r>
-              <a:rPr lang="ja-JP" altLang="en-US" sz="1800" dirty="0" smtClean="0"/>
-              <a:t>回タップして叩き割り発射</a:t>
-            </a:r>
-            <a:endParaRPr lang="en-US" altLang="ja-JP" sz="1800" dirty="0" smtClean="0"/>
-          </a:p>
-          <a:p>
-            <a:r>
-              <a:rPr lang="ja-JP" altLang="en-US" sz="1800" dirty="0" smtClean="0"/>
-              <a:t>画面内の敵は全て即死</a:t>
-            </a:r>
-            <a:endParaRPr lang="en-US" altLang="ja-JP" sz="1800" dirty="0" smtClean="0"/>
           </a:p>
           <a:p>
             <a:pPr lvl="1"/>
@@ -4275,6 +4377,32 @@
           </a:p>
         </p:txBody>
       </p:sp>
+      <p:pic>
+        <p:nvPicPr>
+          <p:cNvPr id="6" name="Picture 3" descr="D:\d_Program Files\360stg\ｋｋ.png"/>
+          <p:cNvPicPr>
+            <a:picLocks noChangeAspect="1" noChangeArrowheads="1"/>
+          </p:cNvPicPr>
+          <p:nvPr/>
+        </p:nvPicPr>
+        <p:blipFill>
+          <a:blip r:embed="rId2"/>
+          <a:srcRect/>
+          <a:stretch>
+            <a:fillRect/>
+          </a:stretch>
+        </p:blipFill>
+        <p:spPr bwMode="auto">
+          <a:xfrm>
+            <a:off x="4357686" y="4426444"/>
+            <a:ext cx="4786314" cy="2431556"/>
+          </a:xfrm>
+          <a:prstGeom prst="rect">
+            <a:avLst/>
+          </a:prstGeom>
+          <a:noFill/>
+        </p:spPr>
+      </p:pic>
     </p:spTree>
   </p:cSld>
   <p:clrMapOvr>
@@ -4336,7 +4464,7 @@
                   <a:srgbClr val="FF0000"/>
                 </a:solidFill>
               </a:rPr>
-              <a:t>・敵</a:t>
+              <a:t>・ビルド（ヒッサツ）</a:t>
             </a:r>
             <a:endParaRPr lang="ja-JP" altLang="en-US" dirty="0">
               <a:ln w="18415" cmpd="sng">
@@ -4376,101 +4504,39 @@
           <a:p>
             <a:r>
               <a:rPr lang="ja-JP" altLang="en-US" sz="1800" dirty="0" smtClean="0"/>
-              <a:t>隕石　</a:t>
-            </a:r>
+              <a:t>ビルドで３回選ぶことで１回打てる必殺武器</a:t>
+            </a:r>
+            <a:endParaRPr lang="en-US" altLang="ja-JP" sz="1800" dirty="0" smtClean="0"/>
+          </a:p>
+          <a:p>
+            <a:pPr lvl="1"/>
             <a:r>
               <a:rPr lang="ja-JP" altLang="en-US" sz="1400" dirty="0" smtClean="0"/>
-              <a:t>シンプルに１直線に落ちる</a:t>
+              <a:t>必殺ボタン残りの選択回数を表示</a:t>
             </a:r>
             <a:endParaRPr lang="en-US" altLang="ja-JP" sz="1400" dirty="0" smtClean="0"/>
           </a:p>
           <a:p>
             <a:r>
               <a:rPr lang="ja-JP" altLang="en-US" sz="1800" dirty="0" smtClean="0"/>
-              <a:t>デカ隕石　</a:t>
-            </a:r>
-            <a:r>
-              <a:rPr lang="ja-JP" altLang="en-US" sz="1400" dirty="0" smtClean="0"/>
-              <a:t>ゆっくりだが大きく硬い　普通に壊すと３，４の隕石に分裂　弱点を抜くと分裂しない</a:t>
-            </a:r>
-            <a:r>
-              <a:rPr lang="ja-JP" altLang="en-US" sz="1800" dirty="0" smtClean="0"/>
-              <a:t>　</a:t>
+              <a:t>画面左下の「叩き割るボタン」を</a:t>
+            </a:r>
+            <a:r>
+              <a:rPr lang="en-US" altLang="ja-JP" sz="1800" dirty="0" smtClean="0"/>
+              <a:t>5</a:t>
+            </a:r>
+            <a:r>
+              <a:rPr lang="ja-JP" altLang="en-US" sz="1800" dirty="0" smtClean="0"/>
+              <a:t>回タップして叩き割り発射</a:t>
             </a:r>
             <a:endParaRPr lang="en-US" altLang="ja-JP" sz="1800" dirty="0" smtClean="0"/>
           </a:p>
           <a:p>
             <a:r>
               <a:rPr lang="ja-JP" altLang="en-US" sz="1800" dirty="0" smtClean="0"/>
-              <a:t>突撃　</a:t>
-            </a:r>
-            <a:r>
-              <a:rPr lang="ja-JP" altLang="en-US" sz="1400" dirty="0" smtClean="0"/>
-              <a:t>編隊を組んで決まった軌道を通り高速突撃する</a:t>
-            </a:r>
-            <a:endParaRPr lang="en-US" altLang="ja-JP" sz="1400" dirty="0" smtClean="0"/>
-          </a:p>
-          <a:p>
-            <a:pPr lvl="1"/>
-            <a:r>
-              <a:rPr lang="ja-JP" altLang="en-US" sz="1200" dirty="0" smtClean="0"/>
-              <a:t>地球狙い</a:t>
-            </a:r>
-            <a:endParaRPr lang="en-US" altLang="ja-JP" sz="1200" dirty="0" smtClean="0"/>
-          </a:p>
-          <a:p>
-            <a:pPr lvl="1"/>
-            <a:r>
-              <a:rPr lang="ja-JP" altLang="en-US" sz="1200" dirty="0" smtClean="0"/>
-              <a:t>オプション狙い</a:t>
-            </a:r>
-            <a:endParaRPr lang="en-US" altLang="ja-JP" sz="1600" dirty="0" smtClean="0"/>
-          </a:p>
-          <a:p>
-            <a:r>
-              <a:rPr lang="ja-JP" altLang="en-US" sz="1800" dirty="0" smtClean="0"/>
-              <a:t>砲撃　</a:t>
-            </a:r>
-            <a:r>
-              <a:rPr lang="ja-JP" altLang="en-US" sz="1400" dirty="0" smtClean="0"/>
-              <a:t>位置を決めたら動かす弾を撃ちまくる</a:t>
-            </a:r>
-            <a:endParaRPr lang="en-US" altLang="ja-JP" sz="1400" dirty="0" smtClean="0"/>
-          </a:p>
-          <a:p>
-            <a:pPr lvl="1"/>
-            <a:r>
-              <a:rPr lang="ja-JP" altLang="en-US" sz="1200" dirty="0" smtClean="0"/>
-              <a:t>乱射　</a:t>
-            </a:r>
-            <a:r>
-              <a:rPr lang="en-US" altLang="ja-JP" sz="1200" dirty="0" smtClean="0"/>
-              <a:t>30</a:t>
-            </a:r>
-            <a:r>
-              <a:rPr lang="ja-JP" altLang="en-US" sz="1200" dirty="0" smtClean="0"/>
-              <a:t>度くらいで　球をまき散らす</a:t>
-            </a:r>
-            <a:endParaRPr lang="en-US" altLang="ja-JP" sz="1200" dirty="0" smtClean="0"/>
-          </a:p>
-          <a:p>
-            <a:pPr lvl="1"/>
-            <a:r>
-              <a:rPr lang="ja-JP" altLang="en-US" sz="1200" dirty="0" smtClean="0"/>
-              <a:t>狙撃　斜線を見せて単発高速の弾を撃つ</a:t>
-            </a:r>
-            <a:endParaRPr lang="en-US" altLang="ja-JP" sz="1200" dirty="0" smtClean="0"/>
-          </a:p>
-          <a:p>
-            <a:r>
-              <a:rPr lang="ja-JP" altLang="en-US" sz="1800" dirty="0" smtClean="0"/>
-              <a:t>要塞　</a:t>
-            </a:r>
-            <a:r>
-              <a:rPr lang="ja-JP" altLang="en-US" sz="1400" dirty="0" smtClean="0"/>
-              <a:t>ゆっくり等速落下して地球を斬る　近づかれると耐久無視でゲームオーバー</a:t>
-            </a:r>
-            <a:endParaRPr lang="en-US" altLang="ja-JP" sz="1400" dirty="0" smtClean="0"/>
+              <a:t>画面内の敵は全て即死</a:t>
+            </a:r>
+            <a:endParaRPr lang="en-US" altLang="ja-JP" sz="1800" dirty="0" smtClean="0"/>
           </a:p>
           <a:p>
             <a:pPr lvl="1"/>
@@ -4535,6 +4601,58 @@
           </a:p>
         </p:txBody>
       </p:sp>
+      <p:pic>
+        <p:nvPicPr>
+          <p:cNvPr id="6" name="Picture 3" descr="D:\d_Program Files\360stg\ｋｋ.png"/>
+          <p:cNvPicPr>
+            <a:picLocks noChangeAspect="1" noChangeArrowheads="1"/>
+          </p:cNvPicPr>
+          <p:nvPr/>
+        </p:nvPicPr>
+        <p:blipFill>
+          <a:blip r:embed="rId2"/>
+          <a:srcRect/>
+          <a:stretch>
+            <a:fillRect/>
+          </a:stretch>
+        </p:blipFill>
+        <p:spPr bwMode="auto">
+          <a:xfrm>
+            <a:off x="4357686" y="4426444"/>
+            <a:ext cx="4786314" cy="2431556"/>
+          </a:xfrm>
+          <a:prstGeom prst="rect">
+            <a:avLst/>
+          </a:prstGeom>
+          <a:noFill/>
+        </p:spPr>
+      </p:pic>
+      <p:pic>
+        <p:nvPicPr>
+          <p:cNvPr id="3074" name="Picture 2" descr="D:\d_Program Files\360stg\hs.png"/>
+          <p:cNvPicPr>
+            <a:picLocks noChangeAspect="1" noChangeArrowheads="1"/>
+          </p:cNvPicPr>
+          <p:nvPr/>
+        </p:nvPicPr>
+        <p:blipFill>
+          <a:blip r:embed="rId3"/>
+          <a:srcRect/>
+          <a:stretch>
+            <a:fillRect/>
+          </a:stretch>
+        </p:blipFill>
+        <p:spPr bwMode="auto">
+          <a:xfrm>
+            <a:off x="857224" y="3333750"/>
+            <a:ext cx="1695450" cy="3524250"/>
+          </a:xfrm>
+          <a:prstGeom prst="rect">
+            <a:avLst/>
+          </a:prstGeom>
+          <a:noFill/>
+        </p:spPr>
+      </p:pic>
     </p:spTree>
   </p:cSld>
   <p:clrMapOvr>
@@ -4596,7 +4714,7 @@
                   <a:srgbClr val="FF0000"/>
                 </a:solidFill>
               </a:rPr>
-              <a:t>・敵（隕石）</a:t>
+              <a:t>・ビルド設置</a:t>
             </a:r>
             <a:endParaRPr lang="ja-JP" altLang="en-US" dirty="0">
               <a:ln w="18415" cmpd="sng">
@@ -4636,100 +4754,34 @@
           <a:p>
             <a:r>
               <a:rPr lang="ja-JP" altLang="en-US" sz="1800" dirty="0" smtClean="0"/>
-              <a:t>一直線に等速で地球に向かって飛んでくる最弱の敵</a:t>
+              <a:t>「ハンシャ」「カベ」</a:t>
+            </a:r>
+            <a:r>
+              <a:rPr lang="ja-JP" altLang="en-US" sz="1800" dirty="0" smtClean="0"/>
+              <a:t>を選ぶと時間</a:t>
+            </a:r>
+            <a:r>
+              <a:rPr lang="ja-JP" altLang="en-US" sz="1800" dirty="0" smtClean="0"/>
+              <a:t>を止めてタップ</a:t>
+            </a:r>
+            <a:r>
+              <a:rPr lang="en-US" altLang="ja-JP" sz="1800" dirty="0" smtClean="0"/>
+              <a:t>+</a:t>
+            </a:r>
+            <a:r>
+              <a:rPr lang="ja-JP" altLang="en-US" sz="1800" dirty="0" smtClean="0"/>
+              <a:t>スワイプで</a:t>
             </a:r>
             <a:endParaRPr lang="en-US" altLang="ja-JP" sz="1800" dirty="0" smtClean="0"/>
-          </a:p>
-          <a:p>
-            <a:endParaRPr lang="en-US" altLang="ja-JP" sz="1800" dirty="0" smtClean="0"/>
-          </a:p>
-          <a:p>
-            <a:r>
-              <a:rPr lang="en-US" altLang="ja-JP" sz="1800" dirty="0" smtClean="0"/>
-              <a:t>HP</a:t>
-            </a:r>
-            <a:r>
-              <a:rPr lang="ja-JP" altLang="en-US" sz="1800" dirty="0" smtClean="0"/>
-              <a:t>　</a:t>
-            </a:r>
-            <a:r>
-              <a:rPr lang="en-US" altLang="ja-JP" sz="1800" dirty="0" smtClean="0"/>
-              <a:t>50</a:t>
-            </a:r>
-            <a:endParaRPr lang="en-US" altLang="ja-JP" sz="1400" dirty="0" smtClean="0"/>
-          </a:p>
-          <a:p>
-            <a:endParaRPr lang="en-US" altLang="ja-JP" sz="1800" dirty="0" smtClean="0"/>
-          </a:p>
-          <a:p>
-            <a:r>
-              <a:rPr lang="ja-JP" altLang="en-US" sz="1800" dirty="0" smtClean="0"/>
-              <a:t>移動速度　</a:t>
-            </a:r>
-            <a:r>
-              <a:rPr lang="ja-JP" altLang="en-US" sz="1400" dirty="0" smtClean="0"/>
-              <a:t>画面上端から５秒で地球に当たる</a:t>
-            </a:r>
-            <a:endParaRPr lang="en-US" altLang="ja-JP" sz="1400" dirty="0" smtClean="0"/>
           </a:p>
           <a:p>
             <a:pPr>
               <a:buNone/>
             </a:pPr>
-            <a:endParaRPr lang="en-US" altLang="ja-JP" sz="1800" dirty="0" smtClean="0"/>
-          </a:p>
-          <a:p>
-            <a:r>
-              <a:rPr lang="ja-JP" altLang="en-US" sz="1800" dirty="0" smtClean="0"/>
-              <a:t>ランクが上がった時の能力変化箇所</a:t>
-            </a:r>
-            <a:endParaRPr lang="en-US" altLang="ja-JP" sz="1800" dirty="0" smtClean="0"/>
-          </a:p>
-          <a:p>
-            <a:pPr lvl="1"/>
-            <a:r>
-              <a:rPr lang="en-US" altLang="ja-JP" sz="1400" dirty="0" smtClean="0"/>
-              <a:t>HP</a:t>
-            </a:r>
-            <a:r>
-              <a:rPr lang="ja-JP" altLang="en-US" sz="1400" dirty="0" smtClean="0"/>
-              <a:t>上がる　ランク</a:t>
-            </a:r>
-            <a:r>
-              <a:rPr lang="en-US" altLang="ja-JP" sz="1400" dirty="0" smtClean="0"/>
-              <a:t>10</a:t>
-            </a:r>
-            <a:r>
-              <a:rPr lang="ja-JP" altLang="en-US" sz="1400" dirty="0" smtClean="0"/>
-              <a:t>につき１</a:t>
-            </a:r>
-            <a:endParaRPr lang="en-US" altLang="ja-JP" sz="1400" dirty="0" smtClean="0"/>
-          </a:p>
-          <a:p>
-            <a:pPr lvl="1"/>
-            <a:r>
-              <a:rPr lang="ja-JP" altLang="en-US" sz="1400" dirty="0" smtClean="0"/>
-              <a:t>移動速度アップ　ランク</a:t>
-            </a:r>
-            <a:r>
-              <a:rPr lang="en-US" altLang="ja-JP" sz="1400" dirty="0" smtClean="0"/>
-              <a:t>1</a:t>
-            </a:r>
-            <a:r>
-              <a:rPr lang="ja-JP" altLang="en-US" sz="1400" dirty="0" smtClean="0"/>
-              <a:t>につき</a:t>
-            </a:r>
-            <a:r>
-              <a:rPr lang="en-US" altLang="ja-JP" sz="1400" dirty="0" smtClean="0"/>
-              <a:t>1</a:t>
-            </a:r>
-            <a:r>
-              <a:rPr lang="ja-JP" altLang="en-US" sz="1400" dirty="0" smtClean="0"/>
-              <a:t>％</a:t>
-            </a:r>
-            <a:endParaRPr lang="en-US" altLang="ja-JP" sz="1400" dirty="0" smtClean="0"/>
-          </a:p>
-          <a:p>
+            <a:r>
+              <a:rPr lang="ja-JP" altLang="en-US" sz="1800" dirty="0" smtClean="0"/>
+              <a:t>　自由な場所に設置できる</a:t>
+            </a:r>
             <a:endParaRPr lang="en-US" altLang="ja-JP" sz="1800" dirty="0" smtClean="0"/>
           </a:p>
         </p:txBody>
@@ -4791,6 +4843,32 @@
           </a:p>
         </p:txBody>
       </p:sp>
+      <p:pic>
+        <p:nvPicPr>
+          <p:cNvPr id="2050" name="Picture 2" descr="D:\d_Program Files\360stg\ガイド.png"/>
+          <p:cNvPicPr>
+            <a:picLocks noChangeAspect="1" noChangeArrowheads="1"/>
+          </p:cNvPicPr>
+          <p:nvPr/>
+        </p:nvPicPr>
+        <p:blipFill>
+          <a:blip r:embed="rId2"/>
+          <a:srcRect/>
+          <a:stretch>
+            <a:fillRect/>
+          </a:stretch>
+        </p:blipFill>
+        <p:spPr bwMode="auto">
+          <a:xfrm>
+            <a:off x="6500827" y="2666798"/>
+            <a:ext cx="2643174" cy="4191202"/>
+          </a:xfrm>
+          <a:prstGeom prst="rect">
+            <a:avLst/>
+          </a:prstGeom>
+          <a:noFill/>
+        </p:spPr>
+      </p:pic>
     </p:spTree>
   </p:cSld>
   <p:clrMapOvr>
@@ -4852,7 +4930,7 @@
                   <a:srgbClr val="FF0000"/>
                 </a:solidFill>
               </a:rPr>
-              <a:t>・敵（デカ隕石）</a:t>
+              <a:t>・敵</a:t>
             </a:r>
             <a:endParaRPr lang="ja-JP" altLang="en-US" dirty="0">
               <a:ln w="18415" cmpd="sng">
@@ -4892,126 +4970,105 @@
           <a:p>
             <a:r>
               <a:rPr lang="ja-JP" altLang="en-US" sz="1800" dirty="0" smtClean="0"/>
-              <a:t>通常の隕石寄り２周り大きい</a:t>
+              <a:t>隕石　</a:t>
+            </a:r>
+            <a:r>
+              <a:rPr lang="ja-JP" altLang="en-US" sz="1400" dirty="0" smtClean="0"/>
+              <a:t>シンプルに１直線に落ちる</a:t>
+            </a:r>
+            <a:endParaRPr lang="en-US" altLang="ja-JP" sz="1400" dirty="0" smtClean="0"/>
+          </a:p>
+          <a:p>
+            <a:r>
+              <a:rPr lang="ja-JP" altLang="en-US" sz="1800" dirty="0" smtClean="0"/>
+              <a:t>デカ隕石　</a:t>
+            </a:r>
+            <a:r>
+              <a:rPr lang="ja-JP" altLang="en-US" sz="1400" dirty="0" smtClean="0"/>
+              <a:t>ゆっくりだが大きく硬い　普通に壊すと３，４の隕石に分裂　弱点を抜くと分裂しない</a:t>
+            </a:r>
+            <a:r>
+              <a:rPr lang="ja-JP" altLang="en-US" sz="1800" dirty="0" smtClean="0"/>
+              <a:t>　</a:t>
             </a:r>
             <a:endParaRPr lang="en-US" altLang="ja-JP" sz="1800" dirty="0" smtClean="0"/>
           </a:p>
           <a:p>
             <a:r>
               <a:rPr lang="ja-JP" altLang="en-US" sz="1800" dirty="0" smtClean="0"/>
-              <a:t>普通に</a:t>
-            </a:r>
-            <a:r>
-              <a:rPr lang="en-US" altLang="ja-JP" sz="1800" dirty="0" smtClean="0"/>
-              <a:t>HP</a:t>
-            </a:r>
-            <a:r>
-              <a:rPr lang="ja-JP" altLang="en-US" sz="1800" dirty="0" smtClean="0"/>
-              <a:t>を０にすると３つの隕石に分裂する</a:t>
-            </a:r>
-            <a:endParaRPr lang="en-US" altLang="ja-JP" sz="1800" dirty="0" smtClean="0"/>
-          </a:p>
-          <a:p>
-            <a:r>
-              <a:rPr lang="ja-JP" altLang="en-US" sz="1800" dirty="0" smtClean="0"/>
-              <a:t>背面に弱点を持つ　撃つと</a:t>
-            </a:r>
-            <a:r>
-              <a:rPr lang="en-US" altLang="ja-JP" sz="1800" dirty="0" smtClean="0"/>
-              <a:t>1</a:t>
-            </a:r>
-            <a:r>
-              <a:rPr lang="ja-JP" altLang="en-US" sz="1800" dirty="0" smtClean="0"/>
-              <a:t>発で壊れ分裂もしない</a:t>
-            </a:r>
-            <a:endParaRPr lang="en-US" altLang="ja-JP" sz="1800" dirty="0" smtClean="0"/>
-          </a:p>
-          <a:p>
-            <a:r>
-              <a:rPr lang="en-US" altLang="ja-JP" sz="1800" dirty="0" smtClean="0"/>
-              <a:t>HP</a:t>
-            </a:r>
-            <a:r>
-              <a:rPr lang="ja-JP" altLang="en-US" sz="1800" dirty="0" smtClean="0"/>
-              <a:t>　</a:t>
-            </a:r>
-            <a:r>
-              <a:rPr lang="en-US" altLang="ja-JP" sz="1800" dirty="0" smtClean="0"/>
-              <a:t>150</a:t>
-            </a:r>
-          </a:p>
-          <a:p>
-            <a:r>
-              <a:rPr lang="ja-JP" altLang="en-US" sz="1800" dirty="0" smtClean="0"/>
-              <a:t>移動速度　</a:t>
+              <a:t>突撃　</a:t>
             </a:r>
             <a:r>
               <a:rPr lang="ja-JP" altLang="en-US" sz="1400" dirty="0" smtClean="0"/>
-              <a:t>画面上端から</a:t>
-            </a:r>
-            <a:r>
-              <a:rPr lang="en-US" altLang="ja-JP" sz="1400" dirty="0" smtClean="0"/>
-              <a:t>8</a:t>
+              <a:t>編隊を組んで決まった軌道を通り高速突撃する</a:t>
+            </a:r>
+            <a:endParaRPr lang="en-US" altLang="ja-JP" sz="1400" dirty="0" smtClean="0"/>
+          </a:p>
+          <a:p>
+            <a:pPr lvl="1"/>
+            <a:r>
+              <a:rPr lang="ja-JP" altLang="en-US" sz="1200" dirty="0" smtClean="0"/>
+              <a:t>地球狙い</a:t>
+            </a:r>
+            <a:endParaRPr lang="en-US" altLang="ja-JP" sz="1200" dirty="0" smtClean="0"/>
+          </a:p>
+          <a:p>
+            <a:pPr lvl="1"/>
+            <a:r>
+              <a:rPr lang="ja-JP" altLang="en-US" sz="1200" dirty="0" smtClean="0"/>
+              <a:t>オプション狙い</a:t>
+            </a:r>
+            <a:endParaRPr lang="en-US" altLang="ja-JP" sz="1600" dirty="0" smtClean="0"/>
+          </a:p>
+          <a:p>
+            <a:r>
+              <a:rPr lang="ja-JP" altLang="en-US" sz="1800" dirty="0" smtClean="0"/>
+              <a:t>砲撃　</a:t>
             </a:r>
             <a:r>
               <a:rPr lang="ja-JP" altLang="en-US" sz="1400" dirty="0" smtClean="0"/>
-              <a:t>秒で地球に当たる</a:t>
-            </a:r>
-            <a:endParaRPr lang="en-US" altLang="ja-JP" sz="1800" dirty="0" smtClean="0"/>
-          </a:p>
-          <a:p>
-            <a:r>
-              <a:rPr lang="ja-JP" altLang="en-US" sz="1800" dirty="0" smtClean="0"/>
-              <a:t>ランクが上がった時の能力変化箇所</a:t>
-            </a:r>
-            <a:endParaRPr lang="en-US" altLang="ja-JP" sz="1800" dirty="0" smtClean="0"/>
+              <a:t>位置を決めたら動かす弾を撃ちまくる</a:t>
+            </a:r>
+            <a:endParaRPr lang="en-US" altLang="ja-JP" sz="1400" dirty="0" smtClean="0"/>
           </a:p>
           <a:p>
             <a:pPr lvl="1"/>
             <a:r>
-              <a:rPr lang="en-US" altLang="ja-JP" sz="1400" dirty="0" smtClean="0"/>
-              <a:t>HP</a:t>
+              <a:rPr lang="ja-JP" altLang="en-US" sz="1200" dirty="0" smtClean="0"/>
+              <a:t>乱射　</a:t>
+            </a:r>
+            <a:r>
+              <a:rPr lang="en-US" altLang="ja-JP" sz="1200" dirty="0" smtClean="0"/>
+              <a:t>30</a:t>
+            </a:r>
+            <a:r>
+              <a:rPr lang="ja-JP" altLang="en-US" sz="1200" dirty="0" smtClean="0"/>
+              <a:t>度くらいで　球をまき散らす</a:t>
+            </a:r>
+            <a:endParaRPr lang="en-US" altLang="ja-JP" sz="1200" dirty="0" smtClean="0"/>
+          </a:p>
+          <a:p>
+            <a:pPr lvl="1"/>
+            <a:r>
+              <a:rPr lang="ja-JP" altLang="en-US" sz="1200" dirty="0" smtClean="0"/>
+              <a:t>狙撃　斜線を見せて単発高速の弾を撃つ</a:t>
+            </a:r>
+            <a:endParaRPr lang="en-US" altLang="ja-JP" sz="1200" dirty="0" smtClean="0"/>
+          </a:p>
+          <a:p>
+            <a:r>
+              <a:rPr lang="ja-JP" altLang="en-US" sz="1800" dirty="0" smtClean="0"/>
+              <a:t>要塞　</a:t>
             </a:r>
             <a:r>
               <a:rPr lang="ja-JP" altLang="en-US" sz="1400" dirty="0" smtClean="0"/>
-              <a:t>上がる　ランク</a:t>
-            </a:r>
-            <a:r>
-              <a:rPr lang="en-US" altLang="ja-JP" sz="1400" dirty="0" smtClean="0"/>
-              <a:t>10</a:t>
-            </a:r>
-            <a:r>
-              <a:rPr lang="ja-JP" altLang="en-US" sz="1400" dirty="0" smtClean="0"/>
-              <a:t>につき</a:t>
-            </a:r>
-            <a:r>
-              <a:rPr lang="en-US" altLang="ja-JP" sz="1400" dirty="0" smtClean="0"/>
-              <a:t>2</a:t>
-            </a:r>
+              <a:t>ゆっくり等速落下して地球を斬る　近づかれると耐久無視でゲームオーバー</a:t>
+            </a:r>
+            <a:endParaRPr lang="en-US" altLang="ja-JP" sz="1400" dirty="0" smtClean="0"/>
           </a:p>
           <a:p>
             <a:pPr lvl="1"/>
-            <a:r>
-              <a:rPr lang="ja-JP" altLang="en-US" sz="1400" dirty="0" smtClean="0"/>
-              <a:t>移動速度アップ　ランク</a:t>
-            </a:r>
-            <a:r>
-              <a:rPr lang="en-US" altLang="ja-JP" sz="1400" dirty="0" smtClean="0"/>
-              <a:t>1</a:t>
-            </a:r>
-            <a:r>
-              <a:rPr lang="ja-JP" altLang="en-US" sz="1400" dirty="0" smtClean="0"/>
-              <a:t>につき</a:t>
-            </a:r>
-            <a:r>
-              <a:rPr lang="en-US" altLang="ja-JP" sz="1400" dirty="0" smtClean="0"/>
-              <a:t>1</a:t>
-            </a:r>
-            <a:r>
-              <a:rPr lang="ja-JP" altLang="en-US" sz="1400" dirty="0" smtClean="0"/>
-              <a:t>％</a:t>
-            </a:r>
-            <a:endParaRPr lang="en-US" altLang="ja-JP" sz="1400" dirty="0" smtClean="0"/>
+            <a:endParaRPr lang="en-US" altLang="ja-JP" sz="1200" dirty="0" smtClean="0"/>
           </a:p>
         </p:txBody>
       </p:sp>
@@ -5088,6 +5145,543 @@
 </file>
 
 <file path=ppt/slides/slide15.xml><?xml version="1.0" encoding="utf-8"?>
+<p:sld xmlns:a="http://schemas.openxmlformats.org/drawingml/2006/main" xmlns:r="http://schemas.openxmlformats.org/officeDocument/2006/relationships" xmlns:p="http://schemas.openxmlformats.org/presentationml/2006/main">
+  <p:cSld>
+    <p:spTree>
+      <p:nvGrpSpPr>
+        <p:cNvPr id="1" name=""/>
+        <p:cNvGrpSpPr/>
+        <p:nvPr/>
+      </p:nvGrpSpPr>
+      <p:grpSpPr>
+        <a:xfrm>
+          <a:off x="0" y="0"/>
+          <a:ext cx="0" cy="0"/>
+          <a:chOff x="0" y="0"/>
+          <a:chExt cx="0" cy="0"/>
+        </a:xfrm>
+      </p:grpSpPr>
+      <p:sp>
+        <p:nvSpPr>
+          <p:cNvPr id="2" name="タイトル 1"/>
+          <p:cNvSpPr>
+            <a:spLocks noGrp="1"/>
+          </p:cNvSpPr>
+          <p:nvPr>
+            <p:ph type="title"/>
+          </p:nvPr>
+        </p:nvSpPr>
+        <p:spPr/>
+        <p:txBody>
+          <a:bodyPr>
+            <a:normAutofit/>
+          </a:bodyPr>
+          <a:lstStyle/>
+          <a:p>
+            <a:r>
+              <a:rPr lang="ja-JP" altLang="en-US" dirty="0" smtClean="0">
+                <a:ln w="18415" cmpd="sng">
+                  <a:solidFill>
+                    <a:schemeClr val="bg1"/>
+                  </a:solidFill>
+                  <a:prstDash val="solid"/>
+                </a:ln>
+                <a:solidFill>
+                  <a:srgbClr val="FF0000"/>
+                </a:solidFill>
+              </a:rPr>
+              <a:t>・敵（隕石）</a:t>
+            </a:r>
+            <a:endParaRPr lang="ja-JP" altLang="en-US" dirty="0">
+              <a:ln w="18415" cmpd="sng">
+                <a:solidFill>
+                  <a:schemeClr val="bg1"/>
+                </a:solidFill>
+                <a:prstDash val="solid"/>
+              </a:ln>
+              <a:solidFill>
+                <a:srgbClr val="FF0000"/>
+              </a:solidFill>
+            </a:endParaRPr>
+          </a:p>
+        </p:txBody>
+      </p:sp>
+      <p:sp>
+        <p:nvSpPr>
+          <p:cNvPr id="3" name="コンテンツ プレースホルダ 2"/>
+          <p:cNvSpPr>
+            <a:spLocks noGrp="1"/>
+          </p:cNvSpPr>
+          <p:nvPr>
+            <p:ph idx="1"/>
+          </p:nvPr>
+        </p:nvSpPr>
+        <p:spPr>
+          <a:xfrm>
+            <a:off x="457200" y="1600201"/>
+            <a:ext cx="8229600" cy="4972071"/>
+          </a:xfrm>
+        </p:spPr>
+        <p:txBody>
+          <a:bodyPr>
+            <a:normAutofit/>
+          </a:bodyPr>
+          <a:lstStyle/>
+          <a:p>
+            <a:r>
+              <a:rPr lang="ja-JP" altLang="en-US" sz="1800" dirty="0" smtClean="0"/>
+              <a:t>一直線に等速で地球に向かって飛んでくる最弱の敵</a:t>
+            </a:r>
+            <a:endParaRPr lang="en-US" altLang="ja-JP" sz="1800" dirty="0" smtClean="0"/>
+          </a:p>
+          <a:p>
+            <a:endParaRPr lang="en-US" altLang="ja-JP" sz="1800" dirty="0" smtClean="0"/>
+          </a:p>
+          <a:p>
+            <a:r>
+              <a:rPr lang="en-US" altLang="ja-JP" sz="1800" dirty="0" smtClean="0"/>
+              <a:t>HP</a:t>
+            </a:r>
+            <a:r>
+              <a:rPr lang="ja-JP" altLang="en-US" sz="1800" dirty="0" smtClean="0"/>
+              <a:t>　</a:t>
+            </a:r>
+            <a:r>
+              <a:rPr lang="en-US" altLang="ja-JP" sz="1800" dirty="0" smtClean="0"/>
+              <a:t>50</a:t>
+            </a:r>
+            <a:endParaRPr lang="en-US" altLang="ja-JP" sz="1400" dirty="0" smtClean="0"/>
+          </a:p>
+          <a:p>
+            <a:endParaRPr lang="en-US" altLang="ja-JP" sz="1800" dirty="0" smtClean="0"/>
+          </a:p>
+          <a:p>
+            <a:r>
+              <a:rPr lang="ja-JP" altLang="en-US" sz="1800" dirty="0" smtClean="0"/>
+              <a:t>移動速度　</a:t>
+            </a:r>
+            <a:r>
+              <a:rPr lang="ja-JP" altLang="en-US" sz="1400" dirty="0" smtClean="0"/>
+              <a:t>画面上端から５秒で地球に当たる</a:t>
+            </a:r>
+            <a:endParaRPr lang="en-US" altLang="ja-JP" sz="1400" dirty="0" smtClean="0"/>
+          </a:p>
+          <a:p>
+            <a:pPr>
+              <a:buNone/>
+            </a:pPr>
+            <a:endParaRPr lang="en-US" altLang="ja-JP" sz="1800" dirty="0" smtClean="0"/>
+          </a:p>
+          <a:p>
+            <a:r>
+              <a:rPr lang="ja-JP" altLang="en-US" sz="1800" dirty="0" smtClean="0"/>
+              <a:t>ランクが上がった時の能力変化箇所</a:t>
+            </a:r>
+            <a:endParaRPr lang="en-US" altLang="ja-JP" sz="1800" dirty="0" smtClean="0"/>
+          </a:p>
+          <a:p>
+            <a:pPr lvl="1"/>
+            <a:r>
+              <a:rPr lang="en-US" altLang="ja-JP" sz="1400" dirty="0" smtClean="0"/>
+              <a:t>HP</a:t>
+            </a:r>
+            <a:r>
+              <a:rPr lang="ja-JP" altLang="en-US" sz="1400" dirty="0" smtClean="0"/>
+              <a:t>上がる　ランク</a:t>
+            </a:r>
+            <a:r>
+              <a:rPr lang="en-US" altLang="ja-JP" sz="1400" dirty="0" smtClean="0"/>
+              <a:t>10</a:t>
+            </a:r>
+            <a:r>
+              <a:rPr lang="ja-JP" altLang="en-US" sz="1400" dirty="0" smtClean="0"/>
+              <a:t>につき１</a:t>
+            </a:r>
+            <a:endParaRPr lang="en-US" altLang="ja-JP" sz="1400" dirty="0" smtClean="0"/>
+          </a:p>
+          <a:p>
+            <a:pPr lvl="1"/>
+            <a:r>
+              <a:rPr lang="ja-JP" altLang="en-US" sz="1400" dirty="0" smtClean="0"/>
+              <a:t>移動速度アップ　ランク</a:t>
+            </a:r>
+            <a:r>
+              <a:rPr lang="en-US" altLang="ja-JP" sz="1400" dirty="0" smtClean="0"/>
+              <a:t>1</a:t>
+            </a:r>
+            <a:r>
+              <a:rPr lang="ja-JP" altLang="en-US" sz="1400" dirty="0" smtClean="0"/>
+              <a:t>につき</a:t>
+            </a:r>
+            <a:r>
+              <a:rPr lang="en-US" altLang="ja-JP" sz="1400" dirty="0" smtClean="0"/>
+              <a:t>1</a:t>
+            </a:r>
+            <a:r>
+              <a:rPr lang="ja-JP" altLang="en-US" sz="1400" dirty="0" smtClean="0"/>
+              <a:t>％</a:t>
+            </a:r>
+            <a:endParaRPr lang="en-US" altLang="ja-JP" sz="1400" dirty="0" smtClean="0"/>
+          </a:p>
+          <a:p>
+            <a:endParaRPr lang="en-US" altLang="ja-JP" sz="1800" dirty="0" smtClean="0"/>
+          </a:p>
+        </p:txBody>
+      </p:sp>
+      <p:sp>
+        <p:nvSpPr>
+          <p:cNvPr id="5" name="コンテンツ プレースホルダ 2"/>
+          <p:cNvSpPr txBox="1">
+            <a:spLocks/>
+          </p:cNvSpPr>
+          <p:nvPr/>
+        </p:nvSpPr>
+        <p:spPr>
+          <a:xfrm>
+            <a:off x="5967418" y="3214686"/>
+            <a:ext cx="3176582" cy="428627"/>
+          </a:xfrm>
+          <a:prstGeom prst="rect">
+            <a:avLst/>
+          </a:prstGeom>
+        </p:spPr>
+        <p:txBody>
+          <a:bodyPr vert="horz" lIns="91440" tIns="45720" rIns="91440" bIns="45720" rtlCol="0">
+            <a:normAutofit/>
+          </a:bodyPr>
+          <a:lstStyle/>
+          <a:p>
+            <a:pPr marL="742950" marR="0" lvl="1" indent="-285750" algn="l" defTabSz="914400" rtl="0" eaLnBrk="1" fontAlgn="auto" latinLnBrk="0" hangingPunct="1">
+              <a:lnSpc>
+                <a:spcPct val="100000"/>
+              </a:lnSpc>
+              <a:spcBef>
+                <a:spcPct val="20000"/>
+              </a:spcBef>
+              <a:spcAft>
+                <a:spcPts val="0"/>
+              </a:spcAft>
+              <a:buClrTx/>
+              <a:buSzTx/>
+              <a:buFont typeface="Arial" pitchFamily="34" charset="0"/>
+              <a:buChar char="–"/>
+              <a:tabLst/>
+              <a:defRPr/>
+            </a:pPr>
+            <a:endParaRPr kumimoji="1" lang="en-US" altLang="ja-JP" sz="1200" b="0" i="0" u="none" strike="noStrike" kern="1200" cap="none" spc="0" normalizeH="0" baseline="0" noProof="0" dirty="0" smtClean="0">
+              <a:ln>
+                <a:noFill/>
+              </a:ln>
+              <a:solidFill>
+                <a:schemeClr val="tx1"/>
+              </a:solidFill>
+              <a:effectLst/>
+              <a:uLnTx/>
+              <a:uFillTx/>
+              <a:latin typeface="+mn-lt"/>
+              <a:ea typeface="+mn-ea"/>
+              <a:cs typeface="+mn-cs"/>
+            </a:endParaRPr>
+          </a:p>
+        </p:txBody>
+      </p:sp>
+    </p:spTree>
+  </p:cSld>
+  <p:clrMapOvr>
+    <a:masterClrMapping/>
+  </p:clrMapOvr>
+  <p:timing>
+    <p:tnLst>
+      <p:par>
+        <p:cTn id="1" dur="indefinite" restart="never" nodeType="tmRoot"/>
+      </p:par>
+    </p:tnLst>
+  </p:timing>
+</p:sld>
+</file>
+
+<file path=ppt/slides/slide16.xml><?xml version="1.0" encoding="utf-8"?>
+<p:sld xmlns:a="http://schemas.openxmlformats.org/drawingml/2006/main" xmlns:r="http://schemas.openxmlformats.org/officeDocument/2006/relationships" xmlns:p="http://schemas.openxmlformats.org/presentationml/2006/main">
+  <p:cSld>
+    <p:spTree>
+      <p:nvGrpSpPr>
+        <p:cNvPr id="1" name=""/>
+        <p:cNvGrpSpPr/>
+        <p:nvPr/>
+      </p:nvGrpSpPr>
+      <p:grpSpPr>
+        <a:xfrm>
+          <a:off x="0" y="0"/>
+          <a:ext cx="0" cy="0"/>
+          <a:chOff x="0" y="0"/>
+          <a:chExt cx="0" cy="0"/>
+        </a:xfrm>
+      </p:grpSpPr>
+      <p:sp>
+        <p:nvSpPr>
+          <p:cNvPr id="2" name="タイトル 1"/>
+          <p:cNvSpPr>
+            <a:spLocks noGrp="1"/>
+          </p:cNvSpPr>
+          <p:nvPr>
+            <p:ph type="title"/>
+          </p:nvPr>
+        </p:nvSpPr>
+        <p:spPr/>
+        <p:txBody>
+          <a:bodyPr>
+            <a:normAutofit/>
+          </a:bodyPr>
+          <a:lstStyle/>
+          <a:p>
+            <a:r>
+              <a:rPr lang="ja-JP" altLang="en-US" dirty="0" smtClean="0">
+                <a:ln w="18415" cmpd="sng">
+                  <a:solidFill>
+                    <a:schemeClr val="bg1"/>
+                  </a:solidFill>
+                  <a:prstDash val="solid"/>
+                </a:ln>
+                <a:solidFill>
+                  <a:srgbClr val="FF0000"/>
+                </a:solidFill>
+              </a:rPr>
+              <a:t>・敵（デカ隕石）</a:t>
+            </a:r>
+            <a:endParaRPr lang="ja-JP" altLang="en-US" dirty="0">
+              <a:ln w="18415" cmpd="sng">
+                <a:solidFill>
+                  <a:schemeClr val="bg1"/>
+                </a:solidFill>
+                <a:prstDash val="solid"/>
+              </a:ln>
+              <a:solidFill>
+                <a:srgbClr val="FF0000"/>
+              </a:solidFill>
+            </a:endParaRPr>
+          </a:p>
+        </p:txBody>
+      </p:sp>
+      <p:sp>
+        <p:nvSpPr>
+          <p:cNvPr id="3" name="コンテンツ プレースホルダ 2"/>
+          <p:cNvSpPr>
+            <a:spLocks noGrp="1"/>
+          </p:cNvSpPr>
+          <p:nvPr>
+            <p:ph idx="1"/>
+          </p:nvPr>
+        </p:nvSpPr>
+        <p:spPr>
+          <a:xfrm>
+            <a:off x="457200" y="1600201"/>
+            <a:ext cx="8229600" cy="4972071"/>
+          </a:xfrm>
+        </p:spPr>
+        <p:txBody>
+          <a:bodyPr>
+            <a:normAutofit/>
+          </a:bodyPr>
+          <a:lstStyle/>
+          <a:p>
+            <a:r>
+              <a:rPr lang="ja-JP" altLang="en-US" sz="1800" dirty="0" smtClean="0"/>
+              <a:t>通常の隕石寄り２周り大きい</a:t>
+            </a:r>
+            <a:endParaRPr lang="en-US" altLang="ja-JP" sz="1800" dirty="0" smtClean="0"/>
+          </a:p>
+          <a:p>
+            <a:r>
+              <a:rPr lang="ja-JP" altLang="en-US" sz="1800" dirty="0" smtClean="0"/>
+              <a:t>普通に</a:t>
+            </a:r>
+            <a:r>
+              <a:rPr lang="en-US" altLang="ja-JP" sz="1800" dirty="0" smtClean="0"/>
+              <a:t>HP</a:t>
+            </a:r>
+            <a:r>
+              <a:rPr lang="ja-JP" altLang="en-US" sz="1800" dirty="0" smtClean="0"/>
+              <a:t>を０にすると３つの隕石に分裂する</a:t>
+            </a:r>
+            <a:endParaRPr lang="en-US" altLang="ja-JP" sz="1800" dirty="0" smtClean="0"/>
+          </a:p>
+          <a:p>
+            <a:r>
+              <a:rPr lang="ja-JP" altLang="en-US" sz="1800" dirty="0" smtClean="0"/>
+              <a:t>背面に弱点を持つ　撃つと</a:t>
+            </a:r>
+            <a:r>
+              <a:rPr lang="en-US" altLang="ja-JP" sz="1800" dirty="0" smtClean="0"/>
+              <a:t>1</a:t>
+            </a:r>
+            <a:r>
+              <a:rPr lang="ja-JP" altLang="en-US" sz="1800" dirty="0" smtClean="0"/>
+              <a:t>発で壊れ分裂もしない</a:t>
+            </a:r>
+            <a:endParaRPr lang="en-US" altLang="ja-JP" sz="1800" dirty="0" smtClean="0"/>
+          </a:p>
+          <a:p>
+            <a:r>
+              <a:rPr lang="en-US" altLang="ja-JP" sz="1800" dirty="0" smtClean="0"/>
+              <a:t>HP</a:t>
+            </a:r>
+            <a:r>
+              <a:rPr lang="ja-JP" altLang="en-US" sz="1800" dirty="0" smtClean="0"/>
+              <a:t>　</a:t>
+            </a:r>
+            <a:r>
+              <a:rPr lang="en-US" altLang="ja-JP" sz="1800" dirty="0" smtClean="0"/>
+              <a:t>150</a:t>
+            </a:r>
+          </a:p>
+          <a:p>
+            <a:r>
+              <a:rPr lang="ja-JP" altLang="en-US" sz="1800" dirty="0" smtClean="0"/>
+              <a:t>移動速度　</a:t>
+            </a:r>
+            <a:r>
+              <a:rPr lang="ja-JP" altLang="en-US" sz="1400" dirty="0" smtClean="0"/>
+              <a:t>画面上端から</a:t>
+            </a:r>
+            <a:r>
+              <a:rPr lang="en-US" altLang="ja-JP" sz="1400" dirty="0" smtClean="0"/>
+              <a:t>8</a:t>
+            </a:r>
+            <a:r>
+              <a:rPr lang="ja-JP" altLang="en-US" sz="1400" dirty="0" smtClean="0"/>
+              <a:t>秒で地球に当たる</a:t>
+            </a:r>
+            <a:endParaRPr lang="en-US" altLang="ja-JP" sz="1800" dirty="0" smtClean="0"/>
+          </a:p>
+          <a:p>
+            <a:r>
+              <a:rPr lang="ja-JP" altLang="en-US" sz="1800" dirty="0" smtClean="0"/>
+              <a:t>ランクが上がった時の能力変化箇所</a:t>
+            </a:r>
+            <a:endParaRPr lang="en-US" altLang="ja-JP" sz="1800" dirty="0" smtClean="0"/>
+          </a:p>
+          <a:p>
+            <a:pPr lvl="1"/>
+            <a:r>
+              <a:rPr lang="en-US" altLang="ja-JP" sz="1400" dirty="0" smtClean="0"/>
+              <a:t>HP</a:t>
+            </a:r>
+            <a:r>
+              <a:rPr lang="ja-JP" altLang="en-US" sz="1400" dirty="0" smtClean="0"/>
+              <a:t>上がる　ランク</a:t>
+            </a:r>
+            <a:r>
+              <a:rPr lang="en-US" altLang="ja-JP" sz="1400" dirty="0" smtClean="0"/>
+              <a:t>10</a:t>
+            </a:r>
+            <a:r>
+              <a:rPr lang="ja-JP" altLang="en-US" sz="1400" dirty="0" smtClean="0"/>
+              <a:t>につき</a:t>
+            </a:r>
+            <a:r>
+              <a:rPr lang="en-US" altLang="ja-JP" sz="1400" dirty="0" smtClean="0"/>
+              <a:t>2</a:t>
+            </a:r>
+          </a:p>
+          <a:p>
+            <a:pPr lvl="1"/>
+            <a:r>
+              <a:rPr lang="ja-JP" altLang="en-US" sz="1400" dirty="0" smtClean="0"/>
+              <a:t>移動速度アップ　ランク</a:t>
+            </a:r>
+            <a:r>
+              <a:rPr lang="en-US" altLang="ja-JP" sz="1400" dirty="0" smtClean="0"/>
+              <a:t>1</a:t>
+            </a:r>
+            <a:r>
+              <a:rPr lang="ja-JP" altLang="en-US" sz="1400" dirty="0" smtClean="0"/>
+              <a:t>につき</a:t>
+            </a:r>
+            <a:r>
+              <a:rPr lang="en-US" altLang="ja-JP" sz="1400" dirty="0" smtClean="0"/>
+              <a:t>1</a:t>
+            </a:r>
+            <a:r>
+              <a:rPr lang="ja-JP" altLang="en-US" sz="1400" dirty="0" smtClean="0"/>
+              <a:t>％</a:t>
+            </a:r>
+            <a:endParaRPr lang="en-US" altLang="ja-JP" sz="1400" dirty="0" smtClean="0"/>
+          </a:p>
+        </p:txBody>
+      </p:sp>
+      <p:sp>
+        <p:nvSpPr>
+          <p:cNvPr id="5" name="コンテンツ プレースホルダ 2"/>
+          <p:cNvSpPr txBox="1">
+            <a:spLocks/>
+          </p:cNvSpPr>
+          <p:nvPr/>
+        </p:nvSpPr>
+        <p:spPr>
+          <a:xfrm>
+            <a:off x="5967418" y="3214686"/>
+            <a:ext cx="3176582" cy="428627"/>
+          </a:xfrm>
+          <a:prstGeom prst="rect">
+            <a:avLst/>
+          </a:prstGeom>
+        </p:spPr>
+        <p:txBody>
+          <a:bodyPr vert="horz" lIns="91440" tIns="45720" rIns="91440" bIns="45720" rtlCol="0">
+            <a:normAutofit/>
+          </a:bodyPr>
+          <a:lstStyle/>
+          <a:p>
+            <a:pPr marL="742950" marR="0" lvl="1" indent="-285750" algn="l" defTabSz="914400" rtl="0" eaLnBrk="1" fontAlgn="auto" latinLnBrk="0" hangingPunct="1">
+              <a:lnSpc>
+                <a:spcPct val="100000"/>
+              </a:lnSpc>
+              <a:spcBef>
+                <a:spcPct val="20000"/>
+              </a:spcBef>
+              <a:spcAft>
+                <a:spcPts val="0"/>
+              </a:spcAft>
+              <a:buClrTx/>
+              <a:buSzTx/>
+              <a:buFont typeface="Arial" pitchFamily="34" charset="0"/>
+              <a:buChar char="–"/>
+              <a:tabLst/>
+              <a:defRPr/>
+            </a:pPr>
+            <a:endParaRPr kumimoji="1" lang="en-US" altLang="ja-JP" sz="1200" b="0" i="0" u="none" strike="noStrike" kern="1200" cap="none" spc="0" normalizeH="0" baseline="0" noProof="0" dirty="0" smtClean="0">
+              <a:ln>
+                <a:noFill/>
+              </a:ln>
+              <a:solidFill>
+                <a:schemeClr val="tx1"/>
+              </a:solidFill>
+              <a:effectLst/>
+              <a:uLnTx/>
+              <a:uFillTx/>
+              <a:latin typeface="+mn-lt"/>
+              <a:ea typeface="+mn-ea"/>
+              <a:cs typeface="+mn-cs"/>
+            </a:endParaRPr>
+          </a:p>
+        </p:txBody>
+      </p:sp>
+    </p:spTree>
+  </p:cSld>
+  <p:clrMapOvr>
+    <a:masterClrMapping/>
+  </p:clrMapOvr>
+  <p:timing>
+    <p:tnLst>
+      <p:par>
+        <p:cTn id="1" dur="indefinite" restart="never" nodeType="tmRoot"/>
+      </p:par>
+    </p:tnLst>
+  </p:timing>
+</p:sld>
+</file>
+
+<file path=ppt/slides/slide17.xml><?xml version="1.0" encoding="utf-8"?>
 <p:sld xmlns:a="http://schemas.openxmlformats.org/drawingml/2006/main" xmlns:r="http://schemas.openxmlformats.org/officeDocument/2006/relationships" xmlns:p="http://schemas.openxmlformats.org/presentationml/2006/main">
   <p:cSld>
     <p:spTree>
@@ -5401,595 +5995,6 @@
 </p:sld>
 </file>
 
-<file path=ppt/slides/slide16.xml><?xml version="1.0" encoding="utf-8"?>
-<p:sld xmlns:a="http://schemas.openxmlformats.org/drawingml/2006/main" xmlns:r="http://schemas.openxmlformats.org/officeDocument/2006/relationships" xmlns:p="http://schemas.openxmlformats.org/presentationml/2006/main">
-  <p:cSld>
-    <p:spTree>
-      <p:nvGrpSpPr>
-        <p:cNvPr id="1" name=""/>
-        <p:cNvGrpSpPr/>
-        <p:nvPr/>
-      </p:nvGrpSpPr>
-      <p:grpSpPr>
-        <a:xfrm>
-          <a:off x="0" y="0"/>
-          <a:ext cx="0" cy="0"/>
-          <a:chOff x="0" y="0"/>
-          <a:chExt cx="0" cy="0"/>
-        </a:xfrm>
-      </p:grpSpPr>
-      <p:sp>
-        <p:nvSpPr>
-          <p:cNvPr id="2" name="タイトル 1"/>
-          <p:cNvSpPr>
-            <a:spLocks noGrp="1"/>
-          </p:cNvSpPr>
-          <p:nvPr>
-            <p:ph type="title"/>
-          </p:nvPr>
-        </p:nvSpPr>
-        <p:spPr/>
-        <p:txBody>
-          <a:bodyPr>
-            <a:normAutofit/>
-          </a:bodyPr>
-          <a:lstStyle/>
-          <a:p>
-            <a:r>
-              <a:rPr lang="ja-JP" altLang="en-US" dirty="0" smtClean="0">
-                <a:ln w="18415" cmpd="sng">
-                  <a:solidFill>
-                    <a:schemeClr val="bg1"/>
-                  </a:solidFill>
-                  <a:prstDash val="solid"/>
-                </a:ln>
-                <a:solidFill>
-                  <a:srgbClr val="FF0000"/>
-                </a:solidFill>
-              </a:rPr>
-              <a:t>・敵（突撃オプション）</a:t>
-            </a:r>
-            <a:endParaRPr lang="ja-JP" altLang="en-US" dirty="0">
-              <a:ln w="18415" cmpd="sng">
-                <a:solidFill>
-                  <a:schemeClr val="bg1"/>
-                </a:solidFill>
-                <a:prstDash val="solid"/>
-              </a:ln>
-              <a:solidFill>
-                <a:srgbClr val="FF0000"/>
-              </a:solidFill>
-            </a:endParaRPr>
-          </a:p>
-        </p:txBody>
-      </p:sp>
-      <p:sp>
-        <p:nvSpPr>
-          <p:cNvPr id="3" name="コンテンツ プレースホルダ 2"/>
-          <p:cNvSpPr>
-            <a:spLocks noGrp="1"/>
-          </p:cNvSpPr>
-          <p:nvPr>
-            <p:ph idx="1"/>
-          </p:nvPr>
-        </p:nvSpPr>
-        <p:spPr>
-          <a:xfrm>
-            <a:off x="457200" y="1600201"/>
-            <a:ext cx="8472518" cy="4972071"/>
-          </a:xfrm>
-        </p:spPr>
-        <p:txBody>
-          <a:bodyPr>
-            <a:normAutofit/>
-          </a:bodyPr>
-          <a:lstStyle/>
-          <a:p>
-            <a:r>
-              <a:rPr lang="ja-JP" altLang="en-US" sz="1800" dirty="0" smtClean="0"/>
-              <a:t>編隊を組み曲線移動をしばらく続けた後、隕石以上の超スピードでビルドしたオブジェクトに突撃自爆する</a:t>
-            </a:r>
-            <a:endParaRPr lang="en-US" altLang="ja-JP" sz="1800" dirty="0" smtClean="0"/>
-          </a:p>
-          <a:p>
-            <a:r>
-              <a:rPr lang="ja-JP" altLang="en-US" sz="1800" dirty="0" smtClean="0"/>
-              <a:t>突撃されたオブジェクトは対消滅</a:t>
-            </a:r>
-            <a:endParaRPr lang="en-US" altLang="ja-JP" sz="1800" dirty="0" smtClean="0"/>
-          </a:p>
-          <a:p>
-            <a:r>
-              <a:rPr lang="en-US" altLang="ja-JP" sz="1800" dirty="0" smtClean="0"/>
-              <a:t>1</a:t>
-            </a:r>
-            <a:r>
-              <a:rPr lang="ja-JP" altLang="en-US" sz="1800" dirty="0" smtClean="0"/>
-              <a:t>編隊の敵　３体</a:t>
-            </a:r>
-            <a:endParaRPr lang="en-US" altLang="ja-JP" sz="1800" dirty="0" smtClean="0"/>
-          </a:p>
-          <a:p>
-            <a:r>
-              <a:rPr lang="en-US" altLang="ja-JP" sz="1800" dirty="0" smtClean="0"/>
-              <a:t>HP</a:t>
-            </a:r>
-            <a:r>
-              <a:rPr lang="ja-JP" altLang="en-US" sz="1800" dirty="0" smtClean="0"/>
-              <a:t>　</a:t>
-            </a:r>
-            <a:r>
-              <a:rPr lang="en-US" altLang="ja-JP" sz="1800" dirty="0" smtClean="0"/>
-              <a:t>50</a:t>
-            </a:r>
-            <a:endParaRPr lang="en-US" altLang="ja-JP" sz="2400" dirty="0" smtClean="0"/>
-          </a:p>
-          <a:p>
-            <a:r>
-              <a:rPr lang="ja-JP" altLang="en-US" sz="1800" dirty="0" smtClean="0"/>
-              <a:t>移動速度　画面上端から</a:t>
-            </a:r>
-            <a:r>
-              <a:rPr lang="en-US" altLang="ja-JP" sz="1800" dirty="0" smtClean="0"/>
-              <a:t>3</a:t>
-            </a:r>
-            <a:r>
-              <a:rPr lang="ja-JP" altLang="en-US" sz="1800" dirty="0" smtClean="0"/>
-              <a:t>秒　曲線移動　の後　</a:t>
-            </a:r>
-            <a:r>
-              <a:rPr lang="en-US" altLang="ja-JP" sz="1800" dirty="0" smtClean="0"/>
-              <a:t> 0.5</a:t>
-            </a:r>
-            <a:r>
-              <a:rPr lang="ja-JP" altLang="en-US" sz="1800" dirty="0" smtClean="0"/>
-              <a:t>秒でオブジェクトに突撃　</a:t>
-            </a:r>
-            <a:endParaRPr lang="en-US" altLang="ja-JP" sz="1800" dirty="0" smtClean="0"/>
-          </a:p>
-          <a:p>
-            <a:r>
-              <a:rPr lang="ja-JP" altLang="en-US" sz="1800" dirty="0" smtClean="0"/>
-              <a:t>ランクが上がった時の能力変化箇所</a:t>
-            </a:r>
-            <a:endParaRPr lang="en-US" altLang="ja-JP" sz="1800" dirty="0" smtClean="0"/>
-          </a:p>
-          <a:p>
-            <a:pPr lvl="1"/>
-            <a:r>
-              <a:rPr lang="en-US" altLang="ja-JP" sz="1400" dirty="0" smtClean="0"/>
-              <a:t>HP</a:t>
-            </a:r>
-            <a:r>
-              <a:rPr lang="ja-JP" altLang="en-US" sz="1400" dirty="0" smtClean="0"/>
-              <a:t>上がる　ランク</a:t>
-            </a:r>
-            <a:r>
-              <a:rPr lang="en-US" altLang="ja-JP" sz="1400" dirty="0" smtClean="0"/>
-              <a:t>10</a:t>
-            </a:r>
-            <a:r>
-              <a:rPr lang="ja-JP" altLang="en-US" sz="1400" dirty="0" smtClean="0"/>
-              <a:t>につき</a:t>
-            </a:r>
-            <a:r>
-              <a:rPr lang="en-US" altLang="ja-JP" sz="1400" dirty="0" smtClean="0"/>
-              <a:t>2</a:t>
-            </a:r>
-          </a:p>
-          <a:p>
-            <a:pPr lvl="1"/>
-            <a:r>
-              <a:rPr lang="ja-JP" altLang="en-US" sz="1400" dirty="0" smtClean="0"/>
-              <a:t>移動速度アップ　ランク</a:t>
-            </a:r>
-            <a:r>
-              <a:rPr lang="en-US" altLang="ja-JP" sz="1400" dirty="0" smtClean="0"/>
-              <a:t>1</a:t>
-            </a:r>
-            <a:r>
-              <a:rPr lang="ja-JP" altLang="en-US" sz="1400" dirty="0" smtClean="0"/>
-              <a:t>につき</a:t>
-            </a:r>
-            <a:r>
-              <a:rPr lang="en-US" altLang="ja-JP" sz="1400" dirty="0" smtClean="0"/>
-              <a:t>1</a:t>
-            </a:r>
-            <a:r>
-              <a:rPr lang="ja-JP" altLang="en-US" sz="1400" dirty="0" smtClean="0"/>
-              <a:t>％</a:t>
-            </a:r>
-            <a:endParaRPr lang="en-US" altLang="ja-JP" sz="1400" dirty="0" smtClean="0"/>
-          </a:p>
-          <a:p>
-            <a:endParaRPr lang="en-US" altLang="ja-JP" sz="1800" dirty="0" smtClean="0"/>
-          </a:p>
-          <a:p>
-            <a:r>
-              <a:rPr lang="ja-JP" altLang="en-US" sz="1800" dirty="0" smtClean="0"/>
-              <a:t>軌道パターンは</a:t>
-            </a:r>
-            <a:r>
-              <a:rPr lang="en-US" altLang="ja-JP" sz="1800" dirty="0" smtClean="0"/>
-              <a:t>6</a:t>
-            </a:r>
-            <a:r>
-              <a:rPr lang="ja-JP" altLang="en-US" sz="1800" dirty="0" smtClean="0"/>
-              <a:t>つ</a:t>
-            </a:r>
-            <a:endParaRPr lang="en-US" altLang="ja-JP" sz="1800" dirty="0" smtClean="0"/>
-          </a:p>
-          <a:p>
-            <a:endParaRPr lang="en-US" altLang="ja-JP" sz="1800" dirty="0" smtClean="0"/>
-          </a:p>
-        </p:txBody>
-      </p:sp>
-      <p:sp>
-        <p:nvSpPr>
-          <p:cNvPr id="5" name="コンテンツ プレースホルダ 2"/>
-          <p:cNvSpPr txBox="1">
-            <a:spLocks/>
-          </p:cNvSpPr>
-          <p:nvPr/>
-        </p:nvSpPr>
-        <p:spPr>
-          <a:xfrm>
-            <a:off x="5967418" y="3214686"/>
-            <a:ext cx="3176582" cy="428627"/>
-          </a:xfrm>
-          <a:prstGeom prst="rect">
-            <a:avLst/>
-          </a:prstGeom>
-        </p:spPr>
-        <p:txBody>
-          <a:bodyPr vert="horz" lIns="91440" tIns="45720" rIns="91440" bIns="45720" rtlCol="0">
-            <a:normAutofit/>
-          </a:bodyPr>
-          <a:lstStyle/>
-          <a:p>
-            <a:pPr marL="742950" marR="0" lvl="1" indent="-285750" algn="l" defTabSz="914400" rtl="0" eaLnBrk="1" fontAlgn="auto" latinLnBrk="0" hangingPunct="1">
-              <a:lnSpc>
-                <a:spcPct val="100000"/>
-              </a:lnSpc>
-              <a:spcBef>
-                <a:spcPct val="20000"/>
-              </a:spcBef>
-              <a:spcAft>
-                <a:spcPts val="0"/>
-              </a:spcAft>
-              <a:buClrTx/>
-              <a:buSzTx/>
-              <a:buFont typeface="Arial" pitchFamily="34" charset="0"/>
-              <a:buChar char="–"/>
-              <a:tabLst/>
-              <a:defRPr/>
-            </a:pPr>
-            <a:endParaRPr kumimoji="1" lang="en-US" altLang="ja-JP" sz="1200" b="0" i="0" u="none" strike="noStrike" kern="1200" cap="none" spc="0" normalizeH="0" baseline="0" noProof="0" dirty="0" smtClean="0">
-              <a:ln>
-                <a:noFill/>
-              </a:ln>
-              <a:solidFill>
-                <a:schemeClr val="tx1"/>
-              </a:solidFill>
-              <a:effectLst/>
-              <a:uLnTx/>
-              <a:uFillTx/>
-              <a:latin typeface="+mn-lt"/>
-              <a:ea typeface="+mn-ea"/>
-              <a:cs typeface="+mn-cs"/>
-            </a:endParaRPr>
-          </a:p>
-        </p:txBody>
-      </p:sp>
-    </p:spTree>
-  </p:cSld>
-  <p:clrMapOvr>
-    <a:masterClrMapping/>
-  </p:clrMapOvr>
-  <p:timing>
-    <p:tnLst>
-      <p:par>
-        <p:cTn id="1" dur="indefinite" restart="never" nodeType="tmRoot"/>
-      </p:par>
-    </p:tnLst>
-  </p:timing>
-</p:sld>
-</file>
-
-<file path=ppt/slides/slide17.xml><?xml version="1.0" encoding="utf-8"?>
-<p:sld xmlns:a="http://schemas.openxmlformats.org/drawingml/2006/main" xmlns:r="http://schemas.openxmlformats.org/officeDocument/2006/relationships" xmlns:p="http://schemas.openxmlformats.org/presentationml/2006/main">
-  <p:cSld>
-    <p:spTree>
-      <p:nvGrpSpPr>
-        <p:cNvPr id="1" name=""/>
-        <p:cNvGrpSpPr/>
-        <p:nvPr/>
-      </p:nvGrpSpPr>
-      <p:grpSpPr>
-        <a:xfrm>
-          <a:off x="0" y="0"/>
-          <a:ext cx="0" cy="0"/>
-          <a:chOff x="0" y="0"/>
-          <a:chExt cx="0" cy="0"/>
-        </a:xfrm>
-      </p:grpSpPr>
-      <p:sp>
-        <p:nvSpPr>
-          <p:cNvPr id="2" name="タイトル 1"/>
-          <p:cNvSpPr>
-            <a:spLocks noGrp="1"/>
-          </p:cNvSpPr>
-          <p:nvPr>
-            <p:ph type="title"/>
-          </p:nvPr>
-        </p:nvSpPr>
-        <p:spPr/>
-        <p:txBody>
-          <a:bodyPr>
-            <a:normAutofit/>
-          </a:bodyPr>
-          <a:lstStyle/>
-          <a:p>
-            <a:r>
-              <a:rPr lang="ja-JP" altLang="en-US" dirty="0" smtClean="0">
-                <a:ln w="18415" cmpd="sng">
-                  <a:solidFill>
-                    <a:schemeClr val="bg1"/>
-                  </a:solidFill>
-                  <a:prstDash val="solid"/>
-                </a:ln>
-                <a:solidFill>
-                  <a:srgbClr val="FF0000"/>
-                </a:solidFill>
-              </a:rPr>
-              <a:t>・敵（砲撃乱射）</a:t>
-            </a:r>
-            <a:endParaRPr lang="ja-JP" altLang="en-US" dirty="0">
-              <a:ln w="18415" cmpd="sng">
-                <a:solidFill>
-                  <a:schemeClr val="bg1"/>
-                </a:solidFill>
-                <a:prstDash val="solid"/>
-              </a:ln>
-              <a:solidFill>
-                <a:srgbClr val="FF0000"/>
-              </a:solidFill>
-            </a:endParaRPr>
-          </a:p>
-        </p:txBody>
-      </p:sp>
-      <p:sp>
-        <p:nvSpPr>
-          <p:cNvPr id="3" name="コンテンツ プレースホルダ 2"/>
-          <p:cNvSpPr>
-            <a:spLocks noGrp="1"/>
-          </p:cNvSpPr>
-          <p:nvPr>
-            <p:ph idx="1"/>
-          </p:nvPr>
-        </p:nvSpPr>
-        <p:spPr>
-          <a:xfrm>
-            <a:off x="457200" y="1600201"/>
-            <a:ext cx="8229600" cy="4972071"/>
-          </a:xfrm>
-        </p:spPr>
-        <p:txBody>
-          <a:bodyPr>
-            <a:normAutofit/>
-          </a:bodyPr>
-          <a:lstStyle/>
-          <a:p>
-            <a:r>
-              <a:rPr lang="ja-JP" altLang="en-US" sz="1800" dirty="0" smtClean="0"/>
-              <a:t>画面上部から出現後　画面上部にとどまり　</a:t>
-            </a:r>
-            <a:r>
-              <a:rPr lang="en-US" altLang="ja-JP" sz="1800" dirty="0" smtClean="0"/>
-              <a:t>2</a:t>
-            </a:r>
-            <a:r>
-              <a:rPr lang="ja-JP" altLang="en-US" sz="1800" dirty="0" smtClean="0"/>
-              <a:t>秒後弾を撃ってくる</a:t>
-            </a:r>
-            <a:endParaRPr lang="en-US" altLang="ja-JP" sz="1800" dirty="0" smtClean="0"/>
-          </a:p>
-          <a:p>
-            <a:r>
-              <a:rPr lang="en-US" altLang="ja-JP" sz="1800" dirty="0" smtClean="0"/>
-              <a:t>HP</a:t>
-            </a:r>
-            <a:r>
-              <a:rPr lang="ja-JP" altLang="en-US" sz="1800" dirty="0" smtClean="0"/>
-              <a:t>　</a:t>
-            </a:r>
-            <a:r>
-              <a:rPr lang="en-US" altLang="ja-JP" sz="1800" dirty="0" smtClean="0"/>
-              <a:t>150</a:t>
-            </a:r>
-            <a:r>
-              <a:rPr lang="ja-JP" altLang="en-US" sz="1800" dirty="0" smtClean="0"/>
-              <a:t>　</a:t>
-            </a:r>
-            <a:endParaRPr lang="en-US" altLang="ja-JP" sz="1800" dirty="0" smtClean="0"/>
-          </a:p>
-          <a:p>
-            <a:r>
-              <a:rPr lang="ja-JP" altLang="en-US" sz="1800" dirty="0" smtClean="0"/>
-              <a:t>射角</a:t>
-            </a:r>
-            <a:r>
-              <a:rPr lang="en-US" altLang="ja-JP" sz="1800" dirty="0" smtClean="0"/>
-              <a:t>40</a:t>
-            </a:r>
-            <a:r>
-              <a:rPr lang="ja-JP" altLang="en-US" sz="1800" dirty="0" smtClean="0"/>
-              <a:t>度　秒間</a:t>
-            </a:r>
-            <a:r>
-              <a:rPr lang="en-US" altLang="ja-JP" sz="1800" dirty="0" smtClean="0"/>
-              <a:t>10</a:t>
-            </a:r>
-            <a:r>
-              <a:rPr lang="ja-JP" altLang="en-US" sz="1800" dirty="0" smtClean="0"/>
-              <a:t>発で弾をまき散らす</a:t>
-            </a:r>
-            <a:endParaRPr lang="en-US" altLang="ja-JP" sz="1800" dirty="0" smtClean="0"/>
-          </a:p>
-          <a:p>
-            <a:r>
-              <a:rPr lang="ja-JP" altLang="en-US" sz="1800" dirty="0" smtClean="0"/>
-              <a:t>弾速　</a:t>
-            </a:r>
-            <a:r>
-              <a:rPr lang="en-US" altLang="ja-JP" sz="1800" dirty="0" smtClean="0"/>
-              <a:t>3</a:t>
-            </a:r>
-            <a:r>
-              <a:rPr lang="ja-JP" altLang="en-US" sz="1800" dirty="0" smtClean="0"/>
-              <a:t>秒で地球に着弾</a:t>
-            </a:r>
-            <a:endParaRPr lang="en-US" altLang="ja-JP" sz="1800" dirty="0" smtClean="0"/>
-          </a:p>
-          <a:p>
-            <a:r>
-              <a:rPr lang="ja-JP" altLang="en-US" sz="1800" dirty="0" smtClean="0"/>
-              <a:t>ランクが上がった時の能力変化箇所</a:t>
-            </a:r>
-            <a:endParaRPr lang="en-US" altLang="ja-JP" sz="1800" dirty="0" smtClean="0"/>
-          </a:p>
-          <a:p>
-            <a:pPr lvl="1"/>
-            <a:r>
-              <a:rPr lang="en-US" altLang="ja-JP" sz="1400" dirty="0" smtClean="0"/>
-              <a:t>HP</a:t>
-            </a:r>
-            <a:r>
-              <a:rPr lang="ja-JP" altLang="en-US" sz="1400" dirty="0" smtClean="0"/>
-              <a:t>上がる　ランク</a:t>
-            </a:r>
-            <a:r>
-              <a:rPr lang="en-US" altLang="ja-JP" sz="1400" dirty="0" smtClean="0"/>
-              <a:t>10</a:t>
-            </a:r>
-            <a:r>
-              <a:rPr lang="ja-JP" altLang="en-US" sz="1400" dirty="0" smtClean="0"/>
-              <a:t>につき</a:t>
-            </a:r>
-            <a:r>
-              <a:rPr lang="en-US" altLang="ja-JP" sz="1400" dirty="0" smtClean="0"/>
-              <a:t>2</a:t>
-            </a:r>
-          </a:p>
-          <a:p>
-            <a:pPr lvl="1"/>
-            <a:r>
-              <a:rPr lang="ja-JP" altLang="en-US" sz="1400" dirty="0" smtClean="0"/>
-              <a:t>弾速度アップ　ランク</a:t>
-            </a:r>
-            <a:r>
-              <a:rPr lang="en-US" altLang="ja-JP" sz="1400" dirty="0" smtClean="0"/>
-              <a:t>1</a:t>
-            </a:r>
-            <a:r>
-              <a:rPr lang="ja-JP" altLang="en-US" sz="1400" dirty="0" smtClean="0"/>
-              <a:t>につき</a:t>
-            </a:r>
-            <a:r>
-              <a:rPr lang="en-US" altLang="ja-JP" sz="1400" dirty="0" smtClean="0"/>
-              <a:t>1</a:t>
-            </a:r>
-            <a:r>
-              <a:rPr lang="ja-JP" altLang="en-US" sz="1400" dirty="0" smtClean="0"/>
-              <a:t>％</a:t>
-            </a:r>
-            <a:endParaRPr lang="en-US" altLang="ja-JP" sz="1400" dirty="0" smtClean="0"/>
-          </a:p>
-          <a:p>
-            <a:pPr lvl="1"/>
-            <a:r>
-              <a:rPr lang="ja-JP" altLang="en-US" sz="1400" dirty="0" smtClean="0"/>
-              <a:t>弾の数増量</a:t>
-            </a:r>
-            <a:endParaRPr lang="en-US" altLang="ja-JP" sz="1400" dirty="0" smtClean="0"/>
-          </a:p>
-          <a:p>
-            <a:endParaRPr lang="en-US" altLang="ja-JP" sz="1800" dirty="0" smtClean="0"/>
-          </a:p>
-        </p:txBody>
-      </p:sp>
-      <p:sp>
-        <p:nvSpPr>
-          <p:cNvPr id="5" name="コンテンツ プレースホルダ 2"/>
-          <p:cNvSpPr txBox="1">
-            <a:spLocks/>
-          </p:cNvSpPr>
-          <p:nvPr/>
-        </p:nvSpPr>
-        <p:spPr>
-          <a:xfrm>
-            <a:off x="5967418" y="3214686"/>
-            <a:ext cx="3176582" cy="428627"/>
-          </a:xfrm>
-          <a:prstGeom prst="rect">
-            <a:avLst/>
-          </a:prstGeom>
-        </p:spPr>
-        <p:txBody>
-          <a:bodyPr vert="horz" lIns="91440" tIns="45720" rIns="91440" bIns="45720" rtlCol="0">
-            <a:normAutofit/>
-          </a:bodyPr>
-          <a:lstStyle/>
-          <a:p>
-            <a:pPr marL="742950" marR="0" lvl="1" indent="-285750" algn="l" defTabSz="914400" rtl="0" eaLnBrk="1" fontAlgn="auto" latinLnBrk="0" hangingPunct="1">
-              <a:lnSpc>
-                <a:spcPct val="100000"/>
-              </a:lnSpc>
-              <a:spcBef>
-                <a:spcPct val="20000"/>
-              </a:spcBef>
-              <a:spcAft>
-                <a:spcPts val="0"/>
-              </a:spcAft>
-              <a:buClrTx/>
-              <a:buSzTx/>
-              <a:buFont typeface="Arial" pitchFamily="34" charset="0"/>
-              <a:buChar char="–"/>
-              <a:tabLst/>
-              <a:defRPr/>
-            </a:pPr>
-            <a:endParaRPr kumimoji="1" lang="en-US" altLang="ja-JP" sz="1200" b="0" i="0" u="none" strike="noStrike" kern="1200" cap="none" spc="0" normalizeH="0" baseline="0" noProof="0" dirty="0" smtClean="0">
-              <a:ln>
-                <a:noFill/>
-              </a:ln>
-              <a:solidFill>
-                <a:schemeClr val="tx1"/>
-              </a:solidFill>
-              <a:effectLst/>
-              <a:uLnTx/>
-              <a:uFillTx/>
-              <a:latin typeface="+mn-lt"/>
-              <a:ea typeface="+mn-ea"/>
-              <a:cs typeface="+mn-cs"/>
-            </a:endParaRPr>
-          </a:p>
-        </p:txBody>
-      </p:sp>
-    </p:spTree>
-  </p:cSld>
-  <p:clrMapOvr>
-    <a:masterClrMapping/>
-  </p:clrMapOvr>
-  <p:timing>
-    <p:tnLst>
-      <p:par>
-        <p:cTn id="1" dur="indefinite" restart="never" nodeType="tmRoot"/>
-      </p:par>
-    </p:tnLst>
-  </p:timing>
-</p:sld>
-</file>
-
 <file path=ppt/slides/slide18.xml><?xml version="1.0" encoding="utf-8"?>
 <p:sld xmlns:a="http://schemas.openxmlformats.org/drawingml/2006/main" xmlns:r="http://schemas.openxmlformats.org/officeDocument/2006/relationships" xmlns:p="http://schemas.openxmlformats.org/presentationml/2006/main">
   <p:cSld>
@@ -6036,7 +6041,7 @@
                   <a:srgbClr val="FF0000"/>
                 </a:solidFill>
               </a:rPr>
-              <a:t>・敵（砲撃狙撃）</a:t>
+              <a:t>・敵（突撃オプション）</a:t>
             </a:r>
             <a:endParaRPr lang="ja-JP" altLang="en-US" dirty="0">
               <a:ln w="18415" cmpd="sng">
@@ -6065,7 +6070,7 @@
         <p:spPr>
           <a:xfrm>
             <a:off x="457200" y="1600201"/>
-            <a:ext cx="8229600" cy="4972071"/>
+            <a:ext cx="8472518" cy="4972071"/>
           </a:xfrm>
         </p:spPr>
         <p:txBody>
@@ -6076,7 +6081,47 @@
           <a:p>
             <a:r>
               <a:rPr lang="ja-JP" altLang="en-US" sz="1800" dirty="0" smtClean="0"/>
-              <a:t>画面上部から出現後　画面上部にとどまり　</a:t>
+              <a:t>編隊を組み曲線移動をしばらく続けた後、隕石以上の超スピードでビルドしたオブジェクトに突撃自爆する</a:t>
+            </a:r>
+            <a:endParaRPr lang="en-US" altLang="ja-JP" sz="1800" dirty="0" smtClean="0"/>
+          </a:p>
+          <a:p>
+            <a:r>
+              <a:rPr lang="ja-JP" altLang="en-US" sz="1800" dirty="0" smtClean="0"/>
+              <a:t>突撃されたオブジェクトは対消滅</a:t>
+            </a:r>
+            <a:endParaRPr lang="en-US" altLang="ja-JP" sz="1800" dirty="0" smtClean="0"/>
+          </a:p>
+          <a:p>
+            <a:r>
+              <a:rPr lang="en-US" altLang="ja-JP" sz="1800" dirty="0" smtClean="0"/>
+              <a:t>1</a:t>
+            </a:r>
+            <a:r>
+              <a:rPr lang="ja-JP" altLang="en-US" sz="1800" dirty="0" smtClean="0"/>
+              <a:t>編隊の敵　３体</a:t>
+            </a:r>
+            <a:endParaRPr lang="en-US" altLang="ja-JP" sz="1800" dirty="0" smtClean="0"/>
+          </a:p>
+          <a:p>
+            <a:r>
+              <a:rPr lang="en-US" altLang="ja-JP" sz="1800" dirty="0" smtClean="0"/>
+              <a:t>HP</a:t>
+            </a:r>
+            <a:r>
+              <a:rPr lang="ja-JP" altLang="en-US" sz="1800" dirty="0" smtClean="0"/>
+              <a:t>　</a:t>
+            </a:r>
+            <a:r>
+              <a:rPr lang="en-US" altLang="ja-JP" sz="1800" dirty="0" smtClean="0"/>
+              <a:t>50</a:t>
+            </a:r>
+            <a:endParaRPr lang="en-US" altLang="ja-JP" sz="2400" dirty="0" smtClean="0"/>
+          </a:p>
+          <a:p>
+            <a:r>
+              <a:rPr lang="ja-JP" altLang="en-US" sz="1800" dirty="0" smtClean="0"/>
+              <a:t>移動速度　画面上端から</a:t>
             </a:r>
             <a:r>
               <a:rPr lang="en-US" altLang="ja-JP" sz="1800" dirty="0" smtClean="0"/>
@@ -6084,64 +6129,15 @@
             </a:r>
             <a:r>
               <a:rPr lang="ja-JP" altLang="en-US" sz="1800" dirty="0" smtClean="0"/>
-              <a:t>秒後弾を撃ってくる</a:t>
-            </a:r>
-            <a:endParaRPr lang="en-US" altLang="ja-JP" sz="1800" dirty="0" smtClean="0"/>
-          </a:p>
-          <a:p>
+              <a:t>秒　曲線移動　の後　</a:t>
+            </a:r>
             <a:r>
               <a:rPr lang="en-US" altLang="ja-JP" sz="1800" dirty="0" smtClean="0"/>
-              <a:t>HP</a:t>
-            </a:r>
-            <a:r>
-              <a:rPr lang="ja-JP" altLang="en-US" sz="1800" dirty="0" smtClean="0"/>
-              <a:t>　</a:t>
-            </a:r>
-            <a:r>
-              <a:rPr lang="en-US" altLang="ja-JP" sz="1800" dirty="0" smtClean="0"/>
-              <a:t>150</a:t>
-            </a:r>
-            <a:r>
-              <a:rPr lang="ja-JP" altLang="en-US" sz="1800" dirty="0" smtClean="0"/>
-              <a:t>　</a:t>
-            </a:r>
-            <a:endParaRPr lang="en-US" altLang="ja-JP" sz="1800" dirty="0" smtClean="0"/>
-          </a:p>
-          <a:p>
-            <a:r>
-              <a:rPr lang="ja-JP" altLang="en-US" sz="1800" dirty="0" smtClean="0"/>
-              <a:t>地球のランダムな地点を狙う　</a:t>
-            </a:r>
-            <a:r>
-              <a:rPr lang="en-US" altLang="ja-JP" sz="1800" dirty="0" smtClean="0"/>
-              <a:t>3</a:t>
-            </a:r>
-            <a:r>
-              <a:rPr lang="ja-JP" altLang="en-US" sz="1800" dirty="0" smtClean="0"/>
-              <a:t>秒おきに</a:t>
-            </a:r>
-            <a:r>
-              <a:rPr lang="en-US" altLang="ja-JP" sz="1800" dirty="0" smtClean="0"/>
-              <a:t>1</a:t>
-            </a:r>
-            <a:r>
-              <a:rPr lang="ja-JP" altLang="en-US" sz="1800" dirty="0" smtClean="0"/>
-              <a:t>発撃つ</a:t>
-            </a:r>
-            <a:endParaRPr lang="en-US" altLang="ja-JP" sz="1800" dirty="0" smtClean="0"/>
-          </a:p>
-          <a:p>
-            <a:r>
-              <a:rPr lang="ja-JP" altLang="en-US" sz="1800" dirty="0" smtClean="0"/>
-              <a:t>弾速　</a:t>
-            </a:r>
-            <a:r>
-              <a:rPr lang="en-US" altLang="ja-JP" sz="1800" dirty="0" smtClean="0"/>
-              <a:t>1</a:t>
-            </a:r>
-            <a:r>
-              <a:rPr lang="ja-JP" altLang="en-US" sz="1800" dirty="0" smtClean="0"/>
-              <a:t>秒で地球に着弾</a:t>
+              <a:t> 0.5</a:t>
+            </a:r>
+            <a:r>
+              <a:rPr lang="ja-JP" altLang="en-US" sz="1800" dirty="0" smtClean="0"/>
+              <a:t>秒でオブジェクトに突撃　</a:t>
             </a:r>
             <a:endParaRPr lang="en-US" altLang="ja-JP" sz="1800" dirty="0" smtClean="0"/>
           </a:p>
@@ -6179,7 +6175,7 @@
             <a:pPr lvl="1"/>
             <a:r>
               <a:rPr lang="ja-JP" altLang="en-US" sz="1400" dirty="0" smtClean="0"/>
-              <a:t>弾速度アップ　ランク</a:t>
+              <a:t>移動速度アップ　ランク</a:t>
             </a:r>
             <a:r>
               <a:rPr lang="en-US" altLang="ja-JP" sz="1400" dirty="0" smtClean="0"/>
@@ -6200,12 +6196,22 @@
             <a:endParaRPr lang="en-US" altLang="ja-JP" sz="1400" dirty="0" smtClean="0"/>
           </a:p>
           <a:p>
-            <a:pPr lvl="1"/>
-            <a:r>
-              <a:rPr lang="ja-JP" altLang="en-US" sz="1400" dirty="0" smtClean="0"/>
-              <a:t>弾の数増量</a:t>
-            </a:r>
-            <a:endParaRPr lang="en-US" altLang="ja-JP" sz="1400" dirty="0" smtClean="0"/>
+            <a:endParaRPr lang="en-US" altLang="ja-JP" sz="1800" dirty="0" smtClean="0"/>
+          </a:p>
+          <a:p>
+            <a:r>
+              <a:rPr lang="ja-JP" altLang="en-US" sz="1800" dirty="0" smtClean="0"/>
+              <a:t>軌道パターンは</a:t>
+            </a:r>
+            <a:r>
+              <a:rPr lang="en-US" altLang="ja-JP" sz="1800" dirty="0" smtClean="0"/>
+              <a:t>6</a:t>
+            </a:r>
+            <a:r>
+              <a:rPr lang="ja-JP" altLang="en-US" sz="1800" dirty="0" smtClean="0"/>
+              <a:t>つ</a:t>
+            </a:r>
+            <a:endParaRPr lang="en-US" altLang="ja-JP" sz="1800" dirty="0" smtClean="0"/>
           </a:p>
           <a:p>
             <a:endParaRPr lang="en-US" altLang="ja-JP" sz="1800" dirty="0" smtClean="0"/>
@@ -6330,7 +6336,7 @@
                   <a:srgbClr val="FF0000"/>
                 </a:solidFill>
               </a:rPr>
-              <a:t>・敵（要塞）</a:t>
+              <a:t>・敵（砲撃乱射）</a:t>
             </a:r>
             <a:endParaRPr lang="ja-JP" altLang="en-US" dirty="0">
               <a:ln w="18415" cmpd="sng">
@@ -6370,14 +6376,15 @@
           <a:p>
             <a:r>
               <a:rPr lang="ja-JP" altLang="en-US" sz="1800" dirty="0" smtClean="0"/>
-              <a:t>画面上部から弾幕を張りながら下がってきて地球を丸ごと切り裂こうとする</a:t>
-            </a:r>
-            <a:endParaRPr lang="en-US" altLang="ja-JP" sz="1800" dirty="0" smtClean="0"/>
-          </a:p>
-          <a:p>
-            <a:r>
-              <a:rPr lang="ja-JP" altLang="en-US" sz="1800" dirty="0" smtClean="0"/>
-              <a:t>要塞周りのノコギリが地球に触れたら即ゲームオーバー</a:t>
+              <a:t>画面上部から出現後　画面上部にとどまり　</a:t>
+            </a:r>
+            <a:r>
+              <a:rPr lang="en-US" altLang="ja-JP" sz="1800" dirty="0" smtClean="0"/>
+              <a:t>2</a:t>
+            </a:r>
+            <a:r>
+              <a:rPr lang="ja-JP" altLang="en-US" sz="1800" dirty="0" smtClean="0"/>
+              <a:t>秒後弾を撃ってくる</a:t>
             </a:r>
             <a:endParaRPr lang="en-US" altLang="ja-JP" sz="1800" dirty="0" smtClean="0"/>
           </a:p>
@@ -6403,92 +6410,40 @@
           <a:p>
             <a:r>
               <a:rPr lang="ja-JP" altLang="en-US" sz="1800" dirty="0" smtClean="0"/>
-              <a:t>移動速度　画面上端から</a:t>
+              <a:t>射角</a:t>
             </a:r>
             <a:r>
               <a:rPr lang="en-US" altLang="ja-JP" sz="1800" dirty="0" smtClean="0"/>
-              <a:t>15</a:t>
-            </a:r>
-            <a:r>
-              <a:rPr lang="ja-JP" altLang="en-US" sz="1800" dirty="0" smtClean="0"/>
-              <a:t>秒で地球にぶつかる</a:t>
+              <a:t>40</a:t>
+            </a:r>
+            <a:r>
+              <a:rPr lang="ja-JP" altLang="en-US" sz="1800" dirty="0" smtClean="0"/>
+              <a:t>度　秒間</a:t>
+            </a:r>
+            <a:r>
+              <a:rPr lang="en-US" altLang="ja-JP" sz="1800" dirty="0" smtClean="0"/>
+              <a:t>10</a:t>
+            </a:r>
+            <a:r>
+              <a:rPr lang="ja-JP" altLang="en-US" sz="1800" dirty="0" smtClean="0"/>
+              <a:t>発で弾をまき散らす</a:t>
             </a:r>
             <a:endParaRPr lang="en-US" altLang="ja-JP" sz="1800" dirty="0" smtClean="0"/>
           </a:p>
           <a:p>
             <a:r>
               <a:rPr lang="ja-JP" altLang="en-US" sz="1800" dirty="0" smtClean="0"/>
-              <a:t>弾速　射角</a:t>
+              <a:t>弾速　</a:t>
             </a:r>
             <a:r>
               <a:rPr lang="en-US" altLang="ja-JP" sz="1800" dirty="0" smtClean="0"/>
-              <a:t>180</a:t>
-            </a:r>
-            <a:r>
-              <a:rPr lang="ja-JP" altLang="en-US" sz="1800" dirty="0" smtClean="0"/>
-              <a:t>度　</a:t>
-            </a:r>
-            <a:r>
-              <a:rPr lang="en-US" altLang="ja-JP" sz="1800" dirty="0" smtClean="0"/>
-              <a:t>5</a:t>
-            </a:r>
-            <a:r>
-              <a:rPr lang="ja-JP" altLang="en-US" sz="1800" dirty="0" smtClean="0"/>
-              <a:t>秒で地球に着弾　</a:t>
+              <a:t>3</a:t>
+            </a:r>
+            <a:r>
+              <a:rPr lang="ja-JP" altLang="en-US" sz="1800" dirty="0" smtClean="0"/>
+              <a:t>秒で地球に着弾</a:t>
             </a:r>
             <a:endParaRPr lang="en-US" altLang="ja-JP" sz="1800" dirty="0" smtClean="0"/>
-          </a:p>
-          <a:p>
-            <a:r>
-              <a:rPr lang="ja-JP" altLang="en-US" sz="1800" dirty="0" smtClean="0"/>
-              <a:t>連射速度　秒間　</a:t>
-            </a:r>
-            <a:r>
-              <a:rPr lang="en-US" altLang="ja-JP" sz="1800" dirty="0" smtClean="0"/>
-              <a:t>6</a:t>
-            </a:r>
-            <a:r>
-              <a:rPr lang="ja-JP" altLang="en-US" sz="1800" dirty="0" smtClean="0"/>
-              <a:t>発</a:t>
-            </a:r>
-            <a:endParaRPr lang="en-US" altLang="ja-JP" sz="1800" dirty="0" smtClean="0"/>
-          </a:p>
-          <a:p>
-            <a:r>
-              <a:rPr lang="ja-JP" altLang="en-US" sz="1800" dirty="0" smtClean="0"/>
-              <a:t>中央の弱点に攻撃を当てない限りＨＰは減らない </a:t>
-            </a:r>
-            <a:endParaRPr lang="en-US" altLang="ja-JP" sz="1800" dirty="0" smtClean="0"/>
-          </a:p>
-          <a:p>
-            <a:r>
-              <a:rPr lang="ja-JP" altLang="en-US" sz="1800" dirty="0" smtClean="0"/>
-              <a:t>弱点の周りは隙間を除いてバリアで攻撃を通さない</a:t>
-            </a:r>
-            <a:endParaRPr lang="en-US" altLang="ja-JP" sz="1800" dirty="0" smtClean="0"/>
-          </a:p>
-          <a:p>
-            <a:r>
-              <a:rPr lang="ja-JP" altLang="en-US" sz="1800" dirty="0" smtClean="0"/>
-              <a:t>倒す方法は２種類</a:t>
-            </a:r>
-            <a:endParaRPr lang="en-US" altLang="ja-JP" sz="1800" dirty="0" smtClean="0"/>
-          </a:p>
-          <a:p>
-            <a:pPr lvl="1"/>
-            <a:r>
-              <a:rPr lang="ja-JP" altLang="en-US" sz="1400" dirty="0" smtClean="0"/>
-              <a:t>グレネードで直接弱点を撃ち続ける</a:t>
-            </a:r>
-            <a:endParaRPr lang="en-US" altLang="ja-JP" sz="1400" dirty="0" smtClean="0"/>
-          </a:p>
-          <a:p>
-            <a:pPr lvl="1"/>
-            <a:r>
-              <a:rPr lang="ja-JP" altLang="en-US" sz="1400" dirty="0" smtClean="0"/>
-              <a:t>ショットをハンシャに当て隙間から弱点を打ち抜く</a:t>
-            </a:r>
-            <a:endParaRPr lang="en-US" altLang="ja-JP" sz="1400" dirty="0" smtClean="0"/>
           </a:p>
           <a:p>
             <a:r>
@@ -6517,7 +6472,7 @@
             </a:r>
             <a:r>
               <a:rPr lang="en-US" altLang="ja-JP" sz="1400" dirty="0" smtClean="0"/>
-              <a:t>10</a:t>
+              <a:t>2</a:t>
             </a:r>
           </a:p>
           <a:p>
@@ -6548,21 +6503,9 @@
             <a:pPr lvl="1"/>
             <a:r>
               <a:rPr lang="ja-JP" altLang="en-US" sz="1400" dirty="0" smtClean="0"/>
-              <a:t>弾の発射数増量</a:t>
+              <a:t>弾の数増量</a:t>
             </a:r>
             <a:endParaRPr lang="en-US" altLang="ja-JP" sz="1400" dirty="0" smtClean="0"/>
-          </a:p>
-          <a:p>
-            <a:endParaRPr lang="en-US" altLang="ja-JP" sz="1800" dirty="0" smtClean="0"/>
-          </a:p>
-          <a:p>
-            <a:endParaRPr lang="en-US" altLang="ja-JP" sz="1800" dirty="0" smtClean="0"/>
-          </a:p>
-          <a:p>
-            <a:endParaRPr lang="en-US" altLang="ja-JP" sz="1800" dirty="0" smtClean="0"/>
-          </a:p>
-          <a:p>
-            <a:endParaRPr lang="en-US" altLang="ja-JP" sz="1800" dirty="0" smtClean="0"/>
           </a:p>
           <a:p>
             <a:endParaRPr lang="en-US" altLang="ja-JP" sz="1800" dirty="0" smtClean="0"/>
@@ -6820,7 +6763,7 @@
     </p:spTree>
     <p:extLst>
       <p:ext uri="{BB962C8B-B14F-4D97-AF65-F5344CB8AC3E}">
-        <p14:creationId xmlns="" xmlns:p14="http://schemas.microsoft.com/office/powerpoint/2010/main" val="3100865840"/>
+        <p14:creationId xmlns:p14="http://schemas.microsoft.com/office/powerpoint/2010/main" xmlns="" val="3100865840"/>
       </p:ext>
     </p:extLst>
   </p:cSld>
@@ -6883,7 +6826,7 @@
                   <a:srgbClr val="FF0000"/>
                 </a:solidFill>
               </a:rPr>
-              <a:t>・ステージ構成</a:t>
+              <a:t>・敵（砲撃狙撃）</a:t>
             </a:r>
             <a:endParaRPr lang="ja-JP" altLang="en-US" dirty="0">
               <a:ln w="18415" cmpd="sng">
@@ -6923,61 +6866,138 @@
           <a:p>
             <a:r>
               <a:rPr lang="ja-JP" altLang="en-US" sz="1800" dirty="0" smtClean="0"/>
-              <a:t>１～４ステージ　ザコ４種がランダムで１つ選ばれる</a:t>
+              <a:t>画面上部から出現後　画面上部にとどまり　</a:t>
+            </a:r>
+            <a:r>
+              <a:rPr lang="en-US" altLang="ja-JP" sz="1800" dirty="0" smtClean="0"/>
+              <a:t>3</a:t>
+            </a:r>
+            <a:r>
+              <a:rPr lang="ja-JP" altLang="en-US" sz="1800" dirty="0" smtClean="0"/>
+              <a:t>秒後弾を撃ってくる</a:t>
             </a:r>
             <a:endParaRPr lang="en-US" altLang="ja-JP" sz="1800" dirty="0" smtClean="0"/>
           </a:p>
           <a:p>
             <a:r>
-              <a:rPr lang="ja-JP" altLang="en-US" sz="1200" dirty="0" smtClean="0"/>
-              <a:t>（１度選ばれた種類は６ステージまで選ばれない）</a:t>
-            </a:r>
-            <a:endParaRPr lang="en-US" altLang="ja-JP" sz="1200" dirty="0" smtClean="0"/>
-          </a:p>
-          <a:p>
-            <a:endParaRPr lang="en-US" altLang="ja-JP" sz="1200" dirty="0" smtClean="0"/>
-          </a:p>
-          <a:p>
-            <a:r>
-              <a:rPr lang="ja-JP" altLang="en-US" sz="1800" dirty="0" smtClean="0"/>
-              <a:t>５ステージ　要塞</a:t>
+              <a:rPr lang="en-US" altLang="ja-JP" sz="1800" dirty="0" smtClean="0"/>
+              <a:t>HP</a:t>
+            </a:r>
+            <a:r>
+              <a:rPr lang="ja-JP" altLang="en-US" sz="1800" dirty="0" smtClean="0"/>
+              <a:t>　</a:t>
+            </a:r>
+            <a:r>
+              <a:rPr lang="en-US" altLang="ja-JP" sz="1800" dirty="0" smtClean="0"/>
+              <a:t>150</a:t>
+            </a:r>
+            <a:r>
+              <a:rPr lang="ja-JP" altLang="en-US" sz="1800" dirty="0" smtClean="0"/>
+              <a:t>　</a:t>
             </a:r>
             <a:endParaRPr lang="en-US" altLang="ja-JP" sz="1800" dirty="0" smtClean="0"/>
           </a:p>
           <a:p>
+            <a:r>
+              <a:rPr lang="ja-JP" altLang="en-US" sz="1800" dirty="0" smtClean="0"/>
+              <a:t>地球のランダムな地点を狙う　</a:t>
+            </a:r>
+            <a:r>
+              <a:rPr lang="en-US" altLang="ja-JP" sz="1800" dirty="0" smtClean="0"/>
+              <a:t>3</a:t>
+            </a:r>
+            <a:r>
+              <a:rPr lang="ja-JP" altLang="en-US" sz="1800" dirty="0" smtClean="0"/>
+              <a:t>秒おきに</a:t>
+            </a:r>
+            <a:r>
+              <a:rPr lang="en-US" altLang="ja-JP" sz="1800" dirty="0" smtClean="0"/>
+              <a:t>1</a:t>
+            </a:r>
+            <a:r>
+              <a:rPr lang="ja-JP" altLang="en-US" sz="1800" dirty="0" smtClean="0"/>
+              <a:t>発撃つ</a:t>
+            </a:r>
             <a:endParaRPr lang="en-US" altLang="ja-JP" sz="1800" dirty="0" smtClean="0"/>
           </a:p>
           <a:p>
             <a:r>
               <a:rPr lang="ja-JP" altLang="en-US" sz="1800" dirty="0" smtClean="0"/>
-              <a:t>６～９ステージ　ザコ４種がランダムで</a:t>
+              <a:t>弾速　</a:t>
             </a:r>
             <a:r>
               <a:rPr lang="en-US" altLang="ja-JP" sz="1800" dirty="0" smtClean="0"/>
+              <a:t>1</a:t>
+            </a:r>
+            <a:r>
+              <a:rPr lang="ja-JP" altLang="en-US" sz="1800" dirty="0" smtClean="0"/>
+              <a:t>秒で地球に着弾</a:t>
+            </a:r>
+            <a:endParaRPr lang="en-US" altLang="ja-JP" sz="1800" dirty="0" smtClean="0"/>
+          </a:p>
+          <a:p>
+            <a:r>
+              <a:rPr lang="ja-JP" altLang="en-US" sz="1800" dirty="0" smtClean="0"/>
+              <a:t>ランクが上がった時の能力変化箇所</a:t>
+            </a:r>
+            <a:endParaRPr lang="en-US" altLang="ja-JP" sz="1800" dirty="0" smtClean="0"/>
+          </a:p>
+          <a:p>
+            <a:pPr lvl="1"/>
+            <a:r>
+              <a:rPr lang="en-US" altLang="ja-JP" sz="1400" dirty="0" smtClean="0"/>
+              <a:t>HP</a:t>
+            </a:r>
+            <a:r>
+              <a:rPr lang="ja-JP" altLang="en-US" sz="1400" dirty="0" smtClean="0"/>
+              <a:t>上がる　ランク</a:t>
+            </a:r>
+            <a:r>
+              <a:rPr lang="en-US" altLang="ja-JP" sz="1400" dirty="0" smtClean="0"/>
+              <a:t>10</a:t>
+            </a:r>
+            <a:r>
+              <a:rPr lang="ja-JP" altLang="en-US" sz="1400" dirty="0" smtClean="0"/>
+              <a:t>につき</a:t>
+            </a:r>
+            <a:r>
+              <a:rPr lang="en-US" altLang="ja-JP" sz="1400" dirty="0" smtClean="0"/>
               <a:t>2</a:t>
             </a:r>
-            <a:r>
-              <a:rPr lang="ja-JP" altLang="en-US" sz="1800" dirty="0" smtClean="0"/>
-              <a:t>つ同時に選ばれる</a:t>
-            </a:r>
-            <a:endParaRPr lang="en-US" altLang="ja-JP" sz="1800" dirty="0" smtClean="0"/>
-          </a:p>
-          <a:p>
-            <a:endParaRPr lang="en-US" altLang="ja-JP" sz="1800" dirty="0" smtClean="0"/>
-          </a:p>
-          <a:p>
-            <a:r>
-              <a:rPr lang="ja-JP" altLang="en-US" sz="1800" dirty="0" smtClean="0"/>
-              <a:t>１０ステージ　要塞</a:t>
-            </a:r>
-            <a:r>
-              <a:rPr lang="en-US" altLang="ja-JP" sz="1800" dirty="0" smtClean="0"/>
-              <a:t>+</a:t>
-            </a:r>
-            <a:r>
-              <a:rPr lang="ja-JP" altLang="en-US" sz="1800" dirty="0" smtClean="0"/>
-              <a:t>ザコ１種</a:t>
-            </a:r>
+          </a:p>
+          <a:p>
+            <a:pPr lvl="1"/>
+            <a:r>
+              <a:rPr lang="ja-JP" altLang="en-US" sz="1400" dirty="0" smtClean="0"/>
+              <a:t>弾速度アップ　ランク</a:t>
+            </a:r>
+            <a:r>
+              <a:rPr lang="en-US" altLang="ja-JP" sz="1400" dirty="0" smtClean="0"/>
+              <a:t>1</a:t>
+            </a:r>
+            <a:r>
+              <a:rPr lang="ja-JP" altLang="en-US" sz="1400" dirty="0" smtClean="0"/>
+              <a:t>につき</a:t>
+            </a:r>
+            <a:r>
+              <a:rPr lang="en-US" altLang="ja-JP" sz="1400" dirty="0" smtClean="0"/>
+              <a:t>1</a:t>
+            </a:r>
+            <a:r>
+              <a:rPr lang="ja-JP" altLang="en-US" sz="1400" dirty="0" smtClean="0"/>
+              <a:t>％</a:t>
+            </a:r>
+            <a:endParaRPr lang="en-US" altLang="ja-JP" sz="1400" dirty="0" smtClean="0"/>
+          </a:p>
+          <a:p>
+            <a:pPr lvl="1"/>
+            <a:r>
+              <a:rPr lang="ja-JP" altLang="en-US" sz="1400" dirty="0" smtClean="0"/>
+              <a:t>弾の数増量</a:t>
+            </a:r>
+            <a:endParaRPr lang="en-US" altLang="ja-JP" sz="1400" dirty="0" smtClean="0"/>
+          </a:p>
+          <a:p>
             <a:endParaRPr lang="en-US" altLang="ja-JP" sz="1800" dirty="0" smtClean="0"/>
           </a:p>
         </p:txBody>
@@ -7100,7 +7120,7 @@
                   <a:srgbClr val="FF0000"/>
                 </a:solidFill>
               </a:rPr>
-              <a:t>・スコア一覧</a:t>
+              <a:t>・敵（要塞）</a:t>
             </a:r>
             <a:endParaRPr lang="ja-JP" altLang="en-US" dirty="0">
               <a:ln w="18415" cmpd="sng">
@@ -7140,110 +7160,199 @@
           <a:p>
             <a:r>
               <a:rPr lang="ja-JP" altLang="en-US" sz="1800" dirty="0" smtClean="0"/>
-              <a:t>隕石</a:t>
-            </a:r>
+              <a:t>画面上部から弾幕を張りながら下がってきて地球を丸ごと切り裂こうとする</a:t>
+            </a:r>
+            <a:endParaRPr lang="en-US" altLang="ja-JP" sz="1800" dirty="0" smtClean="0"/>
+          </a:p>
+          <a:p>
+            <a:r>
+              <a:rPr lang="ja-JP" altLang="en-US" sz="1800" dirty="0" smtClean="0"/>
+              <a:t>要塞周りのノコギリが地球に触れたら即ゲームオーバー</a:t>
+            </a:r>
+            <a:endParaRPr lang="en-US" altLang="ja-JP" sz="1800" dirty="0" smtClean="0"/>
+          </a:p>
+          <a:p>
             <a:r>
               <a:rPr lang="en-US" altLang="ja-JP" sz="1800" dirty="0" smtClean="0"/>
-              <a:t>				100</a:t>
-            </a:r>
-          </a:p>
-          <a:p>
-            <a:r>
-              <a:rPr lang="ja-JP" altLang="en-US" sz="1800" dirty="0" smtClean="0"/>
-              <a:t>デカ隕石</a:t>
+              <a:t>HP</a:t>
+            </a:r>
+            <a:r>
+              <a:rPr lang="ja-JP" altLang="en-US" sz="1800" dirty="0" smtClean="0"/>
+              <a:t>　</a:t>
             </a:r>
             <a:r>
               <a:rPr lang="en-US" altLang="ja-JP" sz="1800" dirty="0" smtClean="0"/>
-              <a:t>			200</a:t>
-            </a:r>
-          </a:p>
-          <a:p>
-            <a:r>
-              <a:rPr lang="ja-JP" altLang="en-US" sz="1800" dirty="0" smtClean="0"/>
-              <a:t>突撃</a:t>
+              <a:t>150</a:t>
+            </a:r>
+            <a:r>
+              <a:rPr lang="ja-JP" altLang="en-US" sz="1800" dirty="0" smtClean="0"/>
+              <a:t>　</a:t>
+            </a:r>
+            <a:endParaRPr lang="en-US" altLang="ja-JP" sz="1800" dirty="0" smtClean="0"/>
+          </a:p>
+          <a:p>
+            <a:r>
+              <a:rPr lang="ja-JP" altLang="en-US" sz="1800" dirty="0" smtClean="0"/>
+              <a:t>移動速度　画面上端から</a:t>
             </a:r>
             <a:r>
               <a:rPr lang="en-US" altLang="ja-JP" sz="1800" dirty="0" smtClean="0"/>
-              <a:t>				200</a:t>
-            </a:r>
-          </a:p>
-          <a:p>
-            <a:r>
-              <a:rPr lang="ja-JP" altLang="en-US" sz="1800" dirty="0" smtClean="0"/>
-              <a:t>砲撃</a:t>
+              <a:t>15</a:t>
+            </a:r>
+            <a:r>
+              <a:rPr lang="ja-JP" altLang="en-US" sz="1800" dirty="0" smtClean="0"/>
+              <a:t>秒で地球にぶつかる</a:t>
+            </a:r>
+            <a:endParaRPr lang="en-US" altLang="ja-JP" sz="1800" dirty="0" smtClean="0"/>
+          </a:p>
+          <a:p>
+            <a:r>
+              <a:rPr lang="ja-JP" altLang="en-US" sz="1800" dirty="0" smtClean="0"/>
+              <a:t>弾速　射角</a:t>
             </a:r>
             <a:r>
               <a:rPr lang="en-US" altLang="ja-JP" sz="1800" dirty="0" smtClean="0"/>
-              <a:t>				200</a:t>
-            </a:r>
-          </a:p>
-          <a:p>
-            <a:r>
-              <a:rPr lang="ja-JP" altLang="en-US" sz="1800" dirty="0" smtClean="0"/>
-              <a:t>要塞</a:t>
+              <a:t>180</a:t>
+            </a:r>
+            <a:r>
+              <a:rPr lang="ja-JP" altLang="en-US" sz="1800" dirty="0" smtClean="0"/>
+              <a:t>度　</a:t>
             </a:r>
             <a:r>
               <a:rPr lang="en-US" altLang="ja-JP" sz="1800" dirty="0" smtClean="0"/>
-              <a:t>				1000</a:t>
-            </a:r>
-          </a:p>
-          <a:p>
-            <a:r>
-              <a:rPr lang="ja-JP" altLang="en-US" sz="1800" dirty="0" smtClean="0"/>
-              <a:t>敵弾を撃ち落とす</a:t>
+              <a:t>5</a:t>
+            </a:r>
+            <a:r>
+              <a:rPr lang="ja-JP" altLang="en-US" sz="1800" dirty="0" smtClean="0"/>
+              <a:t>秒で地球に着弾　</a:t>
+            </a:r>
+            <a:endParaRPr lang="en-US" altLang="ja-JP" sz="1800" dirty="0" smtClean="0"/>
+          </a:p>
+          <a:p>
+            <a:r>
+              <a:rPr lang="ja-JP" altLang="en-US" sz="1800" dirty="0" smtClean="0"/>
+              <a:t>連射速度　秒間　</a:t>
             </a:r>
             <a:r>
               <a:rPr lang="en-US" altLang="ja-JP" sz="1800" dirty="0" smtClean="0"/>
-              <a:t>		100</a:t>
-            </a:r>
-          </a:p>
-          <a:p>
-            <a:r>
-              <a:rPr lang="ja-JP" altLang="en-US" sz="1800" dirty="0" smtClean="0"/>
-              <a:t>ハンシャを使って敵を倒す</a:t>
-            </a:r>
-            <a:r>
-              <a:rPr lang="en-US" altLang="ja-JP" sz="1800" dirty="0" smtClean="0"/>
-              <a:t>	</a:t>
-            </a:r>
-            <a:r>
-              <a:rPr lang="ja-JP" altLang="en-US" sz="1800" dirty="0" smtClean="0"/>
-              <a:t>反射した数</a:t>
-            </a:r>
-            <a:r>
-              <a:rPr lang="en-US" altLang="ja-JP" sz="1800" dirty="0" smtClean="0"/>
-              <a:t>×2</a:t>
-            </a:r>
-          </a:p>
-          <a:p>
-            <a:r>
-              <a:rPr lang="ja-JP" altLang="en-US" sz="1800" dirty="0" smtClean="0"/>
-              <a:t>バリアで敵を倒す</a:t>
-            </a:r>
-            <a:r>
-              <a:rPr lang="en-US" altLang="ja-JP" sz="1800" dirty="0" smtClean="0"/>
-              <a:t>		1000</a:t>
-            </a:r>
-          </a:p>
-          <a:p>
-            <a:r>
-              <a:rPr lang="ja-JP" altLang="en-US" sz="1800" dirty="0" smtClean="0"/>
-              <a:t>ボムで敵を倒す</a:t>
-            </a:r>
-            <a:r>
-              <a:rPr lang="en-US" altLang="ja-JP" sz="1800" dirty="0" smtClean="0"/>
-              <a:t>		5000</a:t>
-            </a:r>
-          </a:p>
-          <a:p>
-            <a:r>
-              <a:rPr lang="ja-JP" altLang="en-US" sz="1800" dirty="0" smtClean="0"/>
-              <a:t>地球にダメージ</a:t>
-            </a:r>
-            <a:r>
-              <a:rPr lang="en-US" altLang="ja-JP" sz="1800" dirty="0" smtClean="0"/>
-              <a:t>			-10000</a:t>
-            </a:r>
+              <a:t>6</a:t>
+            </a:r>
+            <a:r>
+              <a:rPr lang="ja-JP" altLang="en-US" sz="1800" dirty="0" smtClean="0"/>
+              <a:t>発</a:t>
+            </a:r>
+            <a:endParaRPr lang="en-US" altLang="ja-JP" sz="1800" dirty="0" smtClean="0"/>
+          </a:p>
+          <a:p>
+            <a:r>
+              <a:rPr lang="ja-JP" altLang="en-US" sz="1800" dirty="0" smtClean="0"/>
+              <a:t>中央の弱点に攻撃を当てない限りＨＰは減らない </a:t>
+            </a:r>
+            <a:endParaRPr lang="en-US" altLang="ja-JP" sz="1800" dirty="0" smtClean="0"/>
+          </a:p>
+          <a:p>
+            <a:r>
+              <a:rPr lang="ja-JP" altLang="en-US" sz="1800" dirty="0" smtClean="0"/>
+              <a:t>弱点の周りは隙間を除いてバリアで攻撃を通さない</a:t>
+            </a:r>
+            <a:endParaRPr lang="en-US" altLang="ja-JP" sz="1800" dirty="0" smtClean="0"/>
+          </a:p>
+          <a:p>
+            <a:r>
+              <a:rPr lang="ja-JP" altLang="en-US" sz="1800" dirty="0" smtClean="0"/>
+              <a:t>倒す方法は２種類</a:t>
+            </a:r>
+            <a:endParaRPr lang="en-US" altLang="ja-JP" sz="1800" dirty="0" smtClean="0"/>
+          </a:p>
+          <a:p>
+            <a:pPr lvl="1"/>
+            <a:r>
+              <a:rPr lang="ja-JP" altLang="en-US" sz="1400" dirty="0" smtClean="0"/>
+              <a:t>グレネードで直接弱点を撃ち続ける</a:t>
+            </a:r>
+            <a:endParaRPr lang="en-US" altLang="ja-JP" sz="1400" dirty="0" smtClean="0"/>
+          </a:p>
+          <a:p>
+            <a:pPr lvl="1"/>
+            <a:r>
+              <a:rPr lang="ja-JP" altLang="en-US" sz="1400" dirty="0" smtClean="0"/>
+              <a:t>ショットをハンシャに当て隙間から弱点を打ち抜く</a:t>
+            </a:r>
+            <a:endParaRPr lang="en-US" altLang="ja-JP" sz="1400" dirty="0" smtClean="0"/>
+          </a:p>
+          <a:p>
+            <a:r>
+              <a:rPr lang="ja-JP" altLang="en-US" sz="1800" dirty="0" smtClean="0"/>
+              <a:t>ランクが上がった時の能力変化箇所</a:t>
+            </a:r>
+            <a:endParaRPr lang="en-US" altLang="ja-JP" sz="1800" dirty="0" smtClean="0"/>
+          </a:p>
+          <a:p>
+            <a:pPr lvl="1"/>
+            <a:r>
+              <a:rPr lang="en-US" altLang="ja-JP" sz="1400" dirty="0" smtClean="0"/>
+              <a:t>HP</a:t>
+            </a:r>
+            <a:r>
+              <a:rPr lang="ja-JP" altLang="en-US" sz="1400" dirty="0" smtClean="0"/>
+              <a:t>上がる　ランク</a:t>
+            </a:r>
+            <a:r>
+              <a:rPr lang="en-US" altLang="ja-JP" sz="1400" dirty="0" smtClean="0"/>
+              <a:t>10</a:t>
+            </a:r>
+            <a:r>
+              <a:rPr lang="ja-JP" altLang="en-US" sz="1400" dirty="0" smtClean="0"/>
+              <a:t>につき</a:t>
+            </a:r>
+            <a:r>
+              <a:rPr lang="en-US" altLang="ja-JP" sz="1400" dirty="0" smtClean="0"/>
+              <a:t>10</a:t>
+            </a:r>
+          </a:p>
+          <a:p>
+            <a:pPr lvl="1"/>
+            <a:r>
+              <a:rPr lang="ja-JP" altLang="en-US" sz="1400" dirty="0" smtClean="0"/>
+              <a:t>弾速度アップ　ランク</a:t>
+            </a:r>
+            <a:r>
+              <a:rPr lang="en-US" altLang="ja-JP" sz="1400" dirty="0" smtClean="0"/>
+              <a:t>1</a:t>
+            </a:r>
+            <a:r>
+              <a:rPr lang="ja-JP" altLang="en-US" sz="1400" dirty="0" smtClean="0"/>
+              <a:t>につき</a:t>
+            </a:r>
+            <a:r>
+              <a:rPr lang="en-US" altLang="ja-JP" sz="1400" dirty="0" smtClean="0"/>
+              <a:t>1</a:t>
+            </a:r>
+            <a:r>
+              <a:rPr lang="ja-JP" altLang="en-US" sz="1400" dirty="0" smtClean="0"/>
+              <a:t>％</a:t>
+            </a:r>
+            <a:endParaRPr lang="en-US" altLang="ja-JP" sz="1400" dirty="0" smtClean="0"/>
+          </a:p>
+          <a:p>
+            <a:pPr lvl="1"/>
+            <a:r>
+              <a:rPr lang="ja-JP" altLang="en-US" sz="1400" dirty="0" smtClean="0"/>
+              <a:t>弾の発射数増量</a:t>
+            </a:r>
+            <a:endParaRPr lang="en-US" altLang="ja-JP" sz="1400" dirty="0" smtClean="0"/>
+          </a:p>
+          <a:p>
+            <a:endParaRPr lang="en-US" altLang="ja-JP" sz="1800" dirty="0" smtClean="0"/>
+          </a:p>
+          <a:p>
+            <a:endParaRPr lang="en-US" altLang="ja-JP" sz="1800" dirty="0" smtClean="0"/>
+          </a:p>
+          <a:p>
+            <a:endParaRPr lang="en-US" altLang="ja-JP" sz="1800" dirty="0" smtClean="0"/>
+          </a:p>
+          <a:p>
+            <a:endParaRPr lang="en-US" altLang="ja-JP" sz="1800" dirty="0" smtClean="0"/>
           </a:p>
           <a:p>
             <a:endParaRPr lang="en-US" altLang="ja-JP" sz="1800" dirty="0" smtClean="0"/>
@@ -7368,7 +7477,7 @@
                   <a:srgbClr val="FF0000"/>
                 </a:solidFill>
               </a:rPr>
-              <a:t>・ランク</a:t>
+              <a:t>・ステージ構成</a:t>
             </a:r>
             <a:endParaRPr lang="ja-JP" altLang="en-US" dirty="0">
               <a:ln w="18415" cmpd="sng">
@@ -7408,93 +7517,61 @@
           <a:p>
             <a:r>
               <a:rPr lang="ja-JP" altLang="en-US" sz="1800" dirty="0" smtClean="0"/>
-              <a:t>このゲームの重要なシステムで画面左に常に表示する</a:t>
+              <a:t>１～４ステージ　ザコ４種がランダムで１つ選ばれる</a:t>
             </a:r>
             <a:endParaRPr lang="en-US" altLang="ja-JP" sz="1800" dirty="0" smtClean="0"/>
           </a:p>
           <a:p>
             <a:r>
-              <a:rPr lang="ja-JP" altLang="en-US" sz="1800" dirty="0" smtClean="0"/>
-              <a:t>基本スコアにランクの数値がそのまま倍率になる</a:t>
+              <a:rPr lang="ja-JP" altLang="en-US" sz="1200" dirty="0" smtClean="0"/>
+              <a:t>（１度選ばれた種類は６ステージまで選ばれない）</a:t>
+            </a:r>
+            <a:endParaRPr lang="en-US" altLang="ja-JP" sz="1200" dirty="0" smtClean="0"/>
+          </a:p>
+          <a:p>
+            <a:endParaRPr lang="en-US" altLang="ja-JP" sz="1200" dirty="0" smtClean="0"/>
+          </a:p>
+          <a:p>
+            <a:r>
+              <a:rPr lang="ja-JP" altLang="en-US" sz="1800" dirty="0" smtClean="0"/>
+              <a:t>５ステージ　要塞</a:t>
             </a:r>
             <a:endParaRPr lang="en-US" altLang="ja-JP" sz="1800" dirty="0" smtClean="0"/>
           </a:p>
           <a:p>
-            <a:pPr lvl="1"/>
-            <a:r>
-              <a:rPr lang="ja-JP" altLang="en-US" sz="1400" dirty="0" smtClean="0"/>
-              <a:t>隕石　</a:t>
-            </a:r>
-            <a:r>
-              <a:rPr lang="en-US" altLang="ja-JP" sz="1400" dirty="0" smtClean="0"/>
-              <a:t>100</a:t>
-            </a:r>
-            <a:r>
-              <a:rPr lang="ja-JP" altLang="en-US" sz="1400" dirty="0" smtClean="0"/>
-              <a:t>　　　　ランク　</a:t>
-            </a:r>
-            <a:r>
-              <a:rPr lang="en-US" altLang="ja-JP" sz="1400" dirty="0" smtClean="0"/>
-              <a:t>20</a:t>
-            </a:r>
-            <a:r>
-              <a:rPr lang="ja-JP" altLang="en-US" sz="1400" dirty="0" smtClean="0"/>
-              <a:t>　　　　</a:t>
-            </a:r>
-            <a:r>
-              <a:rPr lang="en-US" altLang="ja-JP" sz="1400" dirty="0" smtClean="0"/>
-              <a:t>100×20</a:t>
-            </a:r>
-            <a:r>
-              <a:rPr lang="ja-JP" altLang="en-US" sz="1400" dirty="0" smtClean="0"/>
-              <a:t>＝</a:t>
-            </a:r>
-            <a:r>
-              <a:rPr lang="en-US" altLang="ja-JP" sz="1400" dirty="0" smtClean="0"/>
-              <a:t>2000</a:t>
-            </a:r>
-            <a:r>
-              <a:rPr lang="ja-JP" altLang="en-US" sz="1400" dirty="0" smtClean="0"/>
-              <a:t>　点が入る</a:t>
-            </a:r>
-            <a:endParaRPr lang="en-US" altLang="ja-JP" sz="1400" dirty="0" smtClean="0"/>
-          </a:p>
-          <a:p>
-            <a:r>
-              <a:rPr lang="ja-JP" altLang="en-US" sz="1800" dirty="0" smtClean="0"/>
-              <a:t>上手いプレイをすると上がり、ゲームは難しくなるがスコアは上がりやすくなる </a:t>
-            </a:r>
             <a:endParaRPr lang="en-US" altLang="ja-JP" sz="1800" dirty="0" smtClean="0"/>
           </a:p>
           <a:p>
-            <a:pPr lvl="1"/>
-            <a:r>
-              <a:rPr lang="ja-JP" altLang="en-US" sz="1400" dirty="0" smtClean="0"/>
-              <a:t>敵の項目に書いた　能力変化箇所に影響する</a:t>
-            </a:r>
-            <a:endParaRPr lang="en-US" altLang="ja-JP" sz="1400" dirty="0" smtClean="0"/>
-          </a:p>
-          <a:p>
-            <a:r>
-              <a:rPr lang="ja-JP" altLang="en-US" sz="1800" dirty="0" smtClean="0"/>
-              <a:t>良くないプレイは下がり、ゲームは簡単になるがスコアは上がりにくくなる </a:t>
+            <a:r>
+              <a:rPr lang="ja-JP" altLang="en-US" sz="1800" dirty="0" smtClean="0"/>
+              <a:t>６～９ステージ　ザコ４種がランダムで</a:t>
+            </a:r>
+            <a:r>
+              <a:rPr lang="en-US" altLang="ja-JP" sz="1800" dirty="0" smtClean="0"/>
+              <a:t>2</a:t>
+            </a:r>
+            <a:r>
+              <a:rPr lang="ja-JP" altLang="en-US" sz="1800" dirty="0" smtClean="0"/>
+              <a:t>つ同時に選ばれる</a:t>
             </a:r>
             <a:endParaRPr lang="en-US" altLang="ja-JP" sz="1800" dirty="0" smtClean="0"/>
           </a:p>
           <a:p>
-            <a:r>
-              <a:rPr lang="ja-JP" altLang="en-US" sz="1800" dirty="0" smtClean="0"/>
-              <a:t>ゲームが上手くても下手でも自然とちょうど良い難しさに自動で合わせてくれる</a:t>
-            </a:r>
             <a:endParaRPr lang="en-US" altLang="ja-JP" sz="1800" dirty="0" smtClean="0"/>
           </a:p>
           <a:p>
-            <a:endParaRPr lang="en-US" altLang="ja-JP" sz="1800" dirty="0" smtClean="0"/>
-          </a:p>
-          <a:p>
-            <a:pPr>
-              <a:buNone/>
-            </a:pPr>
+            <a:r>
+              <a:rPr lang="ja-JP" altLang="en-US" sz="1800" dirty="0" smtClean="0"/>
+              <a:t>１０ステージ　要塞</a:t>
+            </a:r>
+            <a:r>
+              <a:rPr lang="en-US" altLang="ja-JP" sz="1800" dirty="0" smtClean="0"/>
+              <a:t>+</a:t>
+            </a:r>
+            <a:r>
+              <a:rPr lang="ja-JP" altLang="en-US" sz="1800" dirty="0" smtClean="0"/>
+              <a:t>ザコ１種</a:t>
+            </a:r>
             <a:endParaRPr lang="en-US" altLang="ja-JP" sz="1800" dirty="0" smtClean="0"/>
           </a:p>
         </p:txBody>
@@ -7617,7 +7694,7 @@
                   <a:srgbClr val="FF0000"/>
                 </a:solidFill>
               </a:rPr>
-              <a:t>・ランクが上下する条件</a:t>
+              <a:t>・スコア一覧</a:t>
             </a:r>
             <a:endParaRPr lang="ja-JP" altLang="en-US" dirty="0">
               <a:ln w="18415" cmpd="sng">
@@ -7656,107 +7733,114 @@
           <a:lstStyle/>
           <a:p>
             <a:r>
+              <a:rPr lang="ja-JP" altLang="en-US" sz="1800" dirty="0" smtClean="0"/>
+              <a:t>隕石</a:t>
+            </a:r>
+            <a:r>
               <a:rPr lang="en-US" altLang="ja-JP" sz="1800" dirty="0" smtClean="0"/>
-              <a:t>100</a:t>
-            </a:r>
-            <a:r>
-              <a:rPr lang="ja-JP" altLang="en-US" sz="1800" dirty="0" smtClean="0"/>
-              <a:t>溜まると</a:t>
+              <a:t>				100</a:t>
+            </a:r>
+          </a:p>
+          <a:p>
+            <a:r>
+              <a:rPr lang="ja-JP" altLang="en-US" sz="1800" dirty="0" smtClean="0"/>
+              <a:t>デカ隕石</a:t>
             </a:r>
             <a:r>
               <a:rPr lang="en-US" altLang="ja-JP" sz="1800" dirty="0" smtClean="0"/>
-              <a:t>1</a:t>
-            </a:r>
-            <a:r>
-              <a:rPr lang="ja-JP" altLang="en-US" sz="1800" dirty="0" smtClean="0"/>
-              <a:t>上がる</a:t>
-            </a:r>
+              <a:t>			200</a:t>
+            </a:r>
+          </a:p>
+          <a:p>
+            <a:r>
+              <a:rPr lang="ja-JP" altLang="en-US" sz="1800" dirty="0" smtClean="0"/>
+              <a:t>突撃</a:t>
+            </a:r>
+            <a:r>
+              <a:rPr lang="en-US" altLang="ja-JP" sz="1800" dirty="0" smtClean="0"/>
+              <a:t>				200</a:t>
+            </a:r>
+          </a:p>
+          <a:p>
+            <a:r>
+              <a:rPr lang="ja-JP" altLang="en-US" sz="1800" dirty="0" smtClean="0"/>
+              <a:t>砲撃</a:t>
+            </a:r>
+            <a:r>
+              <a:rPr lang="en-US" altLang="ja-JP" sz="1800" dirty="0" smtClean="0"/>
+              <a:t>				200</a:t>
+            </a:r>
+          </a:p>
+          <a:p>
+            <a:r>
+              <a:rPr lang="ja-JP" altLang="en-US" sz="1800" dirty="0" smtClean="0"/>
+              <a:t>要塞</a:t>
+            </a:r>
+            <a:r>
+              <a:rPr lang="en-US" altLang="ja-JP" sz="1800" dirty="0" smtClean="0"/>
+              <a:t>				1000</a:t>
+            </a:r>
+          </a:p>
+          <a:p>
+            <a:r>
+              <a:rPr lang="ja-JP" altLang="en-US" sz="1800" dirty="0" smtClean="0"/>
+              <a:t>敵弾を撃ち落とす</a:t>
+            </a:r>
+            <a:r>
+              <a:rPr lang="en-US" altLang="ja-JP" sz="1800" dirty="0" smtClean="0"/>
+              <a:t>		100</a:t>
+            </a:r>
+          </a:p>
+          <a:p>
+            <a:r>
+              <a:rPr lang="ja-JP" altLang="en-US" sz="1800" dirty="0" smtClean="0"/>
+              <a:t>ハンシャを使って敵を倒す</a:t>
+            </a:r>
+            <a:r>
+              <a:rPr lang="en-US" altLang="ja-JP" sz="1800" dirty="0" smtClean="0"/>
+              <a:t>	</a:t>
+            </a:r>
+            <a:r>
+              <a:rPr lang="ja-JP" altLang="en-US" sz="1800" dirty="0" smtClean="0"/>
+              <a:t>反射した数</a:t>
+            </a:r>
+            <a:r>
+              <a:rPr lang="en-US" altLang="ja-JP" sz="1800" dirty="0" smtClean="0"/>
+              <a:t>×2</a:t>
+            </a:r>
+          </a:p>
+          <a:p>
+            <a:r>
+              <a:rPr lang="ja-JP" altLang="en-US" sz="1800" dirty="0" smtClean="0"/>
+              <a:t>バリアで敵を倒す</a:t>
+            </a:r>
+            <a:r>
+              <a:rPr lang="en-US" altLang="ja-JP" sz="1800" dirty="0" smtClean="0"/>
+              <a:t>		1000</a:t>
+            </a:r>
+          </a:p>
+          <a:p>
+            <a:r>
+              <a:rPr lang="ja-JP" altLang="en-US" sz="1800" dirty="0" smtClean="0"/>
+              <a:t>ボムで敵を倒す</a:t>
+            </a:r>
+            <a:r>
+              <a:rPr lang="en-US" altLang="ja-JP" sz="1800" dirty="0" smtClean="0"/>
+              <a:t>		5000</a:t>
+            </a:r>
+          </a:p>
+          <a:p>
+            <a:r>
+              <a:rPr lang="ja-JP" altLang="en-US" sz="1800" dirty="0" smtClean="0"/>
+              <a:t>地球にダメージ</a:t>
+            </a:r>
+            <a:r>
+              <a:rPr lang="en-US" altLang="ja-JP" sz="1800" dirty="0" smtClean="0"/>
+              <a:t>			-10000</a:t>
+            </a:r>
+          </a:p>
+          <a:p>
             <a:endParaRPr lang="en-US" altLang="ja-JP" sz="1800" dirty="0" smtClean="0"/>
-          </a:p>
-          <a:p>
-            <a:endParaRPr lang="en-US" altLang="ja-JP" sz="1800" dirty="0" smtClean="0"/>
-          </a:p>
-          <a:p>
-            <a:r>
-              <a:rPr lang="ja-JP" altLang="en-US" sz="1800" dirty="0" smtClean="0"/>
-              <a:t>上がる</a:t>
-            </a:r>
-            <a:endParaRPr lang="en-US" altLang="ja-JP" sz="1800" dirty="0" smtClean="0"/>
-          </a:p>
-          <a:p>
-            <a:pPr lvl="1"/>
-            <a:r>
-              <a:rPr lang="ja-JP" altLang="en-US" sz="1400" dirty="0" smtClean="0"/>
-              <a:t>敵を倒す</a:t>
-            </a:r>
-            <a:r>
-              <a:rPr lang="en-US" altLang="ja-JP" sz="1400" dirty="0" smtClean="0"/>
-              <a:t>			10</a:t>
-            </a:r>
-          </a:p>
-          <a:p>
-            <a:pPr lvl="1"/>
-            <a:r>
-              <a:rPr lang="ja-JP" altLang="en-US" sz="1400" dirty="0" smtClean="0"/>
-              <a:t>敵弾を撃ち落とす</a:t>
-            </a:r>
-            <a:r>
-              <a:rPr lang="en-US" altLang="ja-JP" sz="1400" dirty="0" smtClean="0"/>
-              <a:t>		10</a:t>
-            </a:r>
-          </a:p>
-          <a:p>
-            <a:pPr lvl="1"/>
-            <a:r>
-              <a:rPr lang="ja-JP" altLang="en-US" sz="1400" dirty="0" smtClean="0"/>
-              <a:t>ハンシャ、カベで敵を倒す</a:t>
-            </a:r>
-            <a:r>
-              <a:rPr lang="en-US" altLang="ja-JP" sz="1400" dirty="0" smtClean="0"/>
-              <a:t>		20</a:t>
-            </a:r>
-          </a:p>
-          <a:p>
-            <a:endParaRPr lang="en-US" altLang="ja-JP" sz="1800" dirty="0" smtClean="0"/>
-          </a:p>
-          <a:p>
-            <a:pPr>
-              <a:buNone/>
-            </a:pPr>
-            <a:endParaRPr lang="en-US" altLang="ja-JP" sz="1800" dirty="0" smtClean="0"/>
-          </a:p>
-          <a:p>
-            <a:r>
-              <a:rPr lang="ja-JP" altLang="en-US" sz="1800" dirty="0" smtClean="0"/>
-              <a:t>下がる</a:t>
-            </a:r>
-            <a:endParaRPr lang="en-US" altLang="ja-JP" sz="1800" dirty="0" smtClean="0"/>
-          </a:p>
-          <a:p>
-            <a:pPr lvl="1"/>
-            <a:r>
-              <a:rPr lang="en-US" altLang="ja-JP" sz="1400" dirty="0" smtClean="0"/>
-              <a:t>10</a:t>
-            </a:r>
-            <a:r>
-              <a:rPr lang="ja-JP" altLang="en-US" sz="1400" dirty="0" smtClean="0"/>
-              <a:t>連続でショットを外す</a:t>
-            </a:r>
-            <a:r>
-              <a:rPr lang="en-US" altLang="ja-JP" sz="1400" dirty="0" smtClean="0"/>
-              <a:t>		-10</a:t>
-            </a:r>
-          </a:p>
-          <a:p>
-            <a:pPr lvl="1"/>
-            <a:r>
-              <a:rPr lang="ja-JP" altLang="en-US" sz="1400" dirty="0" smtClean="0"/>
-              <a:t>地球にダメージ</a:t>
-            </a:r>
-            <a:r>
-              <a:rPr lang="en-US" altLang="ja-JP" sz="1400" dirty="0" smtClean="0"/>
-              <a:t>		-300</a:t>
-            </a:r>
           </a:p>
         </p:txBody>
       </p:sp>
@@ -7878,7 +7962,7 @@
                   <a:srgbClr val="FF0000"/>
                 </a:solidFill>
               </a:rPr>
-              <a:t>・その他細かい仕様</a:t>
+              <a:t>・ランク</a:t>
             </a:r>
             <a:endParaRPr lang="ja-JP" altLang="en-US" dirty="0">
               <a:ln w="18415" cmpd="sng">
@@ -7918,19 +8002,94 @@
           <a:p>
             <a:r>
               <a:rPr lang="ja-JP" altLang="en-US" sz="1800" dirty="0" smtClean="0"/>
-              <a:t>敵や地球にダメージが入った時全体を白く飛ばしたいです。</a:t>
-            </a:r>
-          </a:p>
-          <a:p>
-            <a:r>
-              <a:rPr lang="ja-JP" altLang="en-US" sz="1800" smtClean="0"/>
-              <a:t>地球</a:t>
-            </a:r>
-            <a:r>
-              <a:rPr lang="ja-JP" altLang="en-US" sz="1800" dirty="0" smtClean="0"/>
-              <a:t>にダメージが入った時は画面か地球全体が上下に揺れるとなお良いです。</a:t>
+              <a:t>このゲームの重要なシステムで画面左に常に表示する</a:t>
+            </a:r>
+            <a:endParaRPr lang="en-US" altLang="ja-JP" sz="1800" dirty="0" smtClean="0"/>
+          </a:p>
+          <a:p>
+            <a:r>
+              <a:rPr lang="ja-JP" altLang="en-US" sz="1800" dirty="0" smtClean="0"/>
+              <a:t>基本スコアにランクの数値がそのまま倍率になる</a:t>
+            </a:r>
+            <a:endParaRPr lang="en-US" altLang="ja-JP" sz="1800" dirty="0" smtClean="0"/>
+          </a:p>
+          <a:p>
+            <a:pPr lvl="1"/>
+            <a:r>
+              <a:rPr lang="ja-JP" altLang="en-US" sz="1400" dirty="0" smtClean="0"/>
+              <a:t>隕石　</a:t>
+            </a:r>
+            <a:r>
+              <a:rPr lang="en-US" altLang="ja-JP" sz="1400" dirty="0" smtClean="0"/>
+              <a:t>100</a:t>
+            </a:r>
+            <a:r>
+              <a:rPr lang="ja-JP" altLang="en-US" sz="1400" dirty="0" smtClean="0"/>
+              <a:t>　　　　ランク　</a:t>
+            </a:r>
+            <a:r>
+              <a:rPr lang="en-US" altLang="ja-JP" sz="1400" dirty="0" smtClean="0"/>
+              <a:t>20</a:t>
+            </a:r>
+            <a:r>
+              <a:rPr lang="ja-JP" altLang="en-US" sz="1400" dirty="0" smtClean="0"/>
+              <a:t>　　　　</a:t>
+            </a:r>
+            <a:r>
+              <a:rPr lang="en-US" altLang="ja-JP" sz="1400" dirty="0" smtClean="0"/>
+              <a:t>100×20</a:t>
+            </a:r>
+            <a:r>
+              <a:rPr lang="ja-JP" altLang="en-US" sz="1400" dirty="0" smtClean="0"/>
+              <a:t>＝</a:t>
+            </a:r>
+            <a:r>
+              <a:rPr lang="en-US" altLang="ja-JP" sz="1400" dirty="0" smtClean="0"/>
+              <a:t>2000</a:t>
+            </a:r>
+            <a:r>
+              <a:rPr lang="ja-JP" altLang="en-US" sz="1400" dirty="0" smtClean="0"/>
+              <a:t>　点が入る</a:t>
             </a:r>
             <a:endParaRPr lang="en-US" altLang="ja-JP" sz="1400" dirty="0" smtClean="0"/>
+          </a:p>
+          <a:p>
+            <a:r>
+              <a:rPr lang="ja-JP" altLang="en-US" sz="1800" dirty="0" smtClean="0"/>
+              <a:t>上手いプレイをすると上がり、ゲームは難しくなるがスコアは上がりやすくなる </a:t>
+            </a:r>
+            <a:endParaRPr lang="en-US" altLang="ja-JP" sz="1800" dirty="0" smtClean="0"/>
+          </a:p>
+          <a:p>
+            <a:pPr lvl="1"/>
+            <a:r>
+              <a:rPr lang="ja-JP" altLang="en-US" sz="1400" dirty="0" smtClean="0"/>
+              <a:t>敵の項目に書いた　能力変化箇所に影響する</a:t>
+            </a:r>
+            <a:endParaRPr lang="en-US" altLang="ja-JP" sz="1400" dirty="0" smtClean="0"/>
+          </a:p>
+          <a:p>
+            <a:r>
+              <a:rPr lang="ja-JP" altLang="en-US" sz="1800" dirty="0" smtClean="0"/>
+              <a:t>良くないプレイは下がり、ゲームは簡単になるがスコアは上がりにくくなる </a:t>
+            </a:r>
+            <a:endParaRPr lang="en-US" altLang="ja-JP" sz="1800" dirty="0" smtClean="0"/>
+          </a:p>
+          <a:p>
+            <a:r>
+              <a:rPr lang="ja-JP" altLang="en-US" sz="1800" dirty="0" smtClean="0"/>
+              <a:t>ゲームが上手くても下手でも自然とちょうど良い難しさに自動で合わせてくれる</a:t>
+            </a:r>
+            <a:endParaRPr lang="en-US" altLang="ja-JP" sz="1800" dirty="0" smtClean="0"/>
+          </a:p>
+          <a:p>
+            <a:endParaRPr lang="en-US" altLang="ja-JP" sz="1800" dirty="0" smtClean="0"/>
+          </a:p>
+          <a:p>
+            <a:pPr>
+              <a:buNone/>
+            </a:pPr>
+            <a:endParaRPr lang="en-US" altLang="ja-JP" sz="1800" dirty="0" smtClean="0"/>
           </a:p>
         </p:txBody>
       </p:sp>
@@ -8033,21 +8192,222 @@
             <p:ph type="title"/>
           </p:nvPr>
         </p:nvSpPr>
+        <p:spPr/>
+        <p:txBody>
+          <a:bodyPr>
+            <a:normAutofit/>
+          </a:bodyPr>
+          <a:lstStyle/>
+          <a:p>
+            <a:r>
+              <a:rPr lang="ja-JP" altLang="en-US" dirty="0" smtClean="0">
+                <a:ln w="18415" cmpd="sng">
+                  <a:solidFill>
+                    <a:schemeClr val="bg1"/>
+                  </a:solidFill>
+                  <a:prstDash val="solid"/>
+                </a:ln>
+                <a:solidFill>
+                  <a:srgbClr val="FF0000"/>
+                </a:solidFill>
+              </a:rPr>
+              <a:t>・ランクが上下する条件</a:t>
+            </a:r>
+            <a:endParaRPr lang="ja-JP" altLang="en-US" dirty="0">
+              <a:ln w="18415" cmpd="sng">
+                <a:solidFill>
+                  <a:schemeClr val="bg1"/>
+                </a:solidFill>
+                <a:prstDash val="solid"/>
+              </a:ln>
+              <a:solidFill>
+                <a:srgbClr val="FF0000"/>
+              </a:solidFill>
+            </a:endParaRPr>
+          </a:p>
+        </p:txBody>
+      </p:sp>
+      <p:sp>
+        <p:nvSpPr>
+          <p:cNvPr id="3" name="コンテンツ プレースホルダ 2"/>
+          <p:cNvSpPr>
+            <a:spLocks noGrp="1"/>
+          </p:cNvSpPr>
+          <p:nvPr>
+            <p:ph idx="1"/>
+          </p:nvPr>
+        </p:nvSpPr>
         <p:spPr>
           <a:xfrm>
-            <a:off x="457200" y="2500306"/>
-            <a:ext cx="8229600" cy="1143000"/>
+            <a:off x="457200" y="1600201"/>
+            <a:ext cx="8229600" cy="4972071"/>
           </a:xfrm>
         </p:spPr>
         <p:txBody>
-          <a:bodyPr/>
-          <a:lstStyle/>
-          <a:p>
-            <a:r>
-              <a:rPr kumimoji="1" lang="ja-JP" altLang="en-US" dirty="0" smtClean="0"/>
-              <a:t>チュートリアル</a:t>
-            </a:r>
-            <a:endParaRPr kumimoji="1" lang="ja-JP" altLang="en-US" dirty="0"/>
+          <a:bodyPr>
+            <a:normAutofit/>
+          </a:bodyPr>
+          <a:lstStyle/>
+          <a:p>
+            <a:r>
+              <a:rPr lang="en-US" altLang="ja-JP" sz="1800" dirty="0" smtClean="0"/>
+              <a:t>100</a:t>
+            </a:r>
+            <a:r>
+              <a:rPr lang="ja-JP" altLang="en-US" sz="1800" dirty="0" smtClean="0"/>
+              <a:t>溜まると</a:t>
+            </a:r>
+            <a:r>
+              <a:rPr lang="en-US" altLang="ja-JP" sz="1800" dirty="0" smtClean="0"/>
+              <a:t>1</a:t>
+            </a:r>
+            <a:r>
+              <a:rPr lang="ja-JP" altLang="en-US" sz="1800" dirty="0" smtClean="0"/>
+              <a:t>上がる</a:t>
+            </a:r>
+            <a:endParaRPr lang="en-US" altLang="ja-JP" sz="1800" dirty="0" smtClean="0"/>
+          </a:p>
+          <a:p>
+            <a:endParaRPr lang="en-US" altLang="ja-JP" sz="1800" dirty="0" smtClean="0"/>
+          </a:p>
+          <a:p>
+            <a:r>
+              <a:rPr lang="ja-JP" altLang="en-US" sz="1800" dirty="0" smtClean="0"/>
+              <a:t>上がる</a:t>
+            </a:r>
+            <a:endParaRPr lang="en-US" altLang="ja-JP" sz="1800" dirty="0" smtClean="0"/>
+          </a:p>
+          <a:p>
+            <a:pPr lvl="1"/>
+            <a:r>
+              <a:rPr lang="ja-JP" altLang="en-US" sz="1400" dirty="0" smtClean="0"/>
+              <a:t>敵を倒す</a:t>
+            </a:r>
+            <a:r>
+              <a:rPr lang="en-US" altLang="ja-JP" sz="1400" dirty="0" smtClean="0"/>
+              <a:t>			10</a:t>
+            </a:r>
+          </a:p>
+          <a:p>
+            <a:pPr lvl="1"/>
+            <a:r>
+              <a:rPr lang="ja-JP" altLang="en-US" sz="1400" dirty="0" smtClean="0"/>
+              <a:t>敵弾を撃ち落とす</a:t>
+            </a:r>
+            <a:r>
+              <a:rPr lang="en-US" altLang="ja-JP" sz="1400" dirty="0" smtClean="0"/>
+              <a:t>		10</a:t>
+            </a:r>
+          </a:p>
+          <a:p>
+            <a:pPr lvl="1"/>
+            <a:r>
+              <a:rPr lang="ja-JP" altLang="en-US" sz="1400" dirty="0" smtClean="0"/>
+              <a:t>ハンシャ、カベで敵を倒す</a:t>
+            </a:r>
+            <a:r>
+              <a:rPr lang="en-US" altLang="ja-JP" sz="1400" dirty="0" smtClean="0"/>
+              <a:t>		20</a:t>
+            </a:r>
+          </a:p>
+          <a:p>
+            <a:endParaRPr lang="en-US" altLang="ja-JP" sz="1800" dirty="0" smtClean="0"/>
+          </a:p>
+          <a:p>
+            <a:pPr>
+              <a:buNone/>
+            </a:pPr>
+            <a:endParaRPr lang="en-US" altLang="ja-JP" sz="1800" dirty="0" smtClean="0"/>
+          </a:p>
+          <a:p>
+            <a:r>
+              <a:rPr lang="ja-JP" altLang="en-US" sz="1800" dirty="0" smtClean="0"/>
+              <a:t>下がる</a:t>
+            </a:r>
+            <a:endParaRPr lang="en-US" altLang="ja-JP" sz="1800" dirty="0" smtClean="0"/>
+          </a:p>
+          <a:p>
+            <a:pPr lvl="1"/>
+            <a:r>
+              <a:rPr lang="en-US" altLang="ja-JP" sz="1400" dirty="0" smtClean="0"/>
+              <a:t>10</a:t>
+            </a:r>
+            <a:r>
+              <a:rPr lang="ja-JP" altLang="en-US" sz="1400" dirty="0" smtClean="0"/>
+              <a:t>連続でショットを外す</a:t>
+            </a:r>
+            <a:r>
+              <a:rPr lang="en-US" altLang="ja-JP" sz="1400" dirty="0" smtClean="0"/>
+              <a:t>		-10</a:t>
+            </a:r>
+          </a:p>
+          <a:p>
+            <a:pPr lvl="1"/>
+            <a:r>
+              <a:rPr lang="ja-JP" altLang="en-US" sz="1400" dirty="0" smtClean="0"/>
+              <a:t>地球にダメージ</a:t>
+            </a:r>
+            <a:r>
+              <a:rPr lang="en-US" altLang="ja-JP" sz="1400" dirty="0" smtClean="0"/>
+              <a:t>		-300</a:t>
+            </a:r>
+          </a:p>
+        </p:txBody>
+      </p:sp>
+      <p:sp>
+        <p:nvSpPr>
+          <p:cNvPr id="5" name="コンテンツ プレースホルダ 2"/>
+          <p:cNvSpPr txBox="1">
+            <a:spLocks/>
+          </p:cNvSpPr>
+          <p:nvPr/>
+        </p:nvSpPr>
+        <p:spPr>
+          <a:xfrm>
+            <a:off x="5967418" y="3214686"/>
+            <a:ext cx="3176582" cy="428627"/>
+          </a:xfrm>
+          <a:prstGeom prst="rect">
+            <a:avLst/>
+          </a:prstGeom>
+        </p:spPr>
+        <p:txBody>
+          <a:bodyPr vert="horz" lIns="91440" tIns="45720" rIns="91440" bIns="45720" rtlCol="0">
+            <a:normAutofit/>
+          </a:bodyPr>
+          <a:lstStyle/>
+          <a:p>
+            <a:pPr marL="742950" marR="0" lvl="1" indent="-285750" algn="l" defTabSz="914400" rtl="0" eaLnBrk="1" fontAlgn="auto" latinLnBrk="0" hangingPunct="1">
+              <a:lnSpc>
+                <a:spcPct val="100000"/>
+              </a:lnSpc>
+              <a:spcBef>
+                <a:spcPct val="20000"/>
+              </a:spcBef>
+              <a:spcAft>
+                <a:spcPts val="0"/>
+              </a:spcAft>
+              <a:buClrTx/>
+              <a:buSzTx/>
+              <a:buFont typeface="Arial" pitchFamily="34" charset="0"/>
+              <a:buChar char="–"/>
+              <a:tabLst/>
+              <a:defRPr/>
+            </a:pPr>
+            <a:endParaRPr kumimoji="1" lang="en-US" altLang="ja-JP" sz="1200" b="0" i="0" u="none" strike="noStrike" kern="1200" cap="none" spc="0" normalizeH="0" baseline="0" noProof="0" dirty="0" smtClean="0">
+              <a:ln>
+                <a:noFill/>
+              </a:ln>
+              <a:solidFill>
+                <a:schemeClr val="tx1"/>
+              </a:solidFill>
+              <a:effectLst/>
+              <a:uLnTx/>
+              <a:uFillTx/>
+              <a:latin typeface="+mn-lt"/>
+              <a:ea typeface="+mn-ea"/>
+              <a:cs typeface="+mn-cs"/>
+            </a:endParaRPr>
           </a:p>
         </p:txBody>
       </p:sp>
@@ -8056,6 +8416,13 @@
   <p:clrMapOvr>
     <a:masterClrMapping/>
   </p:clrMapOvr>
+  <p:timing>
+    <p:tnLst>
+      <p:par>
+        <p:cTn id="1" dur="indefinite" restart="never" nodeType="tmRoot"/>
+      </p:par>
+    </p:tnLst>
+  </p:timing>
 </p:sld>
 </file>
 
@@ -8105,7 +8472,7 @@
                   <a:srgbClr val="FF0000"/>
                 </a:solidFill>
               </a:rPr>
-              <a:t>・チュートリアル</a:t>
+              <a:t>・その他細かい仕様</a:t>
             </a:r>
             <a:endParaRPr lang="ja-JP" altLang="en-US" dirty="0">
               <a:ln w="18415" cmpd="sng">
@@ -8145,27 +8512,19 @@
           <a:p>
             <a:r>
               <a:rPr lang="ja-JP" altLang="en-US" sz="1800" dirty="0" smtClean="0"/>
-              <a:t>ゲームスタートボタンを押した後メインゲームがはじまる前に２～３枚の操作説明画像を表示します。</a:t>
-            </a:r>
-            <a:endParaRPr lang="en-US" altLang="ja-JP" sz="1800" dirty="0" smtClean="0"/>
-          </a:p>
-          <a:p>
-            <a:r>
-              <a:rPr lang="ja-JP" altLang="en-US" sz="1800" dirty="0" smtClean="0"/>
-              <a:t>初見プレイヤーにどう操作すればよいか分かるようにします。</a:t>
-            </a:r>
-            <a:endParaRPr lang="en-US" altLang="ja-JP" sz="1800" dirty="0" smtClean="0"/>
-          </a:p>
-          <a:p>
-            <a:r>
-              <a:rPr lang="ja-JP" altLang="en-US" sz="1800" dirty="0" smtClean="0"/>
-              <a:t>左上にスキップ　右下に１ページ送りボタン</a:t>
-            </a:r>
-            <a:r>
-              <a:rPr lang="ja-JP" altLang="en-US" sz="1800" dirty="0" smtClean="0"/>
-              <a:t>用意</a:t>
-            </a:r>
-            <a:endParaRPr lang="en-US" altLang="ja-JP" sz="1800" dirty="0" smtClean="0"/>
+              <a:t>敵や地球にダメージが入った時全体を白く飛ばしたいです。</a:t>
+            </a:r>
+          </a:p>
+          <a:p>
+            <a:r>
+              <a:rPr lang="ja-JP" altLang="en-US" sz="1800" smtClean="0"/>
+              <a:t>地球</a:t>
+            </a:r>
+            <a:r>
+              <a:rPr lang="ja-JP" altLang="en-US" sz="1800" dirty="0" smtClean="0"/>
+              <a:t>にダメージが入った時は画面か地球全体が上下に揺れるとなお良いです。</a:t>
+            </a:r>
+            <a:endParaRPr lang="en-US" altLang="ja-JP" sz="1400" dirty="0" smtClean="0"/>
           </a:p>
         </p:txBody>
       </p:sp>
@@ -8268,6 +8627,59 @@
             <p:ph type="title"/>
           </p:nvPr>
         </p:nvSpPr>
+        <p:spPr>
+          <a:xfrm>
+            <a:off x="457200" y="2500306"/>
+            <a:ext cx="8229600" cy="1143000"/>
+          </a:xfrm>
+        </p:spPr>
+        <p:txBody>
+          <a:bodyPr/>
+          <a:lstStyle/>
+          <a:p>
+            <a:r>
+              <a:rPr kumimoji="1" lang="ja-JP" altLang="en-US" dirty="0" smtClean="0"/>
+              <a:t>チュートリアル</a:t>
+            </a:r>
+            <a:endParaRPr kumimoji="1" lang="ja-JP" altLang="en-US" dirty="0"/>
+          </a:p>
+        </p:txBody>
+      </p:sp>
+    </p:spTree>
+  </p:cSld>
+  <p:clrMapOvr>
+    <a:masterClrMapping/>
+  </p:clrMapOvr>
+</p:sld>
+</file>
+
+<file path=ppt/slides/slide28.xml><?xml version="1.0" encoding="utf-8"?>
+<p:sld xmlns:a="http://schemas.openxmlformats.org/drawingml/2006/main" xmlns:r="http://schemas.openxmlformats.org/officeDocument/2006/relationships" xmlns:p="http://schemas.openxmlformats.org/presentationml/2006/main">
+  <p:cSld>
+    <p:spTree>
+      <p:nvGrpSpPr>
+        <p:cNvPr id="1" name=""/>
+        <p:cNvGrpSpPr/>
+        <p:nvPr/>
+      </p:nvGrpSpPr>
+      <p:grpSpPr>
+        <a:xfrm>
+          <a:off x="0" y="0"/>
+          <a:ext cx="0" cy="0"/>
+          <a:chOff x="0" y="0"/>
+          <a:chExt cx="0" cy="0"/>
+        </a:xfrm>
+      </p:grpSpPr>
+      <p:sp>
+        <p:nvSpPr>
+          <p:cNvPr id="2" name="タイトル 1"/>
+          <p:cNvSpPr>
+            <a:spLocks noGrp="1"/>
+          </p:cNvSpPr>
+          <p:nvPr>
+            <p:ph type="title"/>
+          </p:nvPr>
+        </p:nvSpPr>
         <p:spPr/>
         <p:txBody>
           <a:bodyPr>
@@ -8287,21 +8699,7 @@
                   <a:srgbClr val="FF0000"/>
                 </a:solidFill>
               </a:rPr>
-              <a:t>・</a:t>
-            </a:r>
-            <a:r>
-              <a:rPr lang="ja-JP" altLang="en-US" dirty="0" smtClean="0">
-                <a:ln w="18415" cmpd="sng">
-                  <a:solidFill>
-                    <a:schemeClr val="bg1"/>
-                  </a:solidFill>
-                  <a:prstDash val="solid"/>
-                </a:ln>
-                <a:solidFill>
-                  <a:srgbClr val="FF0000"/>
-                </a:solidFill>
-              </a:rPr>
-              <a:t>チュートリアル構成</a:t>
+              <a:t>・チュートリアル</a:t>
             </a:r>
             <a:endParaRPr lang="ja-JP" altLang="en-US" dirty="0">
               <a:ln w="18415" cmpd="sng">
@@ -8340,88 +8738,22 @@
           <a:lstStyle/>
           <a:p>
             <a:r>
-              <a:rPr lang="en-US" altLang="ja-JP" sz="1800" dirty="0" smtClean="0"/>
-              <a:t>1</a:t>
-            </a:r>
-            <a:r>
-              <a:rPr lang="ja-JP" altLang="en-US" sz="1800" dirty="0" smtClean="0"/>
-              <a:t>　目的　（時間いっぱい守る　</a:t>
-            </a:r>
-            <a:r>
-              <a:rPr lang="en-US" altLang="ja-JP" sz="1800" dirty="0" smtClean="0"/>
-              <a:t>15</a:t>
-            </a:r>
-            <a:r>
-              <a:rPr lang="ja-JP" altLang="en-US" sz="1800" dirty="0" smtClean="0"/>
-              <a:t>ｓ　*</a:t>
-            </a:r>
-            <a:r>
-              <a:rPr lang="ja-JP" altLang="en-US" sz="1800" dirty="0" err="1" smtClean="0"/>
-              <a:t>ｘ</a:t>
-            </a:r>
-            <a:r>
-              <a:rPr lang="ja-JP" altLang="en-US" sz="1800" dirty="0" smtClean="0"/>
-              <a:t>面　ハイスコア　</a:t>
-            </a:r>
-            <a:r>
-              <a:rPr lang="ja-JP" altLang="en-US" sz="1800" dirty="0" smtClean="0"/>
-              <a:t>地球に攻撃当てるな</a:t>
+              <a:rPr lang="ja-JP" altLang="en-US" sz="1800" dirty="0" smtClean="0"/>
+              <a:t>ゲームスタートボタンを押した後メインゲームがはじまる前に２～３枚の操作説明画像を表示します。</a:t>
             </a:r>
             <a:endParaRPr lang="en-US" altLang="ja-JP" sz="1800" dirty="0" smtClean="0"/>
           </a:p>
           <a:p>
             <a:r>
-              <a:rPr lang="en-US" altLang="ja-JP" sz="1800" dirty="0" smtClean="0"/>
-              <a:t>2</a:t>
-            </a:r>
-            <a:r>
-              <a:rPr lang="ja-JP" altLang="en-US" sz="1800" dirty="0" smtClean="0"/>
-              <a:t>　</a:t>
-            </a:r>
-            <a:r>
-              <a:rPr lang="ja-JP" altLang="en-US" sz="1800" dirty="0" smtClean="0"/>
-              <a:t>攻撃　（移動は</a:t>
-            </a:r>
-            <a:r>
-              <a:rPr lang="ja-JP" altLang="en-US" sz="1800" dirty="0" err="1" smtClean="0"/>
-              <a:t>無し</a:t>
-            </a:r>
-            <a:r>
-              <a:rPr lang="ja-JP" altLang="en-US" sz="1800" dirty="0" smtClean="0"/>
-              <a:t>　全方位攻撃　２種武器切り替え</a:t>
+              <a:rPr lang="ja-JP" altLang="en-US" sz="1800" dirty="0" smtClean="0"/>
+              <a:t>初見プレイヤーにどう操作すればよいか分かるようにします。</a:t>
             </a:r>
             <a:endParaRPr lang="en-US" altLang="ja-JP" sz="1800" dirty="0" smtClean="0"/>
           </a:p>
           <a:p>
             <a:r>
-              <a:rPr lang="en-US" altLang="ja-JP" sz="1800" dirty="0" smtClean="0"/>
-              <a:t>3</a:t>
-            </a:r>
-            <a:r>
-              <a:rPr lang="ja-JP" altLang="en-US" sz="1800" dirty="0" smtClean="0"/>
-              <a:t>　インターバルとビルド　（面の合間に３つの強化選択</a:t>
-            </a:r>
-            <a:endParaRPr lang="en-US" altLang="ja-JP" sz="1800" dirty="0" smtClean="0"/>
-          </a:p>
-          <a:p>
-            <a:r>
-              <a:rPr lang="en-US" altLang="ja-JP" sz="1800" dirty="0" smtClean="0"/>
-              <a:t>4</a:t>
-            </a:r>
-            <a:r>
-              <a:rPr lang="ja-JP" altLang="en-US" sz="1800" dirty="0" smtClean="0"/>
-              <a:t>　ランク　（上手いプレイで上がる　上がるとハイスコアに繋がる</a:t>
-            </a:r>
-            <a:endParaRPr lang="en-US" altLang="ja-JP" sz="1800" dirty="0" smtClean="0"/>
-          </a:p>
-          <a:p>
-            <a:r>
-              <a:rPr lang="en-US" altLang="ja-JP" sz="1800" dirty="0" smtClean="0"/>
-              <a:t>5</a:t>
-            </a:r>
-            <a:r>
-              <a:rPr lang="ja-JP" altLang="en-US" sz="1800" smtClean="0"/>
-              <a:t>　ボスヒント　（弱点を狙う　オプションやキャノンを使う</a:t>
+              <a:rPr lang="ja-JP" altLang="en-US" sz="1800" dirty="0" smtClean="0"/>
+              <a:t>左上にスキップ　右下に１ページ送りボタン用意</a:t>
             </a:r>
             <a:endParaRPr lang="en-US" altLang="ja-JP" sz="1800" dirty="0" smtClean="0"/>
           </a:p>
@@ -8499,7 +8831,7 @@
 </p:sld>
 </file>
 
-<file path=ppt/slides/slide28.xml><?xml version="1.0" encoding="utf-8"?>
+<file path=ppt/slides/slide29.xml><?xml version="1.0" encoding="utf-8"?>
 <p:sld xmlns:a="http://schemas.openxmlformats.org/drawingml/2006/main" xmlns:r="http://schemas.openxmlformats.org/officeDocument/2006/relationships" xmlns:p="http://schemas.openxmlformats.org/presentationml/2006/main">
   <p:cSld>
     <p:spTree>
@@ -8526,6 +8858,242 @@
             <p:ph type="title"/>
           </p:nvPr>
         </p:nvSpPr>
+        <p:spPr/>
+        <p:txBody>
+          <a:bodyPr>
+            <a:normAutofit/>
+          </a:bodyPr>
+          <a:lstStyle/>
+          <a:p>
+            <a:r>
+              <a:rPr lang="ja-JP" altLang="en-US" dirty="0" smtClean="0">
+                <a:ln w="18415" cmpd="sng">
+                  <a:solidFill>
+                    <a:schemeClr val="bg1"/>
+                  </a:solidFill>
+                  <a:prstDash val="solid"/>
+                </a:ln>
+                <a:solidFill>
+                  <a:srgbClr val="FF0000"/>
+                </a:solidFill>
+              </a:rPr>
+              <a:t>・チュートリアル構成</a:t>
+            </a:r>
+            <a:endParaRPr lang="ja-JP" altLang="en-US" dirty="0">
+              <a:ln w="18415" cmpd="sng">
+                <a:solidFill>
+                  <a:schemeClr val="bg1"/>
+                </a:solidFill>
+                <a:prstDash val="solid"/>
+              </a:ln>
+              <a:solidFill>
+                <a:srgbClr val="FF0000"/>
+              </a:solidFill>
+            </a:endParaRPr>
+          </a:p>
+        </p:txBody>
+      </p:sp>
+      <p:sp>
+        <p:nvSpPr>
+          <p:cNvPr id="3" name="コンテンツ プレースホルダ 2"/>
+          <p:cNvSpPr>
+            <a:spLocks noGrp="1"/>
+          </p:cNvSpPr>
+          <p:nvPr>
+            <p:ph idx="1"/>
+          </p:nvPr>
+        </p:nvSpPr>
+        <p:spPr>
+          <a:xfrm>
+            <a:off x="457200" y="1600201"/>
+            <a:ext cx="8229600" cy="4972071"/>
+          </a:xfrm>
+        </p:spPr>
+        <p:txBody>
+          <a:bodyPr>
+            <a:normAutofit/>
+          </a:bodyPr>
+          <a:lstStyle/>
+          <a:p>
+            <a:r>
+              <a:rPr lang="en-US" altLang="ja-JP" sz="1800" dirty="0" smtClean="0"/>
+              <a:t>1</a:t>
+            </a:r>
+            <a:r>
+              <a:rPr lang="ja-JP" altLang="en-US" sz="1800" dirty="0" smtClean="0"/>
+              <a:t>　目的　（時間いっぱい守る　</a:t>
+            </a:r>
+            <a:r>
+              <a:rPr lang="en-US" altLang="ja-JP" sz="1800" dirty="0" smtClean="0"/>
+              <a:t>15</a:t>
+            </a:r>
+            <a:r>
+              <a:rPr lang="ja-JP" altLang="en-US" sz="1800" dirty="0" smtClean="0"/>
+              <a:t>ｓ　*</a:t>
+            </a:r>
+            <a:r>
+              <a:rPr lang="ja-JP" altLang="en-US" sz="1800" dirty="0" err="1" smtClean="0"/>
+              <a:t>ｘ</a:t>
+            </a:r>
+            <a:r>
+              <a:rPr lang="ja-JP" altLang="en-US" sz="1800" dirty="0" smtClean="0"/>
+              <a:t>面　ハイスコア　地球に攻撃当てるな</a:t>
+            </a:r>
+            <a:endParaRPr lang="en-US" altLang="ja-JP" sz="1800" dirty="0" smtClean="0"/>
+          </a:p>
+          <a:p>
+            <a:r>
+              <a:rPr lang="en-US" altLang="ja-JP" sz="1800" dirty="0" smtClean="0"/>
+              <a:t>2</a:t>
+            </a:r>
+            <a:r>
+              <a:rPr lang="ja-JP" altLang="en-US" sz="1800" dirty="0" smtClean="0"/>
+              <a:t>　攻撃　（移動は</a:t>
+            </a:r>
+            <a:r>
+              <a:rPr lang="ja-JP" altLang="en-US" sz="1800" dirty="0" err="1" smtClean="0"/>
+              <a:t>無し</a:t>
+            </a:r>
+            <a:r>
+              <a:rPr lang="ja-JP" altLang="en-US" sz="1800" dirty="0" smtClean="0"/>
+              <a:t>　全方位攻撃　２種武器切り替え</a:t>
+            </a:r>
+            <a:endParaRPr lang="en-US" altLang="ja-JP" sz="1800" dirty="0" smtClean="0"/>
+          </a:p>
+          <a:p>
+            <a:r>
+              <a:rPr lang="en-US" altLang="ja-JP" sz="1800" dirty="0" smtClean="0"/>
+              <a:t>3</a:t>
+            </a:r>
+            <a:r>
+              <a:rPr lang="ja-JP" altLang="en-US" sz="1800" dirty="0" smtClean="0"/>
+              <a:t>　インターバルとビルド　（面の合間に３つの強化選択</a:t>
+            </a:r>
+            <a:endParaRPr lang="en-US" altLang="ja-JP" sz="1800" dirty="0" smtClean="0"/>
+          </a:p>
+          <a:p>
+            <a:r>
+              <a:rPr lang="en-US" altLang="ja-JP" sz="1800" dirty="0" smtClean="0"/>
+              <a:t>4</a:t>
+            </a:r>
+            <a:r>
+              <a:rPr lang="ja-JP" altLang="en-US" sz="1800" dirty="0" smtClean="0"/>
+              <a:t>　ランク　（上手いプレイで上がる　上がるとハイスコアに繋がる</a:t>
+            </a:r>
+            <a:endParaRPr lang="en-US" altLang="ja-JP" sz="1800" dirty="0" smtClean="0"/>
+          </a:p>
+          <a:p>
+            <a:r>
+              <a:rPr lang="en-US" altLang="ja-JP" sz="1800" dirty="0" smtClean="0"/>
+              <a:t>5</a:t>
+            </a:r>
+            <a:r>
+              <a:rPr lang="ja-JP" altLang="en-US" sz="1800" smtClean="0"/>
+              <a:t>　ボスヒント　（弱点を狙う　オプションやキャノンを使う</a:t>
+            </a:r>
+            <a:endParaRPr lang="en-US" altLang="ja-JP" sz="1800" dirty="0" smtClean="0"/>
+          </a:p>
+        </p:txBody>
+      </p:sp>
+      <p:sp>
+        <p:nvSpPr>
+          <p:cNvPr id="5" name="コンテンツ プレースホルダ 2"/>
+          <p:cNvSpPr txBox="1">
+            <a:spLocks/>
+          </p:cNvSpPr>
+          <p:nvPr/>
+        </p:nvSpPr>
+        <p:spPr>
+          <a:xfrm>
+            <a:off x="5967418" y="3214686"/>
+            <a:ext cx="3176582" cy="428627"/>
+          </a:xfrm>
+          <a:prstGeom prst="rect">
+            <a:avLst/>
+          </a:prstGeom>
+        </p:spPr>
+        <p:txBody>
+          <a:bodyPr vert="horz" lIns="91440" tIns="45720" rIns="91440" bIns="45720" rtlCol="0">
+            <a:normAutofit/>
+          </a:bodyPr>
+          <a:lstStyle/>
+          <a:p>
+            <a:pPr marL="742950" marR="0" lvl="1" indent="-285750" algn="l" defTabSz="914400" rtl="0" eaLnBrk="1" fontAlgn="auto" latinLnBrk="0" hangingPunct="1">
+              <a:lnSpc>
+                <a:spcPct val="100000"/>
+              </a:lnSpc>
+              <a:spcBef>
+                <a:spcPct val="20000"/>
+              </a:spcBef>
+              <a:spcAft>
+                <a:spcPts val="0"/>
+              </a:spcAft>
+              <a:buClrTx/>
+              <a:buSzTx/>
+              <a:buFont typeface="Arial" pitchFamily="34" charset="0"/>
+              <a:buChar char="–"/>
+              <a:tabLst/>
+              <a:defRPr/>
+            </a:pPr>
+            <a:endParaRPr kumimoji="1" lang="en-US" altLang="ja-JP" sz="1200" b="0" i="0" u="none" strike="noStrike" kern="1200" cap="none" spc="0" normalizeH="0" baseline="0" noProof="0" dirty="0" smtClean="0">
+              <a:ln>
+                <a:noFill/>
+              </a:ln>
+              <a:solidFill>
+                <a:schemeClr val="tx1"/>
+              </a:solidFill>
+              <a:effectLst/>
+              <a:uLnTx/>
+              <a:uFillTx/>
+              <a:latin typeface="+mn-lt"/>
+              <a:ea typeface="+mn-ea"/>
+              <a:cs typeface="+mn-cs"/>
+            </a:endParaRPr>
+          </a:p>
+        </p:txBody>
+      </p:sp>
+    </p:spTree>
+  </p:cSld>
+  <p:clrMapOvr>
+    <a:masterClrMapping/>
+  </p:clrMapOvr>
+  <p:timing>
+    <p:tnLst>
+      <p:par>
+        <p:cTn id="1" dur="indefinite" restart="never" nodeType="tmRoot"/>
+      </p:par>
+    </p:tnLst>
+  </p:timing>
+</p:sld>
+</file>
+
+<file path=ppt/slides/slide3.xml><?xml version="1.0" encoding="utf-8"?>
+<p:sld xmlns:a="http://schemas.openxmlformats.org/drawingml/2006/main" xmlns:r="http://schemas.openxmlformats.org/officeDocument/2006/relationships" xmlns:p="http://schemas.openxmlformats.org/presentationml/2006/main">
+  <p:cSld>
+    <p:spTree>
+      <p:nvGrpSpPr>
+        <p:cNvPr id="1" name=""/>
+        <p:cNvGrpSpPr/>
+        <p:nvPr/>
+      </p:nvGrpSpPr>
+      <p:grpSpPr>
+        <a:xfrm>
+          <a:off x="0" y="0"/>
+          <a:ext cx="0" cy="0"/>
+          <a:chOff x="0" y="0"/>
+          <a:chExt cx="0" cy="0"/>
+        </a:xfrm>
+      </p:grpSpPr>
+      <p:sp>
+        <p:nvSpPr>
+          <p:cNvPr id="2" name="タイトル 1"/>
+          <p:cNvSpPr>
+            <a:spLocks noGrp="1"/>
+          </p:cNvSpPr>
+          <p:nvPr>
+            <p:ph type="title"/>
+          </p:nvPr>
+        </p:nvSpPr>
         <p:spPr>
           <a:xfrm>
             <a:off x="457200" y="2500306"/>
@@ -8537,10 +9105,10 @@
           <a:lstStyle/>
           <a:p>
             <a:r>
-              <a:rPr kumimoji="1" lang="ja-JP" altLang="en-US" dirty="0" smtClean="0"/>
-              <a:t>ランキング</a:t>
-            </a:r>
-            <a:endParaRPr kumimoji="1" lang="ja-JP" altLang="en-US" dirty="0"/>
+              <a:rPr lang="ja-JP" altLang="en-US" dirty="0" smtClean="0"/>
+              <a:t>ゲーム全体フロー</a:t>
+            </a:r>
+            <a:endParaRPr lang="en-US" altLang="ja-JP" dirty="0" smtClean="0"/>
           </a:p>
         </p:txBody>
       </p:sp>
@@ -8552,7 +9120,60 @@
 </p:sld>
 </file>
 
-<file path=ppt/slides/slide29.xml><?xml version="1.0" encoding="utf-8"?>
+<file path=ppt/slides/slide30.xml><?xml version="1.0" encoding="utf-8"?>
+<p:sld xmlns:a="http://schemas.openxmlformats.org/drawingml/2006/main" xmlns:r="http://schemas.openxmlformats.org/officeDocument/2006/relationships" xmlns:p="http://schemas.openxmlformats.org/presentationml/2006/main">
+  <p:cSld>
+    <p:spTree>
+      <p:nvGrpSpPr>
+        <p:cNvPr id="1" name=""/>
+        <p:cNvGrpSpPr/>
+        <p:nvPr/>
+      </p:nvGrpSpPr>
+      <p:grpSpPr>
+        <a:xfrm>
+          <a:off x="0" y="0"/>
+          <a:ext cx="0" cy="0"/>
+          <a:chOff x="0" y="0"/>
+          <a:chExt cx="0" cy="0"/>
+        </a:xfrm>
+      </p:grpSpPr>
+      <p:sp>
+        <p:nvSpPr>
+          <p:cNvPr id="2" name="タイトル 1"/>
+          <p:cNvSpPr>
+            <a:spLocks noGrp="1"/>
+          </p:cNvSpPr>
+          <p:nvPr>
+            <p:ph type="title"/>
+          </p:nvPr>
+        </p:nvSpPr>
+        <p:spPr>
+          <a:xfrm>
+            <a:off x="457200" y="2500306"/>
+            <a:ext cx="8229600" cy="1143000"/>
+          </a:xfrm>
+        </p:spPr>
+        <p:txBody>
+          <a:bodyPr/>
+          <a:lstStyle/>
+          <a:p>
+            <a:r>
+              <a:rPr kumimoji="1" lang="ja-JP" altLang="en-US" dirty="0" smtClean="0"/>
+              <a:t>ランキング</a:t>
+            </a:r>
+            <a:endParaRPr kumimoji="1" lang="ja-JP" altLang="en-US" dirty="0"/>
+          </a:p>
+        </p:txBody>
+      </p:sp>
+    </p:spTree>
+  </p:cSld>
+  <p:clrMapOvr>
+    <a:masterClrMapping/>
+  </p:clrMapOvr>
+</p:sld>
+</file>
+
+<file path=ppt/slides/slide31.xml><?xml version="1.0" encoding="utf-8"?>
 <p:sld xmlns:a="http://schemas.openxmlformats.org/drawingml/2006/main" xmlns:r="http://schemas.openxmlformats.org/officeDocument/2006/relationships" xmlns:p="http://schemas.openxmlformats.org/presentationml/2006/main">
   <p:cSld>
     <p:spTree>
@@ -8754,7 +9375,7 @@
 </p:sld>
 </file>
 
-<file path=ppt/slides/slide3.xml><?xml version="1.0" encoding="utf-8"?>
+<file path=ppt/slides/slide32.xml><?xml version="1.0" encoding="utf-8"?>
 <p:sld xmlns:a="http://schemas.openxmlformats.org/drawingml/2006/main" xmlns:r="http://schemas.openxmlformats.org/officeDocument/2006/relationships" xmlns:p="http://schemas.openxmlformats.org/presentationml/2006/main">
   <p:cSld>
     <p:spTree>
@@ -8792,10 +9413,10 @@
           <a:lstStyle/>
           <a:p>
             <a:r>
-              <a:rPr lang="ja-JP" altLang="en-US" dirty="0" smtClean="0"/>
-              <a:t>ゲーム全体フロー</a:t>
-            </a:r>
-            <a:endParaRPr lang="en-US" altLang="ja-JP" dirty="0" smtClean="0"/>
+              <a:rPr kumimoji="1" lang="ja-JP" altLang="en-US" dirty="0" smtClean="0"/>
+              <a:t>デバッグ</a:t>
+            </a:r>
+            <a:endParaRPr kumimoji="1" lang="ja-JP" altLang="en-US" dirty="0"/>
           </a:p>
         </p:txBody>
       </p:sp>
@@ -8807,60 +9428,7 @@
 </p:sld>
 </file>
 
-<file path=ppt/slides/slide30.xml><?xml version="1.0" encoding="utf-8"?>
-<p:sld xmlns:a="http://schemas.openxmlformats.org/drawingml/2006/main" xmlns:r="http://schemas.openxmlformats.org/officeDocument/2006/relationships" xmlns:p="http://schemas.openxmlformats.org/presentationml/2006/main">
-  <p:cSld>
-    <p:spTree>
-      <p:nvGrpSpPr>
-        <p:cNvPr id="1" name=""/>
-        <p:cNvGrpSpPr/>
-        <p:nvPr/>
-      </p:nvGrpSpPr>
-      <p:grpSpPr>
-        <a:xfrm>
-          <a:off x="0" y="0"/>
-          <a:ext cx="0" cy="0"/>
-          <a:chOff x="0" y="0"/>
-          <a:chExt cx="0" cy="0"/>
-        </a:xfrm>
-      </p:grpSpPr>
-      <p:sp>
-        <p:nvSpPr>
-          <p:cNvPr id="2" name="タイトル 1"/>
-          <p:cNvSpPr>
-            <a:spLocks noGrp="1"/>
-          </p:cNvSpPr>
-          <p:nvPr>
-            <p:ph type="title"/>
-          </p:nvPr>
-        </p:nvSpPr>
-        <p:spPr>
-          <a:xfrm>
-            <a:off x="457200" y="2500306"/>
-            <a:ext cx="8229600" cy="1143000"/>
-          </a:xfrm>
-        </p:spPr>
-        <p:txBody>
-          <a:bodyPr/>
-          <a:lstStyle/>
-          <a:p>
-            <a:r>
-              <a:rPr kumimoji="1" lang="ja-JP" altLang="en-US" dirty="0" smtClean="0"/>
-              <a:t>デバッグ</a:t>
-            </a:r>
-            <a:endParaRPr kumimoji="1" lang="ja-JP" altLang="en-US" dirty="0"/>
-          </a:p>
-        </p:txBody>
-      </p:sp>
-    </p:spTree>
-  </p:cSld>
-  <p:clrMapOvr>
-    <a:masterClrMapping/>
-  </p:clrMapOvr>
-</p:sld>
-</file>
-
-<file path=ppt/slides/slide31.xml><?xml version="1.0" encoding="utf-8"?>
+<file path=ppt/slides/slide33.xml><?xml version="1.0" encoding="utf-8"?>
 <p:sld xmlns:a="http://schemas.openxmlformats.org/drawingml/2006/main" xmlns:r="http://schemas.openxmlformats.org/officeDocument/2006/relationships" xmlns:p="http://schemas.openxmlformats.org/presentationml/2006/main">
   <p:cSld>
     <p:spTree>
@@ -9017,248 +9585,6 @@
               <a:ea typeface="+mn-ea"/>
               <a:cs typeface="+mn-cs"/>
             </a:endParaRPr>
-          </a:p>
-        </p:txBody>
-      </p:sp>
-    </p:spTree>
-  </p:cSld>
-  <p:clrMapOvr>
-    <a:masterClrMapping/>
-  </p:clrMapOvr>
-  <p:timing>
-    <p:tnLst>
-      <p:par>
-        <p:cTn id="1" dur="indefinite" restart="never" nodeType="tmRoot"/>
-      </p:par>
-    </p:tnLst>
-  </p:timing>
-</p:sld>
-</file>
-
-<file path=ppt/slides/slide32.xml><?xml version="1.0" encoding="utf-8"?>
-<p:sld xmlns:a="http://schemas.openxmlformats.org/drawingml/2006/main" xmlns:r="http://schemas.openxmlformats.org/officeDocument/2006/relationships" xmlns:p="http://schemas.openxmlformats.org/presentationml/2006/main">
-  <p:cSld>
-    <p:spTree>
-      <p:nvGrpSpPr>
-        <p:cNvPr id="1" name=""/>
-        <p:cNvGrpSpPr/>
-        <p:nvPr/>
-      </p:nvGrpSpPr>
-      <p:grpSpPr>
-        <a:xfrm>
-          <a:off x="0" y="0"/>
-          <a:ext cx="0" cy="0"/>
-          <a:chOff x="0" y="0"/>
-          <a:chExt cx="0" cy="0"/>
-        </a:xfrm>
-      </p:grpSpPr>
-      <p:sp>
-        <p:nvSpPr>
-          <p:cNvPr id="2" name="タイトル 1"/>
-          <p:cNvSpPr>
-            <a:spLocks noGrp="1"/>
-          </p:cNvSpPr>
-          <p:nvPr>
-            <p:ph type="title"/>
-          </p:nvPr>
-        </p:nvSpPr>
-        <p:spPr>
-          <a:xfrm>
-            <a:off x="457200" y="2500306"/>
-            <a:ext cx="8229600" cy="1143000"/>
-          </a:xfrm>
-        </p:spPr>
-        <p:txBody>
-          <a:bodyPr/>
-          <a:lstStyle/>
-          <a:p>
-            <a:r>
-              <a:rPr kumimoji="1" lang="ja-JP" altLang="en-US" dirty="0" smtClean="0"/>
-              <a:t>プレハブ名一覧</a:t>
-            </a:r>
-            <a:endParaRPr kumimoji="1" lang="ja-JP" altLang="en-US" dirty="0"/>
-          </a:p>
-        </p:txBody>
-      </p:sp>
-    </p:spTree>
-  </p:cSld>
-  <p:clrMapOvr>
-    <a:masterClrMapping/>
-  </p:clrMapOvr>
-</p:sld>
-</file>
-
-<file path=ppt/slides/slide33.xml><?xml version="1.0" encoding="utf-8"?>
-<p:sld xmlns:a="http://schemas.openxmlformats.org/drawingml/2006/main" xmlns:r="http://schemas.openxmlformats.org/officeDocument/2006/relationships" xmlns:p="http://schemas.openxmlformats.org/presentationml/2006/main">
-  <p:cSld>
-    <p:spTree>
-      <p:nvGrpSpPr>
-        <p:cNvPr id="1" name=""/>
-        <p:cNvGrpSpPr/>
-        <p:nvPr/>
-      </p:nvGrpSpPr>
-      <p:grpSpPr>
-        <a:xfrm>
-          <a:off x="0" y="0"/>
-          <a:ext cx="0" cy="0"/>
-          <a:chOff x="0" y="0"/>
-          <a:chExt cx="0" cy="0"/>
-        </a:xfrm>
-      </p:grpSpPr>
-      <p:sp>
-        <p:nvSpPr>
-          <p:cNvPr id="2" name="タイトル 1"/>
-          <p:cNvSpPr>
-            <a:spLocks noGrp="1"/>
-          </p:cNvSpPr>
-          <p:nvPr>
-            <p:ph type="title"/>
-          </p:nvPr>
-        </p:nvSpPr>
-        <p:spPr/>
-        <p:txBody>
-          <a:bodyPr>
-            <a:normAutofit/>
-          </a:bodyPr>
-          <a:lstStyle/>
-          <a:p>
-            <a:r>
-              <a:rPr lang="ja-JP" altLang="en-US" dirty="0" smtClean="0">
-                <a:ln w="18415" cmpd="sng">
-                  <a:solidFill>
-                    <a:schemeClr val="bg1"/>
-                  </a:solidFill>
-                  <a:prstDash val="solid"/>
-                </a:ln>
-                <a:solidFill>
-                  <a:srgbClr val="FF0000"/>
-                </a:solidFill>
-              </a:rPr>
-              <a:t>・プレハブ名</a:t>
-            </a:r>
-            <a:endParaRPr lang="ja-JP" altLang="en-US" dirty="0">
-              <a:ln w="18415" cmpd="sng">
-                <a:solidFill>
-                  <a:schemeClr val="bg1"/>
-                </a:solidFill>
-                <a:prstDash val="solid"/>
-              </a:ln>
-              <a:solidFill>
-                <a:srgbClr val="FF0000"/>
-              </a:solidFill>
-            </a:endParaRPr>
-          </a:p>
-        </p:txBody>
-      </p:sp>
-      <p:sp>
-        <p:nvSpPr>
-          <p:cNvPr id="3" name="コンテンツ プレースホルダ 2"/>
-          <p:cNvSpPr>
-            <a:spLocks noGrp="1"/>
-          </p:cNvSpPr>
-          <p:nvPr>
-            <p:ph idx="1"/>
-          </p:nvPr>
-        </p:nvSpPr>
-        <p:spPr>
-          <a:xfrm>
-            <a:off x="457200" y="1600201"/>
-            <a:ext cx="8229600" cy="4972071"/>
-          </a:xfrm>
-        </p:spPr>
-        <p:txBody>
-          <a:bodyPr>
-            <a:normAutofit/>
-          </a:bodyPr>
-          <a:lstStyle/>
-          <a:p>
-            <a:r>
-              <a:rPr kumimoji="1" lang="ja-JP" altLang="en-US" sz="1800" dirty="0" smtClean="0"/>
-              <a:t>自機</a:t>
-            </a:r>
-            <a:endParaRPr kumimoji="1" lang="en-US" altLang="ja-JP" sz="1800" dirty="0" smtClean="0"/>
-          </a:p>
-          <a:p>
-            <a:r>
-              <a:rPr lang="ja-JP" altLang="en-US" sz="1800" dirty="0" smtClean="0"/>
-              <a:t>地球</a:t>
-            </a:r>
-            <a:endParaRPr lang="en-US" altLang="ja-JP" sz="1800" dirty="0" smtClean="0"/>
-          </a:p>
-          <a:p>
-            <a:r>
-              <a:rPr kumimoji="1" lang="en-US" altLang="ja-JP" sz="1800" dirty="0" smtClean="0"/>
-              <a:t>UI</a:t>
-            </a:r>
-          </a:p>
-          <a:p>
-            <a:r>
-              <a:rPr lang="ja-JP" altLang="en-US" sz="1800" dirty="0" smtClean="0"/>
-              <a:t>背景</a:t>
-            </a:r>
-            <a:endParaRPr lang="en-US" altLang="ja-JP" sz="1800" dirty="0" smtClean="0"/>
-          </a:p>
-          <a:p>
-            <a:r>
-              <a:rPr lang="ja-JP" altLang="en-US" sz="1800" dirty="0" smtClean="0"/>
-              <a:t>隕石</a:t>
-            </a:r>
-            <a:endParaRPr lang="en-US" altLang="ja-JP" sz="1800" dirty="0" smtClean="0"/>
-          </a:p>
-          <a:p>
-            <a:r>
-              <a:rPr kumimoji="1" lang="ja-JP" altLang="en-US" sz="1800" dirty="0" smtClean="0"/>
-              <a:t>デカ隕石</a:t>
-            </a:r>
-            <a:endParaRPr kumimoji="1" lang="en-US" altLang="ja-JP" sz="1800" dirty="0" smtClean="0"/>
-          </a:p>
-          <a:p>
-            <a:r>
-              <a:rPr lang="ja-JP" altLang="en-US" sz="1800" dirty="0" smtClean="0"/>
-              <a:t>突撃</a:t>
-            </a:r>
-            <a:endParaRPr lang="en-US" altLang="ja-JP" sz="1800" dirty="0" smtClean="0"/>
-          </a:p>
-          <a:p>
-            <a:r>
-              <a:rPr kumimoji="1" lang="ja-JP" altLang="en-US" sz="1800" dirty="0" smtClean="0"/>
-              <a:t>砲撃</a:t>
-            </a:r>
-            <a:endParaRPr kumimoji="1" lang="en-US" altLang="ja-JP" sz="1800" dirty="0" smtClean="0"/>
-          </a:p>
-          <a:p>
-            <a:r>
-              <a:rPr lang="ja-JP" altLang="en-US" sz="1800" dirty="0" smtClean="0"/>
-              <a:t>要塞</a:t>
-            </a:r>
-            <a:endParaRPr lang="en-US" altLang="ja-JP" sz="1800" dirty="0" smtClean="0"/>
-          </a:p>
-          <a:p>
-            <a:r>
-              <a:rPr kumimoji="1" lang="ja-JP" altLang="en-US" sz="1800" dirty="0" smtClean="0"/>
-              <a:t>弾</a:t>
-            </a:r>
-            <a:endParaRPr kumimoji="1" lang="en-US" altLang="ja-JP" sz="1800" dirty="0" smtClean="0"/>
-          </a:p>
-          <a:p>
-            <a:r>
-              <a:rPr lang="en-US" altLang="ja-JP" sz="1800" dirty="0" smtClean="0"/>
-              <a:t>BGM</a:t>
-            </a:r>
-          </a:p>
-          <a:p>
-            <a:r>
-              <a:rPr kumimoji="1" lang="ja-JP" altLang="en-US" sz="1800" dirty="0" smtClean="0"/>
-              <a:t>エフェクト</a:t>
-            </a:r>
-            <a:endParaRPr kumimoji="1" lang="en-US" altLang="ja-JP" sz="1800" dirty="0" smtClean="0"/>
-          </a:p>
-          <a:p>
-            <a:r>
-              <a:rPr lang="ja-JP" altLang="en-US" sz="1800" dirty="0" smtClean="0"/>
-              <a:t>フォント</a:t>
-            </a:r>
-            <a:endParaRPr kumimoji="1" lang="ja-JP" altLang="en-US" sz="1800" dirty="0"/>
           </a:p>
         </p:txBody>
       </p:sp>
@@ -9304,6 +9630,248 @@
             <p:ph type="title"/>
           </p:nvPr>
         </p:nvSpPr>
+        <p:spPr>
+          <a:xfrm>
+            <a:off x="457200" y="2500306"/>
+            <a:ext cx="8229600" cy="1143000"/>
+          </a:xfrm>
+        </p:spPr>
+        <p:txBody>
+          <a:bodyPr/>
+          <a:lstStyle/>
+          <a:p>
+            <a:r>
+              <a:rPr kumimoji="1" lang="ja-JP" altLang="en-US" dirty="0" smtClean="0"/>
+              <a:t>プレハブ名一覧</a:t>
+            </a:r>
+            <a:endParaRPr kumimoji="1" lang="ja-JP" altLang="en-US" dirty="0"/>
+          </a:p>
+        </p:txBody>
+      </p:sp>
+    </p:spTree>
+  </p:cSld>
+  <p:clrMapOvr>
+    <a:masterClrMapping/>
+  </p:clrMapOvr>
+</p:sld>
+</file>
+
+<file path=ppt/slides/slide35.xml><?xml version="1.0" encoding="utf-8"?>
+<p:sld xmlns:a="http://schemas.openxmlformats.org/drawingml/2006/main" xmlns:r="http://schemas.openxmlformats.org/officeDocument/2006/relationships" xmlns:p="http://schemas.openxmlformats.org/presentationml/2006/main">
+  <p:cSld>
+    <p:spTree>
+      <p:nvGrpSpPr>
+        <p:cNvPr id="1" name=""/>
+        <p:cNvGrpSpPr/>
+        <p:nvPr/>
+      </p:nvGrpSpPr>
+      <p:grpSpPr>
+        <a:xfrm>
+          <a:off x="0" y="0"/>
+          <a:ext cx="0" cy="0"/>
+          <a:chOff x="0" y="0"/>
+          <a:chExt cx="0" cy="0"/>
+        </a:xfrm>
+      </p:grpSpPr>
+      <p:sp>
+        <p:nvSpPr>
+          <p:cNvPr id="2" name="タイトル 1"/>
+          <p:cNvSpPr>
+            <a:spLocks noGrp="1"/>
+          </p:cNvSpPr>
+          <p:nvPr>
+            <p:ph type="title"/>
+          </p:nvPr>
+        </p:nvSpPr>
+        <p:spPr/>
+        <p:txBody>
+          <a:bodyPr>
+            <a:normAutofit/>
+          </a:bodyPr>
+          <a:lstStyle/>
+          <a:p>
+            <a:r>
+              <a:rPr lang="ja-JP" altLang="en-US" dirty="0" smtClean="0">
+                <a:ln w="18415" cmpd="sng">
+                  <a:solidFill>
+                    <a:schemeClr val="bg1"/>
+                  </a:solidFill>
+                  <a:prstDash val="solid"/>
+                </a:ln>
+                <a:solidFill>
+                  <a:srgbClr val="FF0000"/>
+                </a:solidFill>
+              </a:rPr>
+              <a:t>・プレハブ名</a:t>
+            </a:r>
+            <a:endParaRPr lang="ja-JP" altLang="en-US" dirty="0">
+              <a:ln w="18415" cmpd="sng">
+                <a:solidFill>
+                  <a:schemeClr val="bg1"/>
+                </a:solidFill>
+                <a:prstDash val="solid"/>
+              </a:ln>
+              <a:solidFill>
+                <a:srgbClr val="FF0000"/>
+              </a:solidFill>
+            </a:endParaRPr>
+          </a:p>
+        </p:txBody>
+      </p:sp>
+      <p:sp>
+        <p:nvSpPr>
+          <p:cNvPr id="3" name="コンテンツ プレースホルダ 2"/>
+          <p:cNvSpPr>
+            <a:spLocks noGrp="1"/>
+          </p:cNvSpPr>
+          <p:nvPr>
+            <p:ph idx="1"/>
+          </p:nvPr>
+        </p:nvSpPr>
+        <p:spPr>
+          <a:xfrm>
+            <a:off x="457200" y="1600201"/>
+            <a:ext cx="8229600" cy="4972071"/>
+          </a:xfrm>
+        </p:spPr>
+        <p:txBody>
+          <a:bodyPr>
+            <a:normAutofit/>
+          </a:bodyPr>
+          <a:lstStyle/>
+          <a:p>
+            <a:r>
+              <a:rPr kumimoji="1" lang="ja-JP" altLang="en-US" sz="1800" dirty="0" smtClean="0"/>
+              <a:t>自機</a:t>
+            </a:r>
+            <a:endParaRPr kumimoji="1" lang="en-US" altLang="ja-JP" sz="1800" dirty="0" smtClean="0"/>
+          </a:p>
+          <a:p>
+            <a:r>
+              <a:rPr lang="ja-JP" altLang="en-US" sz="1800" dirty="0" smtClean="0"/>
+              <a:t>地球</a:t>
+            </a:r>
+            <a:endParaRPr lang="en-US" altLang="ja-JP" sz="1800" dirty="0" smtClean="0"/>
+          </a:p>
+          <a:p>
+            <a:r>
+              <a:rPr kumimoji="1" lang="en-US" altLang="ja-JP" sz="1800" dirty="0" smtClean="0"/>
+              <a:t>UI</a:t>
+            </a:r>
+          </a:p>
+          <a:p>
+            <a:r>
+              <a:rPr lang="ja-JP" altLang="en-US" sz="1800" dirty="0" smtClean="0"/>
+              <a:t>背景</a:t>
+            </a:r>
+            <a:endParaRPr lang="en-US" altLang="ja-JP" sz="1800" dirty="0" smtClean="0"/>
+          </a:p>
+          <a:p>
+            <a:r>
+              <a:rPr lang="ja-JP" altLang="en-US" sz="1800" dirty="0" smtClean="0"/>
+              <a:t>隕石</a:t>
+            </a:r>
+            <a:endParaRPr lang="en-US" altLang="ja-JP" sz="1800" dirty="0" smtClean="0"/>
+          </a:p>
+          <a:p>
+            <a:r>
+              <a:rPr kumimoji="1" lang="ja-JP" altLang="en-US" sz="1800" dirty="0" smtClean="0"/>
+              <a:t>デカ隕石</a:t>
+            </a:r>
+            <a:endParaRPr kumimoji="1" lang="en-US" altLang="ja-JP" sz="1800" dirty="0" smtClean="0"/>
+          </a:p>
+          <a:p>
+            <a:r>
+              <a:rPr lang="ja-JP" altLang="en-US" sz="1800" dirty="0" smtClean="0"/>
+              <a:t>突撃</a:t>
+            </a:r>
+            <a:endParaRPr lang="en-US" altLang="ja-JP" sz="1800" dirty="0" smtClean="0"/>
+          </a:p>
+          <a:p>
+            <a:r>
+              <a:rPr kumimoji="1" lang="ja-JP" altLang="en-US" sz="1800" dirty="0" smtClean="0"/>
+              <a:t>砲撃</a:t>
+            </a:r>
+            <a:endParaRPr kumimoji="1" lang="en-US" altLang="ja-JP" sz="1800" dirty="0" smtClean="0"/>
+          </a:p>
+          <a:p>
+            <a:r>
+              <a:rPr lang="ja-JP" altLang="en-US" sz="1800" dirty="0" smtClean="0"/>
+              <a:t>要塞</a:t>
+            </a:r>
+            <a:endParaRPr lang="en-US" altLang="ja-JP" sz="1800" dirty="0" smtClean="0"/>
+          </a:p>
+          <a:p>
+            <a:r>
+              <a:rPr kumimoji="1" lang="ja-JP" altLang="en-US" sz="1800" dirty="0" smtClean="0"/>
+              <a:t>弾</a:t>
+            </a:r>
+            <a:endParaRPr kumimoji="1" lang="en-US" altLang="ja-JP" sz="1800" dirty="0" smtClean="0"/>
+          </a:p>
+          <a:p>
+            <a:r>
+              <a:rPr lang="en-US" altLang="ja-JP" sz="1800" dirty="0" smtClean="0"/>
+              <a:t>BGM</a:t>
+            </a:r>
+          </a:p>
+          <a:p>
+            <a:r>
+              <a:rPr kumimoji="1" lang="ja-JP" altLang="en-US" sz="1800" dirty="0" smtClean="0"/>
+              <a:t>エフェクト</a:t>
+            </a:r>
+            <a:endParaRPr kumimoji="1" lang="en-US" altLang="ja-JP" sz="1800" dirty="0" smtClean="0"/>
+          </a:p>
+          <a:p>
+            <a:r>
+              <a:rPr lang="ja-JP" altLang="en-US" sz="1800" dirty="0" smtClean="0"/>
+              <a:t>フォント</a:t>
+            </a:r>
+            <a:endParaRPr kumimoji="1" lang="ja-JP" altLang="en-US" sz="1800" dirty="0"/>
+          </a:p>
+        </p:txBody>
+      </p:sp>
+    </p:spTree>
+  </p:cSld>
+  <p:clrMapOvr>
+    <a:masterClrMapping/>
+  </p:clrMapOvr>
+  <p:timing>
+    <p:tnLst>
+      <p:par>
+        <p:cTn id="1" dur="indefinite" restart="never" nodeType="tmRoot"/>
+      </p:par>
+    </p:tnLst>
+  </p:timing>
+</p:sld>
+</file>
+
+<file path=ppt/slides/slide36.xml><?xml version="1.0" encoding="utf-8"?>
+<p:sld xmlns:a="http://schemas.openxmlformats.org/drawingml/2006/main" xmlns:r="http://schemas.openxmlformats.org/officeDocument/2006/relationships" xmlns:p="http://schemas.openxmlformats.org/presentationml/2006/main">
+  <p:cSld>
+    <p:spTree>
+      <p:nvGrpSpPr>
+        <p:cNvPr id="1" name=""/>
+        <p:cNvGrpSpPr/>
+        <p:nvPr/>
+      </p:nvGrpSpPr>
+      <p:grpSpPr>
+        <a:xfrm>
+          <a:off x="0" y="0"/>
+          <a:ext cx="0" cy="0"/>
+          <a:chOff x="0" y="0"/>
+          <a:chExt cx="0" cy="0"/>
+        </a:xfrm>
+      </p:grpSpPr>
+      <p:sp>
+        <p:nvSpPr>
+          <p:cNvPr id="2" name="タイトル 1"/>
+          <p:cNvSpPr>
+            <a:spLocks noGrp="1"/>
+          </p:cNvSpPr>
+          <p:nvPr>
+            <p:ph type="title"/>
+          </p:nvPr>
+        </p:nvSpPr>
         <p:spPr/>
         <p:txBody>
           <a:bodyPr/>
@@ -9556,7 +10124,7 @@
     </p:spTree>
     <p:extLst>
       <p:ext uri="{BB962C8B-B14F-4D97-AF65-F5344CB8AC3E}">
-        <p14:creationId xmlns="" xmlns:p14="http://schemas.microsoft.com/office/powerpoint/2010/main" val="1046685223"/>
+        <p14:creationId xmlns:p14="http://schemas.microsoft.com/office/powerpoint/2010/main" xmlns="" val="1046685223"/>
       </p:ext>
     </p:extLst>
   </p:cSld>
@@ -11002,7 +11570,7 @@
                   <a:srgbClr val="FF0000"/>
                 </a:solidFill>
               </a:rPr>
-              <a:t>・ビルド</a:t>
+              <a:t>・自機エフェクト発生地点</a:t>
             </a:r>
             <a:endParaRPr lang="ja-JP" altLang="en-US" dirty="0">
               <a:ln w="18415" cmpd="sng">
@@ -11041,129 +11609,58 @@
           <a:lstStyle/>
           <a:p>
             <a:r>
-              <a:rPr lang="en-US" altLang="ja-JP" sz="1800" dirty="0" smtClean="0"/>
-              <a:t>15</a:t>
-            </a:r>
-            <a:r>
-              <a:rPr lang="ja-JP" altLang="en-US" sz="1800" dirty="0" smtClean="0"/>
-              <a:t>秒の攻撃をしのいだ後にある強化の時間</a:t>
-            </a:r>
-            <a:endParaRPr lang="en-US" altLang="ja-JP" sz="1800" dirty="0" smtClean="0"/>
-          </a:p>
-          <a:p>
-            <a:r>
-              <a:rPr lang="ja-JP" altLang="en-US" sz="1800" dirty="0" smtClean="0"/>
-              <a:t>「ハンシャ」「カベ」「ボム」の３種の内１つを選ぶ</a:t>
-            </a:r>
-            <a:endParaRPr lang="en-US" altLang="ja-JP" sz="1800" dirty="0" smtClean="0"/>
+              <a:rPr kumimoji="1" lang="en-US" altLang="ja-JP" sz="1800" dirty="0" smtClean="0"/>
+              <a:t>Arm</a:t>
+            </a:r>
+            <a:r>
+              <a:rPr kumimoji="1" lang="ja-JP" altLang="en-US" sz="1800" dirty="0" smtClean="0"/>
+              <a:t>からはマシンガン系エフェクト</a:t>
+            </a:r>
+            <a:endParaRPr kumimoji="1" lang="en-US" altLang="ja-JP" sz="1800" dirty="0" smtClean="0"/>
+          </a:p>
+          <a:p>
+            <a:r>
+              <a:rPr kumimoji="1" lang="en-US" altLang="ja-JP" sz="1800" dirty="0" smtClean="0"/>
+              <a:t>Cannon</a:t>
+            </a:r>
+            <a:r>
+              <a:rPr kumimoji="1" lang="ja-JP" altLang="en-US" sz="1800" dirty="0" smtClean="0"/>
+              <a:t>からはキャノン系エフェクト発生します。</a:t>
+            </a:r>
+            <a:endParaRPr kumimoji="1" lang="en-US" altLang="ja-JP" sz="1800" dirty="0" smtClean="0"/>
           </a:p>
           <a:p>
             <a:pPr lvl="1"/>
-            <a:r>
-              <a:rPr lang="ja-JP" altLang="en-US" sz="1400" dirty="0" smtClean="0"/>
-              <a:t>ハンシャ（ショット強化）</a:t>
-            </a:r>
-            <a:endParaRPr lang="en-US" altLang="ja-JP" sz="1400" dirty="0" smtClean="0"/>
-          </a:p>
-          <a:p>
-            <a:pPr lvl="2"/>
-            <a:r>
-              <a:rPr lang="ja-JP" altLang="en-US" sz="1200" dirty="0" smtClean="0"/>
-              <a:t>ショットの方向を変え威力を上げる</a:t>
-            </a:r>
             <a:endParaRPr lang="en-US" altLang="ja-JP" sz="1200" dirty="0" smtClean="0"/>
           </a:p>
-          <a:p>
-            <a:pPr lvl="1"/>
-            <a:r>
-              <a:rPr lang="ja-JP" altLang="en-US" sz="1400" dirty="0" smtClean="0"/>
-              <a:t>カベ（守り固める）</a:t>
-            </a:r>
-            <a:endParaRPr lang="en-US" altLang="ja-JP" sz="1400" dirty="0" smtClean="0"/>
-          </a:p>
-          <a:p>
-            <a:pPr lvl="2"/>
-            <a:r>
-              <a:rPr lang="ja-JP" altLang="en-US" sz="1200" dirty="0" smtClean="0"/>
-              <a:t>敵の突撃や弾を遮る</a:t>
-            </a:r>
-            <a:endParaRPr lang="en-US" altLang="ja-JP" sz="1200" dirty="0" smtClean="0"/>
-          </a:p>
-          <a:p>
-            <a:pPr lvl="1"/>
-            <a:r>
-              <a:rPr lang="ja-JP" altLang="en-US" sz="1400" dirty="0" smtClean="0"/>
-              <a:t>ボム（必殺技）</a:t>
-            </a:r>
-            <a:endParaRPr lang="en-US" altLang="ja-JP" sz="1400" dirty="0" smtClean="0"/>
-          </a:p>
-          <a:p>
-            <a:pPr lvl="2"/>
-            <a:r>
-              <a:rPr lang="ja-JP" altLang="en-US" sz="1200" dirty="0" smtClean="0"/>
-              <a:t>画面外の敵を即死させる</a:t>
-            </a:r>
-            <a:endParaRPr lang="en-US" altLang="ja-JP" sz="1200" dirty="0" smtClean="0"/>
-          </a:p>
-        </p:txBody>
-      </p:sp>
-      <p:sp>
-        <p:nvSpPr>
-          <p:cNvPr id="5" name="コンテンツ プレースホルダ 2"/>
-          <p:cNvSpPr txBox="1">
-            <a:spLocks/>
-          </p:cNvSpPr>
+        </p:txBody>
+      </p:sp>
+      <p:pic>
+        <p:nvPicPr>
+          <p:cNvPr id="4" name="Picture 2" descr="D:\d_Program Files\360stg\無題.png"/>
+          <p:cNvPicPr>
+            <a:picLocks noChangeAspect="1" noChangeArrowheads="1"/>
+          </p:cNvPicPr>
           <p:nvPr/>
-        </p:nvSpPr>
-        <p:spPr>
+        </p:nvPicPr>
+        <p:blipFill>
+          <a:blip r:embed="rId2"/>
+          <a:srcRect/>
+          <a:stretch>
+            <a:fillRect/>
+          </a:stretch>
+        </p:blipFill>
+        <p:spPr bwMode="auto">
           <a:xfrm>
-            <a:off x="5967418" y="3214686"/>
-            <a:ext cx="3176582" cy="428627"/>
+            <a:off x="2922587" y="3152775"/>
+            <a:ext cx="6221413" cy="3705225"/>
           </a:xfrm>
           <a:prstGeom prst="rect">
             <a:avLst/>
           </a:prstGeom>
+          <a:noFill/>
         </p:spPr>
-        <p:txBody>
-          <a:bodyPr vert="horz" lIns="91440" tIns="45720" rIns="91440" bIns="45720" rtlCol="0">
-            <a:normAutofit/>
-          </a:bodyPr>
-          <a:lstStyle/>
-          <a:p>
-            <a:pPr marL="742950" marR="0" lvl="1" indent="-285750" algn="l" defTabSz="914400" rtl="0" eaLnBrk="1" fontAlgn="auto" latinLnBrk="0" hangingPunct="1">
-              <a:lnSpc>
-                <a:spcPct val="100000"/>
-              </a:lnSpc>
-              <a:spcBef>
-                <a:spcPct val="20000"/>
-              </a:spcBef>
-              <a:spcAft>
-                <a:spcPts val="0"/>
-              </a:spcAft>
-              <a:buClrTx/>
-              <a:buSzTx/>
-              <a:buFont typeface="Arial" pitchFamily="34" charset="0"/>
-              <a:buChar char="–"/>
-              <a:tabLst/>
-              <a:defRPr/>
-            </a:pPr>
-            <a:endParaRPr kumimoji="1" lang="en-US" altLang="ja-JP" sz="1200" b="0" i="0" u="none" strike="noStrike" kern="1200" cap="none" spc="0" normalizeH="0" baseline="0" noProof="0" dirty="0" smtClean="0">
-              <a:ln>
-                <a:noFill/>
-              </a:ln>
-              <a:solidFill>
-                <a:schemeClr val="tx1"/>
-              </a:solidFill>
-              <a:effectLst/>
-              <a:uLnTx/>
-              <a:uFillTx/>
-              <a:latin typeface="+mn-lt"/>
-              <a:ea typeface="+mn-ea"/>
-              <a:cs typeface="+mn-cs"/>
-            </a:endParaRPr>
-          </a:p>
-        </p:txBody>
-      </p:sp>
+      </p:pic>
     </p:spTree>
   </p:cSld>
   <p:clrMapOvr>
@@ -11225,7 +11722,7 @@
                   <a:srgbClr val="FF0000"/>
                 </a:solidFill>
               </a:rPr>
-              <a:t>・ビルド（ハンシャ）</a:t>
+              <a:t>・ビルド</a:t>
             </a:r>
             <a:endParaRPr lang="ja-JP" altLang="en-US" dirty="0">
               <a:ln w="18415" cmpd="sng">
@@ -11264,78 +11761,78 @@
           <a:lstStyle/>
           <a:p>
             <a:r>
-              <a:rPr lang="ja-JP" altLang="en-US" sz="1800" dirty="0" smtClean="0"/>
-              <a:t>８方向あるうちのどれか１つがランダムで選ばれる</a:t>
+              <a:rPr lang="en-US" altLang="ja-JP" sz="1800" dirty="0" smtClean="0"/>
+              <a:t>15</a:t>
+            </a:r>
+            <a:r>
+              <a:rPr lang="ja-JP" altLang="en-US" sz="1800" dirty="0" smtClean="0"/>
+              <a:t>秒の攻撃をしのいだ後にある強化の時間</a:t>
             </a:r>
             <a:endParaRPr lang="en-US" altLang="ja-JP" sz="1800" dirty="0" smtClean="0"/>
           </a:p>
           <a:p>
+            <a:r>
+              <a:rPr lang="ja-JP" altLang="en-US" sz="1800" dirty="0" smtClean="0"/>
+              <a:t>「ハンシャ」「カベ」「ボム」の３種の内</a:t>
+            </a:r>
+            <a:endParaRPr lang="en-US" altLang="ja-JP" sz="1800" dirty="0" smtClean="0"/>
+          </a:p>
+          <a:p>
+            <a:pPr>
+              <a:buNone/>
+            </a:pPr>
+            <a:r>
+              <a:rPr lang="ja-JP" altLang="en-US" sz="1800" dirty="0" smtClean="0"/>
+              <a:t>　　　ランダムで選ばれる２つの内の１つを選ぶ</a:t>
+            </a:r>
+            <a:endParaRPr lang="en-US" altLang="ja-JP" sz="1800" dirty="0" smtClean="0"/>
+          </a:p>
+          <a:p>
             <a:pPr lvl="1"/>
             <a:r>
               <a:rPr lang="ja-JP" altLang="en-US" sz="1400" dirty="0" smtClean="0"/>
-              <a:t>方向は上、下、左、右、斜め４方</a:t>
+              <a:t>ハンシャ（ショット強化）</a:t>
             </a:r>
             <a:endParaRPr lang="en-US" altLang="ja-JP" sz="1400" dirty="0" smtClean="0"/>
           </a:p>
           <a:p>
-            <a:r>
-              <a:rPr lang="ja-JP" altLang="en-US" sz="1800" dirty="0" smtClean="0"/>
-              <a:t>選択すると画面内にハンシャのオブジェクトが出現</a:t>
-            </a:r>
-            <a:endParaRPr lang="en-US" altLang="ja-JP" sz="1800" dirty="0" smtClean="0"/>
-          </a:p>
-          <a:p>
-            <a:r>
-              <a:rPr lang="ja-JP" altLang="en-US" sz="1800" dirty="0" smtClean="0"/>
-              <a:t>フリック操作で位置を</a:t>
-            </a:r>
-            <a:r>
-              <a:rPr lang="ja-JP" altLang="en-US" sz="1800" smtClean="0"/>
-              <a:t>いつでもどこでも動かす</a:t>
-            </a:r>
-            <a:r>
-              <a:rPr lang="ja-JP" altLang="en-US" sz="1800" dirty="0" smtClean="0"/>
-              <a:t>ことが出来る</a:t>
-            </a:r>
-            <a:endParaRPr lang="en-US" altLang="ja-JP" sz="1800" dirty="0" smtClean="0"/>
-          </a:p>
-          <a:p>
-            <a:r>
-              <a:rPr lang="ja-JP" altLang="en-US" sz="1800" dirty="0" smtClean="0"/>
-              <a:t>ショットを当てることで決まった方向にショットを撃ち返す</a:t>
-            </a:r>
-            <a:endParaRPr lang="en-US" altLang="ja-JP" sz="1800" dirty="0" smtClean="0"/>
-          </a:p>
-          <a:p>
-            <a:r>
-              <a:rPr lang="ja-JP" altLang="en-US" sz="1800" dirty="0" smtClean="0"/>
-              <a:t>撃ち返したショットを別のハンシャに当てると威力が倍々に増えていく</a:t>
-            </a:r>
-            <a:endParaRPr lang="en-US" altLang="ja-JP" sz="1800" dirty="0" smtClean="0"/>
-          </a:p>
-          <a:p>
-            <a:r>
-              <a:rPr lang="ja-JP" altLang="en-US" sz="1800" dirty="0" smtClean="0"/>
-              <a:t>基本無敵</a:t>
-            </a:r>
+            <a:pPr lvl="2"/>
             <a:r>
               <a:rPr lang="ja-JP" altLang="en-US" sz="1200" dirty="0" smtClean="0"/>
-              <a:t>（一部除く）</a:t>
+              <a:t>ショットの方向を変え威力を上げる</a:t>
             </a:r>
             <a:endParaRPr lang="en-US" altLang="ja-JP" sz="1200" dirty="0" smtClean="0"/>
           </a:p>
           <a:p>
-            <a:r>
-              <a:rPr lang="ja-JP" altLang="en-US" sz="1800" dirty="0" smtClean="0"/>
-              <a:t>敵や敵弾の当たり判定はない</a:t>
-            </a:r>
-            <a:endParaRPr lang="en-US" altLang="ja-JP" sz="1800" dirty="0" smtClean="0"/>
-          </a:p>
-          <a:p>
-            <a:endParaRPr lang="en-US" altLang="ja-JP" sz="1800" dirty="0" smtClean="0"/>
-          </a:p>
-          <a:p>
             <a:pPr lvl="1"/>
+            <a:r>
+              <a:rPr lang="ja-JP" altLang="en-US" sz="1400" dirty="0" smtClean="0"/>
+              <a:t>カベ（守り固める）</a:t>
+            </a:r>
+            <a:endParaRPr lang="en-US" altLang="ja-JP" sz="1400" dirty="0" smtClean="0"/>
+          </a:p>
+          <a:p>
+            <a:pPr lvl="2"/>
+            <a:r>
+              <a:rPr lang="ja-JP" altLang="en-US" sz="1200" dirty="0" smtClean="0"/>
+              <a:t>敵の突撃や弾を遮る</a:t>
+            </a:r>
+            <a:endParaRPr lang="en-US" altLang="ja-JP" sz="1200" dirty="0" smtClean="0"/>
+          </a:p>
+          <a:p>
+            <a:pPr lvl="1"/>
+            <a:r>
+              <a:rPr lang="ja-JP" altLang="en-US" sz="1400" dirty="0" smtClean="0"/>
+              <a:t>ボム（必殺技）</a:t>
+            </a:r>
+            <a:endParaRPr lang="en-US" altLang="ja-JP" sz="1400" dirty="0" smtClean="0"/>
+          </a:p>
+          <a:p>
+            <a:pPr lvl="2"/>
+            <a:r>
+              <a:rPr lang="ja-JP" altLang="en-US" sz="1200" dirty="0" smtClean="0"/>
+              <a:t>画面外の敵を即死させる</a:t>
+            </a:r>
             <a:endParaRPr lang="en-US" altLang="ja-JP" sz="1200" dirty="0" smtClean="0"/>
           </a:p>
         </p:txBody>
@@ -11397,6 +11894,84 @@
           </a:p>
         </p:txBody>
       </p:sp>
+      <p:pic>
+        <p:nvPicPr>
+          <p:cNvPr id="2052" name="Picture 4" descr="D:\d_Program Files\360stg\ｂｔｎ.png"/>
+          <p:cNvPicPr>
+            <a:picLocks noChangeAspect="1" noChangeArrowheads="1"/>
+          </p:cNvPicPr>
+          <p:nvPr/>
+        </p:nvPicPr>
+        <p:blipFill>
+          <a:blip r:embed="rId2"/>
+          <a:srcRect/>
+          <a:stretch>
+            <a:fillRect/>
+          </a:stretch>
+        </p:blipFill>
+        <p:spPr bwMode="auto">
+          <a:xfrm>
+            <a:off x="5512696" y="4071942"/>
+            <a:ext cx="3631303" cy="2786058"/>
+          </a:xfrm>
+          <a:prstGeom prst="rect">
+            <a:avLst/>
+          </a:prstGeom>
+          <a:noFill/>
+        </p:spPr>
+      </p:pic>
+      <p:pic>
+        <p:nvPicPr>
+          <p:cNvPr id="1026" name="Picture 2" descr="D:\d_Program Files\360stg\birudo_fr.png"/>
+          <p:cNvPicPr>
+            <a:picLocks noChangeAspect="1" noChangeArrowheads="1"/>
+          </p:cNvPicPr>
+          <p:nvPr/>
+        </p:nvPicPr>
+        <p:blipFill>
+          <a:blip r:embed="rId3"/>
+          <a:srcRect/>
+          <a:stretch>
+            <a:fillRect/>
+          </a:stretch>
+        </p:blipFill>
+        <p:spPr bwMode="auto">
+          <a:xfrm>
+            <a:off x="3500430" y="4286256"/>
+            <a:ext cx="2026469" cy="2571744"/>
+          </a:xfrm>
+          <a:prstGeom prst="rect">
+            <a:avLst/>
+          </a:prstGeom>
+          <a:noFill/>
+        </p:spPr>
+      </p:pic>
+      <p:pic>
+        <p:nvPicPr>
+          <p:cNvPr id="4" name="Picture 2" descr="D:\d_Program Files\360stg\ビルド選択.png"/>
+          <p:cNvPicPr>
+            <a:picLocks noChangeAspect="1" noChangeArrowheads="1"/>
+          </p:cNvPicPr>
+          <p:nvPr/>
+        </p:nvPicPr>
+        <p:blipFill>
+          <a:blip r:embed="rId4"/>
+          <a:srcRect/>
+          <a:stretch>
+            <a:fillRect/>
+          </a:stretch>
+        </p:blipFill>
+        <p:spPr bwMode="auto">
+          <a:xfrm>
+            <a:off x="1785918" y="4191013"/>
+            <a:ext cx="1736263" cy="2666987"/>
+          </a:xfrm>
+          <a:prstGeom prst="rect">
+            <a:avLst/>
+          </a:prstGeom>
+          <a:noFill/>
+        </p:spPr>
+      </p:pic>
     </p:spTree>
   </p:cSld>
   <p:clrMapOvr>

--- a/project/資料/スマホ最適化縦STG_仕様書2019.pptx
+++ b/project/資料/スマホ最適化縦STG_仕様書2019.pptx
@@ -153,7 +153,7 @@
   </p:defaultTextStyle>
   <p:extLst>
     <p:ext uri="{EFAFB233-063F-42B5-8137-9DF3F51BA10A}">
-      <p15:sldGuideLst xmlns:p15="http://schemas.microsoft.com/office/powerpoint/2012/main" xmlns="">
+      <p15:sldGuideLst xmlns="" xmlns:p15="http://schemas.microsoft.com/office/powerpoint/2012/main">
         <p15:guide id="1" orient="horz" pos="2160" userDrawn="1">
           <p15:clr>
             <a:srgbClr val="A4A3A4"/>
@@ -253,7 +253,7 @@
             <a:fld id="{8587BA4A-3F63-455B-A7BC-BE3ACF86011E}" type="datetimeFigureOut">
               <a:rPr kumimoji="1" lang="ja-JP" altLang="en-US" smtClean="0"/>
               <a:pPr/>
-              <a:t>2020/6/4</a:t>
+              <a:t>2020/8/8</a:t>
             </a:fld>
             <a:endParaRPr kumimoji="1" lang="ja-JP" altLang="en-US"/>
           </a:p>
@@ -456,7 +456,7 @@
     </p:spTree>
     <p:extLst>
       <p:ext uri="{BB962C8B-B14F-4D97-AF65-F5344CB8AC3E}">
-        <p14:creationId xmlns:p14="http://schemas.microsoft.com/office/powerpoint/2010/main" xmlns="" val="2272850417"/>
+        <p14:creationId xmlns="" xmlns:p14="http://schemas.microsoft.com/office/powerpoint/2010/main" val="2272850417"/>
       </p:ext>
     </p:extLst>
   </p:cSld>
@@ -738,7 +738,7 @@
             <a:fld id="{51B869B6-A1BB-4C9E-8561-EA9AF8554193}" type="datetimeFigureOut">
               <a:rPr kumimoji="1" lang="ja-JP" altLang="en-US" smtClean="0"/>
               <a:pPr/>
-              <a:t>2020/6/4</a:t>
+              <a:t>2020/8/8</a:t>
             </a:fld>
             <a:endParaRPr kumimoji="1" lang="ja-JP" altLang="en-US"/>
           </a:p>
@@ -937,7 +937,7 @@
             <a:fld id="{51B869B6-A1BB-4C9E-8561-EA9AF8554193}" type="datetimeFigureOut">
               <a:rPr kumimoji="1" lang="ja-JP" altLang="en-US" smtClean="0"/>
               <a:pPr/>
-              <a:t>2020/6/4</a:t>
+              <a:t>2020/8/8</a:t>
             </a:fld>
             <a:endParaRPr kumimoji="1" lang="ja-JP" altLang="en-US"/>
           </a:p>
@@ -1146,7 +1146,7 @@
             <a:fld id="{51B869B6-A1BB-4C9E-8561-EA9AF8554193}" type="datetimeFigureOut">
               <a:rPr kumimoji="1" lang="ja-JP" altLang="en-US" smtClean="0"/>
               <a:pPr/>
-              <a:t>2020/6/4</a:t>
+              <a:t>2020/8/8</a:t>
             </a:fld>
             <a:endParaRPr kumimoji="1" lang="ja-JP" altLang="en-US"/>
           </a:p>
@@ -1345,7 +1345,7 @@
             <a:fld id="{51B869B6-A1BB-4C9E-8561-EA9AF8554193}" type="datetimeFigureOut">
               <a:rPr kumimoji="1" lang="ja-JP" altLang="en-US" smtClean="0"/>
               <a:pPr/>
-              <a:t>2020/6/4</a:t>
+              <a:t>2020/8/8</a:t>
             </a:fld>
             <a:endParaRPr kumimoji="1" lang="ja-JP" altLang="en-US"/>
           </a:p>
@@ -1588,7 +1588,7 @@
             <a:fld id="{51B869B6-A1BB-4C9E-8561-EA9AF8554193}" type="datetimeFigureOut">
               <a:rPr kumimoji="1" lang="ja-JP" altLang="en-US" smtClean="0"/>
               <a:pPr/>
-              <a:t>2020/6/4</a:t>
+              <a:t>2020/8/8</a:t>
             </a:fld>
             <a:endParaRPr kumimoji="1" lang="ja-JP" altLang="en-US"/>
           </a:p>
@@ -1937,7 +1937,7 @@
             <a:fld id="{51B869B6-A1BB-4C9E-8561-EA9AF8554193}" type="datetimeFigureOut">
               <a:rPr kumimoji="1" lang="ja-JP" altLang="en-US" smtClean="0"/>
               <a:pPr/>
-              <a:t>2020/6/4</a:t>
+              <a:t>2020/8/8</a:t>
             </a:fld>
             <a:endParaRPr kumimoji="1" lang="ja-JP" altLang="en-US"/>
           </a:p>
@@ -2420,7 +2420,7 @@
             <a:fld id="{51B869B6-A1BB-4C9E-8561-EA9AF8554193}" type="datetimeFigureOut">
               <a:rPr kumimoji="1" lang="ja-JP" altLang="en-US" smtClean="0"/>
               <a:pPr/>
-              <a:t>2020/6/4</a:t>
+              <a:t>2020/8/8</a:t>
             </a:fld>
             <a:endParaRPr kumimoji="1" lang="ja-JP" altLang="en-US"/>
           </a:p>
@@ -2535,7 +2535,7 @@
             <a:fld id="{51B869B6-A1BB-4C9E-8561-EA9AF8554193}" type="datetimeFigureOut">
               <a:rPr kumimoji="1" lang="ja-JP" altLang="en-US" smtClean="0"/>
               <a:pPr/>
-              <a:t>2020/6/4</a:t>
+              <a:t>2020/8/8</a:t>
             </a:fld>
             <a:endParaRPr kumimoji="1" lang="ja-JP" altLang="en-US"/>
           </a:p>
@@ -2627,7 +2627,7 @@
             <a:fld id="{51B869B6-A1BB-4C9E-8561-EA9AF8554193}" type="datetimeFigureOut">
               <a:rPr kumimoji="1" lang="ja-JP" altLang="en-US" smtClean="0"/>
               <a:pPr/>
-              <a:t>2020/6/4</a:t>
+              <a:t>2020/8/8</a:t>
             </a:fld>
             <a:endParaRPr kumimoji="1" lang="ja-JP" altLang="en-US"/>
           </a:p>
@@ -2933,7 +2933,7 @@
             <a:fld id="{51B869B6-A1BB-4C9E-8561-EA9AF8554193}" type="datetimeFigureOut">
               <a:rPr kumimoji="1" lang="ja-JP" altLang="en-US" smtClean="0"/>
               <a:pPr/>
-              <a:t>2020/6/4</a:t>
+              <a:t>2020/8/8</a:t>
             </a:fld>
             <a:endParaRPr kumimoji="1" lang="ja-JP" altLang="en-US"/>
           </a:p>
@@ -3183,7 +3183,7 @@
             <a:fld id="{51B869B6-A1BB-4C9E-8561-EA9AF8554193}" type="datetimeFigureOut">
               <a:rPr kumimoji="1" lang="ja-JP" altLang="en-US" smtClean="0"/>
               <a:pPr/>
-              <a:t>2020/6/4</a:t>
+              <a:t>2020/8/8</a:t>
             </a:fld>
             <a:endParaRPr kumimoji="1" lang="ja-JP" altLang="en-US"/>
           </a:p>
@@ -3425,7 +3425,7 @@
             <a:fld id="{51B869B6-A1BB-4C9E-8561-EA9AF8554193}" type="datetimeFigureOut">
               <a:rPr kumimoji="1" lang="ja-JP" altLang="en-US" smtClean="0"/>
               <a:pPr/>
-              <a:t>2020/6/4</a:t>
+              <a:t>2020/8/8</a:t>
             </a:fld>
             <a:endParaRPr kumimoji="1" lang="ja-JP" altLang="en-US"/>
           </a:p>
@@ -4294,23 +4294,7 @@
             <a:pPr lvl="1"/>
             <a:r>
               <a:rPr lang="ja-JP" altLang="en-US" sz="1400" dirty="0" smtClean="0"/>
-              <a:t>のこりの耐久度で２段階の速度で明滅をさせる。</a:t>
-            </a:r>
-            <a:r>
-              <a:rPr lang="ja-JP" altLang="en-US" sz="1400" dirty="0" smtClean="0"/>
-              <a:t>（</a:t>
-            </a:r>
-            <a:r>
-              <a:rPr lang="ja-JP" altLang="en-US" sz="1400" dirty="0" smtClean="0"/>
-              <a:t>残り耐久</a:t>
-            </a:r>
-            <a:r>
-              <a:rPr lang="ja-JP" altLang="en-US" sz="1400" dirty="0" smtClean="0"/>
-              <a:t>５回</a:t>
-            </a:r>
-            <a:r>
-              <a:rPr lang="ja-JP" altLang="en-US" sz="1400" dirty="0" smtClean="0"/>
-              <a:t>と１回）</a:t>
+              <a:t>のこりの耐久度で２段階の速度で明滅をさせる。（残り耐久５回と１回）</a:t>
             </a:r>
             <a:endParaRPr lang="en-US" altLang="ja-JP" sz="1400" dirty="0" smtClean="0"/>
           </a:p>
@@ -4754,15 +4738,7 @@
           <a:p>
             <a:r>
               <a:rPr lang="ja-JP" altLang="en-US" sz="1800" dirty="0" smtClean="0"/>
-              <a:t>「ハンシャ」「カベ」</a:t>
-            </a:r>
-            <a:r>
-              <a:rPr lang="ja-JP" altLang="en-US" sz="1800" dirty="0" smtClean="0"/>
-              <a:t>を選ぶと時間</a:t>
-            </a:r>
-            <a:r>
-              <a:rPr lang="ja-JP" altLang="en-US" sz="1800" dirty="0" smtClean="0"/>
-              <a:t>を止めてタップ</a:t>
+              <a:t>「ハンシャ」「カベ」を選ぶと時間を止めてタップ</a:t>
             </a:r>
             <a:r>
               <a:rPr lang="en-US" altLang="ja-JP" sz="1800" dirty="0" smtClean="0"/>
@@ -4780,8 +4756,64 @@
             </a:pPr>
             <a:r>
               <a:rPr lang="ja-JP" altLang="en-US" sz="1800" dirty="0" smtClean="0"/>
-              <a:t>　自由な場所に設置できる</a:t>
-            </a:r>
+              <a:t>　自由な場所に設置</a:t>
+            </a:r>
+            <a:r>
+              <a:rPr lang="ja-JP" altLang="en-US" sz="1800" dirty="0" smtClean="0"/>
+              <a:t>できる</a:t>
+            </a:r>
+            <a:endParaRPr lang="en-US" altLang="ja-JP" sz="1800" dirty="0" smtClean="0"/>
+          </a:p>
+          <a:p>
+            <a:pPr>
+              <a:buNone/>
+            </a:pPr>
+            <a:endParaRPr lang="en-US" altLang="ja-JP" sz="1800" dirty="0" smtClean="0"/>
+          </a:p>
+          <a:p>
+            <a:pPr>
+              <a:buNone/>
+            </a:pPr>
+            <a:r>
+              <a:rPr lang="ja-JP" altLang="en-US" sz="1800" dirty="0" smtClean="0"/>
+              <a:t>・設置時間は</a:t>
+            </a:r>
+            <a:r>
+              <a:rPr lang="en-US" altLang="ja-JP" sz="1800" dirty="0" smtClean="0"/>
+              <a:t>8</a:t>
+            </a:r>
+            <a:r>
+              <a:rPr lang="ja-JP" altLang="en-US" sz="1800" dirty="0" smtClean="0"/>
+              <a:t>秒</a:t>
+            </a:r>
+            <a:endParaRPr lang="en-US" altLang="ja-JP" sz="1800" dirty="0" smtClean="0"/>
+          </a:p>
+          <a:p>
+            <a:pPr>
+              <a:buNone/>
+            </a:pPr>
+            <a:endParaRPr lang="en-US" altLang="ja-JP" sz="1800" dirty="0" smtClean="0"/>
+          </a:p>
+          <a:p>
+            <a:pPr>
+              <a:buNone/>
+            </a:pPr>
+            <a:r>
+              <a:rPr lang="ja-JP" altLang="en-US" sz="1800" dirty="0" smtClean="0"/>
+              <a:t>・設置後はすぐに次のウェーブがはじまる</a:t>
+            </a:r>
+            <a:endParaRPr lang="en-US" altLang="ja-JP" sz="1800" dirty="0" smtClean="0"/>
+          </a:p>
+          <a:p>
+            <a:pPr>
+              <a:buNone/>
+            </a:pPr>
+            <a:endParaRPr lang="en-US" altLang="ja-JP" sz="1800" dirty="0" smtClean="0"/>
+          </a:p>
+          <a:p>
+            <a:pPr>
+              <a:buNone/>
+            </a:pPr>
             <a:endParaRPr lang="en-US" altLang="ja-JP" sz="1800" dirty="0" smtClean="0"/>
           </a:p>
         </p:txBody>
@@ -5062,8 +5094,24 @@
             </a:r>
             <a:r>
               <a:rPr lang="ja-JP" altLang="en-US" sz="1400" dirty="0" smtClean="0"/>
-              <a:t>ゆっくり等速落下して地球を斬る　近づかれると耐久無視でゲームオーバー</a:t>
-            </a:r>
+              <a:t>ゆっくり等速落下して地球を斬る　近づかれると耐久無視で</a:t>
+            </a:r>
+            <a:r>
+              <a:rPr lang="ja-JP" altLang="en-US" sz="1400" dirty="0" smtClean="0"/>
+              <a:t>ゲームオーバー</a:t>
+            </a:r>
+            <a:endParaRPr lang="en-US" altLang="ja-JP" sz="1400" dirty="0" smtClean="0"/>
+          </a:p>
+          <a:p>
+            <a:endParaRPr lang="en-US" altLang="ja-JP" sz="1400" dirty="0" smtClean="0"/>
+          </a:p>
+          <a:p>
+            <a:endParaRPr lang="en-US" altLang="ja-JP" sz="1400" dirty="0" smtClean="0"/>
+          </a:p>
+          <a:p>
+            <a:pPr>
+              <a:buNone/>
+            </a:pPr>
             <a:endParaRPr lang="en-US" altLang="ja-JP" sz="1400" dirty="0" smtClean="0"/>
           </a:p>
           <a:p>
@@ -6763,7 +6811,7 @@
     </p:spTree>
     <p:extLst>
       <p:ext uri="{BB962C8B-B14F-4D97-AF65-F5344CB8AC3E}">
-        <p14:creationId xmlns:p14="http://schemas.microsoft.com/office/powerpoint/2010/main" xmlns="" val="3100865840"/>
+        <p14:creationId xmlns="" xmlns:p14="http://schemas.microsoft.com/office/powerpoint/2010/main" val="3100865840"/>
       </p:ext>
     </p:extLst>
   </p:cSld>
@@ -10124,7 +10172,7 @@
     </p:spTree>
     <p:extLst>
       <p:ext uri="{BB962C8B-B14F-4D97-AF65-F5344CB8AC3E}">
-        <p14:creationId xmlns:p14="http://schemas.microsoft.com/office/powerpoint/2010/main" xmlns="" val="1046685223"/>
+        <p14:creationId xmlns="" xmlns:p14="http://schemas.microsoft.com/office/powerpoint/2010/main" val="1046685223"/>
       </p:ext>
     </p:extLst>
   </p:cSld>
